--- a/IntroToProgramming/Introduction to C#.pptx
+++ b/IntroToProgramming/Introduction to C#.pptx
@@ -14,31 +14,31 @@
     <p:sldId id="262" r:id="rId8"/>
     <p:sldId id="263" r:id="rId9"/>
     <p:sldId id="264" r:id="rId10"/>
-    <p:sldId id="265" r:id="rId11"/>
-    <p:sldId id="266" r:id="rId12"/>
-    <p:sldId id="267" r:id="rId13"/>
-    <p:sldId id="268" r:id="rId14"/>
-    <p:sldId id="269" r:id="rId15"/>
-    <p:sldId id="270" r:id="rId16"/>
-    <p:sldId id="272" r:id="rId17"/>
-    <p:sldId id="273" r:id="rId18"/>
-    <p:sldId id="274" r:id="rId19"/>
-    <p:sldId id="275" r:id="rId20"/>
-    <p:sldId id="276" r:id="rId21"/>
-    <p:sldId id="341" r:id="rId22"/>
-    <p:sldId id="342" r:id="rId23"/>
-    <p:sldId id="343" r:id="rId24"/>
-    <p:sldId id="344" r:id="rId25"/>
-    <p:sldId id="345" r:id="rId26"/>
-    <p:sldId id="346" r:id="rId27"/>
-    <p:sldId id="357" r:id="rId28"/>
-    <p:sldId id="348" r:id="rId29"/>
-    <p:sldId id="350" r:id="rId30"/>
-    <p:sldId id="351" r:id="rId31"/>
-    <p:sldId id="352" r:id="rId32"/>
-    <p:sldId id="353" r:id="rId33"/>
-    <p:sldId id="354" r:id="rId34"/>
-    <p:sldId id="355" r:id="rId35"/>
+    <p:sldId id="276" r:id="rId11"/>
+    <p:sldId id="341" r:id="rId12"/>
+    <p:sldId id="342" r:id="rId13"/>
+    <p:sldId id="343" r:id="rId14"/>
+    <p:sldId id="344" r:id="rId15"/>
+    <p:sldId id="345" r:id="rId16"/>
+    <p:sldId id="346" r:id="rId17"/>
+    <p:sldId id="357" r:id="rId18"/>
+    <p:sldId id="348" r:id="rId19"/>
+    <p:sldId id="350" r:id="rId20"/>
+    <p:sldId id="351" r:id="rId21"/>
+    <p:sldId id="352" r:id="rId22"/>
+    <p:sldId id="353" r:id="rId23"/>
+    <p:sldId id="354" r:id="rId24"/>
+    <p:sldId id="355" r:id="rId25"/>
+    <p:sldId id="265" r:id="rId26"/>
+    <p:sldId id="266" r:id="rId27"/>
+    <p:sldId id="267" r:id="rId28"/>
+    <p:sldId id="268" r:id="rId29"/>
+    <p:sldId id="269" r:id="rId30"/>
+    <p:sldId id="270" r:id="rId31"/>
+    <p:sldId id="272" r:id="rId32"/>
+    <p:sldId id="273" r:id="rId33"/>
+    <p:sldId id="274" r:id="rId34"/>
+    <p:sldId id="275" r:id="rId35"/>
     <p:sldId id="336" r:id="rId36"/>
     <p:sldId id="277" r:id="rId37"/>
     <p:sldId id="278" r:id="rId38"/>
@@ -3823,6 +3823,13 @@
   <p:clrMapOvr>
     <a:masterClrMapping/>
   </p:clrMapOvr>
+  <p:timing>
+    <p:tnLst>
+      <p:par>
+        <p:cTn id="1" dur="indefinite" restart="never" nodeType="tmRoot"/>
+      </p:par>
+    </p:tnLst>
+  </p:timing>
 </p:sld>
 </file>
 
@@ -3855,8 +3862,8 @@
         </p:nvSpPr>
         <p:spPr>
           <a:xfrm>
-            <a:off x="304800" y="152400"/>
-            <a:ext cx="8613648" cy="762000"/>
+            <a:off x="304800" y="0"/>
+            <a:ext cx="8613648" cy="1066800"/>
           </a:xfrm>
         </p:spPr>
         <p:txBody>
@@ -3868,7 +3875,7 @@
             <a:pPr algn="ctr"/>
             <a:r>
               <a:rPr lang="en-US" sz="3200" dirty="0" smtClean="0"/>
-              <a:t>Visual Studios Startup Screen</a:t>
+              <a:t>Basic Vocabulary Needed for C# Development</a:t>
             </a:r>
             <a:endParaRPr lang="en-US" sz="3200" dirty="0"/>
           </a:p>
@@ -3876,91 +3883,141 @@
       </p:sp>
       <p:sp>
         <p:nvSpPr>
-          <p:cNvPr id="3" name="Text Placeholder 2"/>
-          <p:cNvSpPr>
-            <a:spLocks noGrp="1"/>
-          </p:cNvSpPr>
-          <p:nvPr>
-            <p:ph type="body" sz="half" idx="2"/>
-          </p:nvPr>
-        </p:nvSpPr>
-        <p:spPr>
-          <a:xfrm>
-            <a:off x="990600" y="5105400"/>
-            <a:ext cx="7315200" cy="1164264"/>
-          </a:xfrm>
-        </p:spPr>
-        <p:txBody>
-          <a:bodyPr>
-            <a:normAutofit/>
-          </a:bodyPr>
-          <a:lstStyle/>
-          <a:p>
-            <a:pPr marL="285750" indent="-285750" algn="l">
-              <a:buFont typeface="Wingdings" pitchFamily="2" charset="2"/>
-              <a:buChar char="Ø"/>
-            </a:pPr>
-            <a:endParaRPr lang="en-US" sz="2000" b="1" dirty="0">
-              <a:solidFill>
-                <a:srgbClr val="FFFF00"/>
-              </a:solidFill>
-              <a:effectLst>
-                <a:outerShdw blurRad="38100" dist="38100" dir="2700000" algn="tl">
-                  <a:srgbClr val="000000">
-                    <a:alpha val="43137"/>
-                  </a:srgbClr>
-                </a:outerShdw>
-              </a:effectLst>
-            </a:endParaRPr>
-          </a:p>
-        </p:txBody>
-      </p:sp>
-      <p:pic>
-        <p:nvPicPr>
-          <p:cNvPr id="5" name="Picture Placeholder 4"/>
-          <p:cNvPicPr>
-            <a:picLocks noGrp="1" noChangeAspect="1"/>
-          </p:cNvPicPr>
-          <p:nvPr>
-            <p:ph type="pic" idx="1"/>
-          </p:nvPr>
-        </p:nvPicPr>
-        <p:blipFill>
-          <a:blip r:embed="rId2" cstate="print">
-            <a:extLst>
-              <a:ext uri="{28A0092B-C50C-407E-A947-70E740481C1C}">
-                <a14:useLocalDpi xmlns:a14="http://schemas.microsoft.com/office/drawing/2010/main" val="0"/>
-              </a:ext>
-            </a:extLst>
-          </a:blip>
-          <a:stretch>
-            <a:fillRect/>
-          </a:stretch>
-        </p:blipFill>
-        <p:spPr>
-          <a:xfrm>
-            <a:off x="996232" y="1158240"/>
-            <a:ext cx="7151537" cy="4937760"/>
+          <p:cNvPr id="3" name="TextBox 2"/>
+          <p:cNvSpPr txBox="1"/>
+          <p:nvPr/>
+        </p:nvSpPr>
+        <p:spPr>
+          <a:xfrm>
+            <a:off x="152400" y="1066800"/>
+            <a:ext cx="8839200" cy="4401205"/>
           </a:xfrm>
           <a:prstGeom prst="rect">
             <a:avLst/>
           </a:prstGeom>
-          <a:ln>
-            <a:noFill/>
-          </a:ln>
-          <a:effectLst>
-            <a:outerShdw blurRad="292100" dist="139700" dir="2700000" algn="tl" rotWithShape="0">
-              <a:srgbClr val="333333">
-                <a:alpha val="65000"/>
-              </a:srgbClr>
-            </a:outerShdw>
-          </a:effectLst>
-        </p:spPr>
-      </p:pic>
+          <a:noFill/>
+        </p:spPr>
+        <p:txBody>
+          <a:bodyPr wrap="square" rtlCol="0">
+            <a:spAutoFit/>
+          </a:bodyPr>
+          <a:lstStyle/>
+          <a:p>
+            <a:r>
+              <a:rPr lang="en-US" sz="2000" b="1" u="sng" dirty="0" smtClean="0"/>
+              <a:t>Algorithm</a:t>
+            </a:r>
+            <a:r>
+              <a:rPr lang="en-US" sz="2000" b="1" dirty="0" smtClean="0"/>
+              <a:t> (noun):</a:t>
+            </a:r>
+            <a:r>
+              <a:rPr lang="en-US" sz="2000" dirty="0" smtClean="0"/>
+              <a:t> </a:t>
+            </a:r>
+            <a:r>
+              <a:rPr lang="en-US" sz="2000" dirty="0"/>
+              <a:t>a step-by-step procedure to achieve a specific goal. Can be implemented with code.</a:t>
+            </a:r>
+            <a:br>
+              <a:rPr lang="en-US" sz="2000" dirty="0"/>
+            </a:br>
+            <a:r>
+              <a:rPr lang="en-US" sz="2000" i="1" dirty="0"/>
+              <a:t>Example: I used the quicksort algorithm to sort the array alphabetically</a:t>
+            </a:r>
+            <a:r>
+              <a:rPr lang="en-US" sz="2000" i="1" dirty="0" smtClean="0"/>
+              <a:t>.</a:t>
+            </a:r>
+          </a:p>
+          <a:p>
+            <a:endParaRPr lang="en-US" sz="2000" i="1" dirty="0"/>
+          </a:p>
+          <a:p>
+            <a:r>
+              <a:rPr lang="en-US" sz="2000" b="1" u="sng" dirty="0" smtClean="0"/>
+              <a:t>Argument</a:t>
+            </a:r>
+            <a:r>
+              <a:rPr lang="en-US" sz="2000" b="1" dirty="0" smtClean="0"/>
+              <a:t> (noun): </a:t>
+            </a:r>
+            <a:r>
+              <a:rPr lang="en-US" sz="2000" dirty="0"/>
+              <a:t>a value that is passed into a function when it is called. Arguments are said to be “passed” into a function, and functions are said to “take” arguments. Also known as a “parameter.”</a:t>
+            </a:r>
+            <a:br>
+              <a:rPr lang="en-US" sz="2000" dirty="0"/>
+            </a:br>
+            <a:r>
+              <a:rPr lang="en-US" sz="2000" i="1" dirty="0" smtClean="0"/>
+              <a:t>Example: That function takes two arguments.</a:t>
+            </a:r>
+          </a:p>
+          <a:p>
+            <a:endParaRPr lang="en-US" sz="2000" i="1" dirty="0"/>
+          </a:p>
+          <a:p>
+            <a:r>
+              <a:rPr lang="en-US" sz="2000" b="1" u="sng" dirty="0" smtClean="0"/>
+              <a:t>Array</a:t>
+            </a:r>
+            <a:r>
+              <a:rPr lang="en-US" sz="2000" b="1" dirty="0" smtClean="0"/>
+              <a:t> (noun): </a:t>
+            </a:r>
+            <a:r>
+              <a:rPr lang="en-US" sz="2000" dirty="0"/>
+              <a:t>a type of value that contains a sequence of other values.</a:t>
+            </a:r>
+            <a:br>
+              <a:rPr lang="en-US" sz="2000" dirty="0"/>
+            </a:br>
+            <a:r>
+              <a:rPr lang="en-US" sz="2000" i="1" dirty="0"/>
+              <a:t>Example: I put all our names into an array of strings.</a:t>
+            </a:r>
+          </a:p>
+          <a:p>
+            <a:endParaRPr lang="en-US" sz="2000" b="1" dirty="0" smtClean="0"/>
+          </a:p>
+          <a:p>
+            <a:r>
+              <a:rPr lang="en-US" sz="2000" b="1" u="sng" dirty="0" smtClean="0"/>
+              <a:t>Assignment</a:t>
+            </a:r>
+            <a:r>
+              <a:rPr lang="en-US" sz="2000" b="1" dirty="0" smtClean="0"/>
+              <a:t> (noun):</a:t>
+            </a:r>
+            <a:r>
+              <a:rPr lang="en-US" sz="2000" dirty="0" smtClean="0"/>
+              <a:t> </a:t>
+            </a:r>
+            <a:r>
+              <a:rPr lang="en-US" sz="2000" dirty="0"/>
+              <a:t>the act of putting a value into a variable.</a:t>
+            </a:r>
+            <a:br>
+              <a:rPr lang="en-US" sz="2000" dirty="0"/>
+            </a:br>
+            <a:r>
+              <a:rPr lang="en-US" sz="2000" i="1" dirty="0"/>
+              <a:t>Example: I assigned the number 22 to the age variable</a:t>
+            </a:r>
+            <a:r>
+              <a:rPr lang="en-US" sz="2000" i="1" dirty="0" smtClean="0"/>
+              <a:t>.</a:t>
+            </a:r>
+            <a:endParaRPr lang="en-US" sz="2000" i="1" dirty="0"/>
+          </a:p>
+        </p:txBody>
+      </p:sp>
     </p:spTree>
     <p:extLst>
       <p:ext uri="{BB962C8B-B14F-4D97-AF65-F5344CB8AC3E}">
-        <p14:creationId xmlns:p14="http://schemas.microsoft.com/office/powerpoint/2010/main" val="1503633361"/>
+        <p14:creationId xmlns:p14="http://schemas.microsoft.com/office/powerpoint/2010/main" val="290397070"/>
       </p:ext>
     </p:extLst>
   </p:cSld>
@@ -3999,8 +4056,8 @@
         </p:nvSpPr>
         <p:spPr>
           <a:xfrm>
-            <a:off x="304800" y="152400"/>
-            <a:ext cx="8613648" cy="762000"/>
+            <a:off x="304800" y="0"/>
+            <a:ext cx="8613648" cy="1066800"/>
           </a:xfrm>
         </p:spPr>
         <p:txBody>
@@ -4012,7 +4069,7 @@
             <a:pPr algn="ctr"/>
             <a:r>
               <a:rPr lang="en-US" sz="3200" dirty="0" smtClean="0"/>
-              <a:t>Cloning a Repository</a:t>
+              <a:t>Basic Vocabulary Needed for C# Development</a:t>
             </a:r>
             <a:endParaRPr lang="en-US" sz="3200" dirty="0"/>
           </a:p>
@@ -4020,91 +4077,167 @@
       </p:sp>
       <p:sp>
         <p:nvSpPr>
-          <p:cNvPr id="3" name="Text Placeholder 2"/>
-          <p:cNvSpPr>
-            <a:spLocks noGrp="1"/>
-          </p:cNvSpPr>
-          <p:nvPr>
-            <p:ph type="body" sz="half" idx="2"/>
-          </p:nvPr>
-        </p:nvSpPr>
-        <p:spPr>
-          <a:xfrm>
-            <a:off x="990600" y="5105400"/>
-            <a:ext cx="7315200" cy="1164264"/>
-          </a:xfrm>
-        </p:spPr>
-        <p:txBody>
-          <a:bodyPr>
-            <a:normAutofit/>
-          </a:bodyPr>
-          <a:lstStyle/>
-          <a:p>
-            <a:pPr marL="285750" indent="-285750" algn="l">
-              <a:buFont typeface="Wingdings" pitchFamily="2" charset="2"/>
-              <a:buChar char="Ø"/>
-            </a:pPr>
-            <a:endParaRPr lang="en-US" sz="2000" b="1" dirty="0">
-              <a:solidFill>
-                <a:srgbClr val="FFFF00"/>
-              </a:solidFill>
-              <a:effectLst>
-                <a:outerShdw blurRad="38100" dist="38100" dir="2700000" algn="tl">
-                  <a:srgbClr val="000000">
-                    <a:alpha val="43137"/>
-                  </a:srgbClr>
-                </a:outerShdw>
-              </a:effectLst>
-            </a:endParaRPr>
-          </a:p>
-        </p:txBody>
-      </p:sp>
-      <p:pic>
-        <p:nvPicPr>
-          <p:cNvPr id="5" name="Picture Placeholder 4"/>
-          <p:cNvPicPr>
-            <a:picLocks noGrp="1" noChangeAspect="1"/>
-          </p:cNvPicPr>
-          <p:nvPr>
-            <p:ph type="pic" idx="1"/>
-          </p:nvPr>
-        </p:nvPicPr>
-        <p:blipFill>
-          <a:blip r:embed="rId2" cstate="print">
-            <a:extLst>
-              <a:ext uri="{28A0092B-C50C-407E-A947-70E740481C1C}">
-                <a14:useLocalDpi xmlns:a14="http://schemas.microsoft.com/office/drawing/2010/main" val="0"/>
-              </a:ext>
-            </a:extLst>
-          </a:blip>
-          <a:stretch>
-            <a:fillRect/>
-          </a:stretch>
-        </p:blipFill>
-        <p:spPr>
-          <a:xfrm>
-            <a:off x="1002563" y="1206011"/>
-            <a:ext cx="7138875" cy="4842217"/>
+          <p:cNvPr id="3" name="TextBox 2"/>
+          <p:cNvSpPr txBox="1"/>
+          <p:nvPr/>
+        </p:nvSpPr>
+        <p:spPr>
+          <a:xfrm>
+            <a:off x="152400" y="1066800"/>
+            <a:ext cx="8839200" cy="5016758"/>
           </a:xfrm>
           <a:prstGeom prst="rect">
             <a:avLst/>
           </a:prstGeom>
-          <a:ln>
-            <a:noFill/>
-          </a:ln>
-          <a:effectLst>
-            <a:outerShdw blurRad="292100" dist="139700" dir="2700000" algn="tl" rotWithShape="0">
-              <a:srgbClr val="333333">
-                <a:alpha val="65000"/>
-              </a:srgbClr>
-            </a:outerShdw>
-          </a:effectLst>
-        </p:spPr>
-      </p:pic>
+          <a:noFill/>
+        </p:spPr>
+        <p:txBody>
+          <a:bodyPr wrap="square" rtlCol="0">
+            <a:spAutoFit/>
+          </a:bodyPr>
+          <a:lstStyle/>
+          <a:p>
+            <a:r>
+              <a:rPr lang="en-US" sz="2000" b="1" u="sng" dirty="0" smtClean="0"/>
+              <a:t>Brackets</a:t>
+            </a:r>
+            <a:r>
+              <a:rPr lang="en-US" sz="2000" b="1" dirty="0" smtClean="0"/>
+              <a:t> (noun):</a:t>
+            </a:r>
+            <a:r>
+              <a:rPr lang="en-US" sz="2000" dirty="0" smtClean="0"/>
+              <a:t> characters </a:t>
+            </a:r>
+            <a:r>
+              <a:rPr lang="en-US" sz="2000" dirty="0"/>
+              <a:t>often used to surround text. The different types of brackets are:</a:t>
+            </a:r>
+          </a:p>
+          <a:p>
+            <a:pPr lvl="0"/>
+            <a:r>
+              <a:rPr lang="en-US" sz="2000" dirty="0"/>
+              <a:t>Parenthesis/</a:t>
+            </a:r>
+            <a:r>
+              <a:rPr lang="en-US" sz="2000" dirty="0" err="1"/>
+              <a:t>parens</a:t>
+            </a:r>
+            <a:r>
+              <a:rPr lang="en-US" sz="2000" dirty="0"/>
+              <a:t>/round brackets: ( )</a:t>
+            </a:r>
+          </a:p>
+          <a:p>
+            <a:pPr lvl="0"/>
+            <a:r>
+              <a:rPr lang="en-US" sz="2000" dirty="0"/>
+              <a:t>Curly brackets/braces: { }</a:t>
+            </a:r>
+          </a:p>
+          <a:p>
+            <a:pPr lvl="0"/>
+            <a:r>
+              <a:rPr lang="en-US" sz="2000" dirty="0"/>
+              <a:t>Angle brackets: &lt; &gt;</a:t>
+            </a:r>
+          </a:p>
+          <a:p>
+            <a:pPr lvl="0"/>
+            <a:r>
+              <a:rPr lang="en-US" sz="2000" dirty="0"/>
+              <a:t>Square brackets: [ ]</a:t>
+            </a:r>
+          </a:p>
+          <a:p>
+            <a:r>
+              <a:rPr lang="en-US" sz="2000" dirty="0"/>
+              <a:t>The bracket at the beginning is called the “opening” or the “left” bracket. The bracket at the end is called the “closing” or “right” bracket.</a:t>
+            </a:r>
+            <a:br>
+              <a:rPr lang="en-US" sz="2000" dirty="0"/>
+            </a:br>
+            <a:r>
+              <a:rPr lang="en-US" sz="2000" i="1" dirty="0"/>
+              <a:t>Example: Your code won’t compile because you forgot a closing bracket</a:t>
+            </a:r>
+            <a:r>
+              <a:rPr lang="en-US" sz="2000" i="1" dirty="0" smtClean="0"/>
+              <a:t>.</a:t>
+            </a:r>
+          </a:p>
+          <a:p>
+            <a:endParaRPr lang="en-US" sz="2000" dirty="0"/>
+          </a:p>
+          <a:p>
+            <a:r>
+              <a:rPr lang="en-US" sz="2000" b="1" u="sng" dirty="0" smtClean="0"/>
+              <a:t>Bug</a:t>
+            </a:r>
+            <a:r>
+              <a:rPr lang="en-US" sz="2000" b="1" dirty="0" smtClean="0"/>
+              <a:t> (noun):</a:t>
+            </a:r>
+            <a:r>
+              <a:rPr lang="en-US" sz="2000" dirty="0" smtClean="0"/>
+              <a:t> </a:t>
+            </a:r>
+            <a:r>
+              <a:rPr lang="en-US" sz="2000" dirty="0"/>
+              <a:t>a mistake in a program.</a:t>
+            </a:r>
+            <a:br>
+              <a:rPr lang="en-US" sz="2000" dirty="0"/>
+            </a:br>
+            <a:r>
+              <a:rPr lang="en-US" sz="2000" i="1" dirty="0"/>
+              <a:t>Example: There must be a bug because the output is wrong</a:t>
+            </a:r>
+            <a:r>
+              <a:rPr lang="en-US" sz="2000" i="1" dirty="0" smtClean="0"/>
+              <a:t>.</a:t>
+            </a:r>
+          </a:p>
+          <a:p>
+            <a:endParaRPr lang="en-US" sz="2000" dirty="0"/>
+          </a:p>
+          <a:p>
+            <a:r>
+              <a:rPr lang="en-US" sz="2000" b="1" u="sng" dirty="0" smtClean="0"/>
+              <a:t>Call</a:t>
+            </a:r>
+            <a:r>
+              <a:rPr lang="en-US" sz="2000" b="1" dirty="0" smtClean="0"/>
+              <a:t> (verb):</a:t>
+            </a:r>
+            <a:r>
+              <a:rPr lang="en-US" sz="2000" dirty="0" smtClean="0"/>
+              <a:t> </a:t>
+            </a:r>
+            <a:r>
+              <a:rPr lang="en-US" sz="2000" dirty="0"/>
+              <a:t>to run the code in a function. Also referred to as “running,” “executing,” or “invoking” a function. For the noun, see function call.</a:t>
+            </a:r>
+            <a:br>
+              <a:rPr lang="en-US" sz="2000" dirty="0"/>
+            </a:br>
+            <a:r>
+              <a:rPr lang="en-US" sz="2000" i="1" dirty="0"/>
+              <a:t>Example: I called the rand function and it returned 42</a:t>
+            </a:r>
+            <a:r>
+              <a:rPr lang="en-US" sz="2000" i="1" dirty="0" smtClean="0"/>
+              <a:t>.</a:t>
+            </a:r>
+            <a:endParaRPr lang="en-US" sz="2000" i="1" dirty="0"/>
+          </a:p>
+        </p:txBody>
+      </p:sp>
     </p:spTree>
     <p:extLst>
       <p:ext uri="{BB962C8B-B14F-4D97-AF65-F5344CB8AC3E}">
-        <p14:creationId xmlns:p14="http://schemas.microsoft.com/office/powerpoint/2010/main" val="1300930618"/>
+        <p14:creationId xmlns:p14="http://schemas.microsoft.com/office/powerpoint/2010/main" val="391216227"/>
       </p:ext>
     </p:extLst>
   </p:cSld>
@@ -4143,8 +4276,8 @@
         </p:nvSpPr>
         <p:spPr>
           <a:xfrm>
-            <a:off x="304800" y="152400"/>
-            <a:ext cx="8613648" cy="762000"/>
+            <a:off x="304800" y="0"/>
+            <a:ext cx="8613648" cy="1066800"/>
           </a:xfrm>
         </p:spPr>
         <p:txBody>
@@ -4156,7 +4289,7 @@
             <a:pPr algn="ctr"/>
             <a:r>
               <a:rPr lang="en-US" sz="3200" dirty="0" smtClean="0"/>
-              <a:t>Cloning a Repository</a:t>
+              <a:t>Basic Vocabulary Needed for C# Development</a:t>
             </a:r>
             <a:endParaRPr lang="en-US" sz="3200" dirty="0"/>
           </a:p>
@@ -4164,131 +4297,164 @@
       </p:sp>
       <p:sp>
         <p:nvSpPr>
-          <p:cNvPr id="3" name="Text Placeholder 2"/>
-          <p:cNvSpPr>
-            <a:spLocks noGrp="1"/>
-          </p:cNvSpPr>
-          <p:nvPr>
-            <p:ph type="body" sz="half" idx="2"/>
-          </p:nvPr>
-        </p:nvSpPr>
-        <p:spPr>
-          <a:xfrm>
-            <a:off x="990600" y="6172200"/>
-            <a:ext cx="7162800" cy="533400"/>
-          </a:xfrm>
-        </p:spPr>
-        <p:txBody>
-          <a:bodyPr>
-            <a:normAutofit/>
-          </a:bodyPr>
-          <a:lstStyle/>
-          <a:p>
-            <a:pPr algn="ctr"/>
-            <a:r>
-              <a:rPr lang="en-US" sz="2000" b="1" dirty="0">
-                <a:solidFill>
-                  <a:srgbClr val="FFFF00"/>
-                </a:solidFill>
-                <a:effectLst>
-                  <a:outerShdw blurRad="38100" dist="38100" dir="2700000" algn="tl">
-                    <a:srgbClr val="000000">
-                      <a:alpha val="43137"/>
-                    </a:srgbClr>
-                  </a:outerShdw>
-                </a:effectLst>
-              </a:rPr>
-              <a:t>https://github.com/plwest-atmark/Aug31.git</a:t>
-            </a:r>
-          </a:p>
-        </p:txBody>
-      </p:sp>
-      <p:pic>
-        <p:nvPicPr>
-          <p:cNvPr id="5" name="Picture Placeholder 4"/>
-          <p:cNvPicPr>
-            <a:picLocks noGrp="1" noChangeAspect="1"/>
-          </p:cNvPicPr>
-          <p:nvPr>
-            <p:ph type="pic" idx="1"/>
-          </p:nvPr>
-        </p:nvPicPr>
-        <p:blipFill>
-          <a:blip r:embed="rId2" cstate="print">
-            <a:extLst>
-              <a:ext uri="{28A0092B-C50C-407E-A947-70E740481C1C}">
-                <a14:useLocalDpi xmlns:a14="http://schemas.microsoft.com/office/drawing/2010/main" val="0"/>
-              </a:ext>
-            </a:extLst>
-          </a:blip>
-          <a:stretch>
-            <a:fillRect/>
-          </a:stretch>
-        </p:blipFill>
-        <p:spPr>
-          <a:xfrm>
-            <a:off x="1024317" y="1066800"/>
-            <a:ext cx="7095366" cy="4878414"/>
+          <p:cNvPr id="3" name="TextBox 2"/>
+          <p:cNvSpPr txBox="1"/>
+          <p:nvPr/>
+        </p:nvSpPr>
+        <p:spPr>
+          <a:xfrm>
+            <a:off x="154223" y="990600"/>
+            <a:ext cx="8839200" cy="6247864"/>
           </a:xfrm>
           <a:prstGeom prst="rect">
             <a:avLst/>
           </a:prstGeom>
-          <a:ln>
-            <a:noFill/>
-          </a:ln>
-          <a:effectLst>
-            <a:outerShdw blurRad="292100" dist="139700" dir="2700000" algn="tl" rotWithShape="0">
-              <a:srgbClr val="333333">
-                <a:alpha val="65000"/>
-              </a:srgbClr>
-            </a:outerShdw>
-          </a:effectLst>
-        </p:spPr>
-      </p:pic>
-      <p:sp>
-        <p:nvSpPr>
-          <p:cNvPr id="4" name="Right Arrow 3"/>
-          <p:cNvSpPr/>
-          <p:nvPr/>
-        </p:nvSpPr>
-        <p:spPr>
-          <a:xfrm>
-            <a:off x="304800" y="2182368"/>
-            <a:ext cx="978408" cy="484632"/>
-          </a:xfrm>
-          <a:prstGeom prst="rightArrow">
-            <a:avLst/>
-          </a:prstGeom>
-        </p:spPr>
-        <p:style>
-          <a:lnRef idx="2">
-            <a:schemeClr val="accent1">
-              <a:shade val="50000"/>
-            </a:schemeClr>
-          </a:lnRef>
-          <a:fillRef idx="1">
-            <a:schemeClr val="accent1"/>
-          </a:fillRef>
-          <a:effectRef idx="0">
-            <a:schemeClr val="accent1"/>
-          </a:effectRef>
-          <a:fontRef idx="minor">
-            <a:schemeClr val="lt1"/>
-          </a:fontRef>
-        </p:style>
-        <p:txBody>
-          <a:bodyPr rtlCol="0" anchor="ctr"/>
+          <a:noFill/>
+        </p:spPr>
+        <p:txBody>
+          <a:bodyPr wrap="square" rtlCol="0">
+            <a:spAutoFit/>
+          </a:bodyPr>
           <a:lstStyle/>
           <a:p>
-            <a:pPr algn="ctr"/>
-            <a:endParaRPr lang="en-US"/>
+            <a:r>
+              <a:rPr lang="en-US" sz="2000" b="1" u="sng" dirty="0" smtClean="0"/>
+              <a:t>Class</a:t>
+            </a:r>
+            <a:r>
+              <a:rPr lang="en-US" sz="2000" b="1" dirty="0" smtClean="0"/>
+              <a:t> (noun):</a:t>
+            </a:r>
+            <a:r>
+              <a:rPr lang="en-US" sz="2000" dirty="0" smtClean="0"/>
+              <a:t> </a:t>
+            </a:r>
+            <a:r>
+              <a:rPr lang="en-US" sz="2000" dirty="0"/>
+              <a:t>a type that can be defined by the programmer. Classes are defined in order to create objects of that class. See object.</a:t>
+            </a:r>
+            <a:br>
+              <a:rPr lang="en-US" sz="2000" dirty="0"/>
+            </a:br>
+            <a:r>
+              <a:rPr lang="en-US" sz="2000" i="1" dirty="0"/>
+              <a:t>Example: I made a Person class that holds a person’s name and age.</a:t>
+            </a:r>
+          </a:p>
+          <a:p>
+            <a:endParaRPr lang="en-US" sz="2000" b="1" u="sng" dirty="0" smtClean="0"/>
+          </a:p>
+          <a:p>
+            <a:r>
+              <a:rPr lang="en-US" sz="2000" b="1" u="sng" dirty="0" smtClean="0"/>
+              <a:t>Comment</a:t>
+            </a:r>
+            <a:r>
+              <a:rPr lang="en-US" sz="2000" b="1" dirty="0" smtClean="0"/>
+              <a:t> (noun):</a:t>
+            </a:r>
+            <a:r>
+              <a:rPr lang="en-US" sz="2000" dirty="0" smtClean="0"/>
+              <a:t> </a:t>
+            </a:r>
+            <a:r>
+              <a:rPr lang="en-US" sz="2000" dirty="0"/>
+              <a:t>arbitrary text written around code, but which </a:t>
+            </a:r>
+            <a:r>
+              <a:rPr lang="en-US" sz="2000" dirty="0" smtClean="0"/>
+              <a:t>is </a:t>
+            </a:r>
+            <a:r>
+              <a:rPr lang="en-US" sz="2000" dirty="0"/>
+              <a:t>never run, and is generally ignored by the computer. Used to leave notes and documentation for people who read the code later. Also used to stop code from running (see comment out).</a:t>
+            </a:r>
+            <a:br>
+              <a:rPr lang="en-US" sz="2000" dirty="0"/>
+            </a:br>
+            <a:r>
+              <a:rPr lang="en-US" sz="2000" i="1" dirty="0" smtClean="0"/>
+              <a:t>Example: I wrote comments in my code so I could understand it later.</a:t>
+            </a:r>
+            <a:endParaRPr lang="en-US" sz="2000" i="1" dirty="0"/>
+          </a:p>
+          <a:p>
+            <a:endParaRPr lang="en-US" sz="2000" b="1" dirty="0" smtClean="0"/>
+          </a:p>
+          <a:p>
+            <a:r>
+              <a:rPr lang="en-US" sz="2000" b="1" u="sng" dirty="0" smtClean="0"/>
+              <a:t>Comment Out</a:t>
+            </a:r>
+            <a:r>
+              <a:rPr lang="en-US" sz="2000" b="1" dirty="0" smtClean="0"/>
+              <a:t> (verb):</a:t>
+            </a:r>
+            <a:r>
+              <a:rPr lang="en-US" sz="2000" dirty="0" smtClean="0"/>
+              <a:t> </a:t>
+            </a:r>
+            <a:r>
+              <a:rPr lang="en-US" sz="2000" dirty="0"/>
+              <a:t>to turn code into a comment so that it does not get run.</a:t>
+            </a:r>
+            <a:br>
+              <a:rPr lang="en-US" sz="2000" dirty="0"/>
+            </a:br>
+            <a:r>
+              <a:rPr lang="en-US" sz="2000" i="1" dirty="0"/>
+              <a:t>Example: I commented out this line of code, and it doesn’t crash any more</a:t>
+            </a:r>
+            <a:r>
+              <a:rPr lang="en-US" sz="2000" i="1" dirty="0" smtClean="0"/>
+              <a:t>.</a:t>
+            </a:r>
+          </a:p>
+          <a:p>
+            <a:endParaRPr lang="en-US" sz="2000" i="1" dirty="0" smtClean="0"/>
+          </a:p>
+          <a:p>
+            <a:r>
+              <a:rPr lang="en-US" sz="2000" b="1" u="sng" dirty="0" smtClean="0"/>
+              <a:t>Compiler</a:t>
+            </a:r>
+            <a:r>
+              <a:rPr lang="en-US" sz="2000" b="1" dirty="0" smtClean="0"/>
+              <a:t> (noun):</a:t>
+            </a:r>
+            <a:r>
+              <a:rPr lang="en-US" sz="2000" dirty="0" smtClean="0"/>
+              <a:t> </a:t>
+            </a:r>
+            <a:r>
+              <a:rPr lang="en-US" sz="2000" dirty="0"/>
+              <a:t>a program that converts code into an executable, and checks that the syntax is correct. Sometimes compilers convert code into other code.</a:t>
+            </a:r>
+            <a:br>
+              <a:rPr lang="en-US" sz="2000" dirty="0"/>
+            </a:br>
+            <a:r>
+              <a:rPr lang="en-US" sz="2000" i="1" dirty="0"/>
+              <a:t>Example: The compiler is giving me an error, so I must have </a:t>
+            </a:r>
+            <a:r>
+              <a:rPr lang="en-US" sz="2000" i="1" dirty="0" smtClean="0"/>
+              <a:t>incorrect syntax </a:t>
+            </a:r>
+            <a:r>
+              <a:rPr lang="en-US" sz="2000" i="1" dirty="0"/>
+              <a:t>somewhere.</a:t>
+            </a:r>
+          </a:p>
+          <a:p>
+            <a:endParaRPr lang="en-US" sz="2000" i="1" dirty="0"/>
           </a:p>
         </p:txBody>
       </p:sp>
     </p:spTree>
     <p:extLst>
       <p:ext uri="{BB962C8B-B14F-4D97-AF65-F5344CB8AC3E}">
-        <p14:creationId xmlns:p14="http://schemas.microsoft.com/office/powerpoint/2010/main" val="202993714"/>
+        <p14:creationId xmlns:p14="http://schemas.microsoft.com/office/powerpoint/2010/main" val="2844990333"/>
       </p:ext>
     </p:extLst>
   </p:cSld>
@@ -4327,8 +4493,8 @@
         </p:nvSpPr>
         <p:spPr>
           <a:xfrm>
-            <a:off x="304800" y="152400"/>
-            <a:ext cx="8613648" cy="762000"/>
+            <a:off x="304800" y="0"/>
+            <a:ext cx="8613648" cy="1066800"/>
           </a:xfrm>
         </p:spPr>
         <p:txBody>
@@ -4340,58 +4506,187 @@
             <a:pPr algn="ctr"/>
             <a:r>
               <a:rPr lang="en-US" sz="3200" dirty="0" smtClean="0"/>
-              <a:t>Visual Studio Solution Explorer</a:t>
+              <a:t>Basic Vocabulary Needed for C# Development</a:t>
             </a:r>
             <a:endParaRPr lang="en-US" sz="3200" dirty="0"/>
           </a:p>
         </p:txBody>
       </p:sp>
-      <p:pic>
-        <p:nvPicPr>
-          <p:cNvPr id="5" name="Picture Placeholder 4"/>
-          <p:cNvPicPr>
-            <a:picLocks noGrp="1" noChangeAspect="1"/>
-          </p:cNvPicPr>
-          <p:nvPr>
-            <p:ph type="pic" idx="1"/>
-          </p:nvPr>
-        </p:nvPicPr>
-        <p:blipFill>
-          <a:blip r:embed="rId2" cstate="print">
-            <a:extLst>
-              <a:ext uri="{28A0092B-C50C-407E-A947-70E740481C1C}">
-                <a14:useLocalDpi xmlns:a14="http://schemas.microsoft.com/office/drawing/2010/main" val="0"/>
-              </a:ext>
-            </a:extLst>
-          </a:blip>
-          <a:stretch>
-            <a:fillRect/>
-          </a:stretch>
-        </p:blipFill>
-        <p:spPr>
-          <a:xfrm>
-            <a:off x="2252792" y="2208528"/>
-            <a:ext cx="4638416" cy="2896530"/>
+      <p:sp>
+        <p:nvSpPr>
+          <p:cNvPr id="3" name="TextBox 2"/>
+          <p:cNvSpPr txBox="1"/>
+          <p:nvPr/>
+        </p:nvSpPr>
+        <p:spPr>
+          <a:xfrm>
+            <a:off x="152400" y="990600"/>
+            <a:ext cx="8839200" cy="6247864"/>
           </a:xfrm>
           <a:prstGeom prst="rect">
             <a:avLst/>
           </a:prstGeom>
-          <a:ln>
-            <a:noFill/>
-          </a:ln>
-          <a:effectLst>
-            <a:outerShdw blurRad="292100" dist="139700" dir="2700000" algn="tl" rotWithShape="0">
-              <a:srgbClr val="333333">
-                <a:alpha val="65000"/>
-              </a:srgbClr>
-            </a:outerShdw>
-          </a:effectLst>
-        </p:spPr>
-      </p:pic>
+          <a:noFill/>
+        </p:spPr>
+        <p:txBody>
+          <a:bodyPr wrap="square" rtlCol="0">
+            <a:spAutoFit/>
+          </a:bodyPr>
+          <a:lstStyle/>
+          <a:p>
+            <a:r>
+              <a:rPr lang="en-US" sz="2000" b="1" u="sng" dirty="0" smtClean="0"/>
+              <a:t>Constant</a:t>
+            </a:r>
+            <a:r>
+              <a:rPr lang="en-US" sz="2000" b="1" dirty="0" smtClean="0"/>
+              <a:t> (noun): </a:t>
+            </a:r>
+            <a:r>
+              <a:rPr lang="en-US" sz="2000" dirty="0"/>
+              <a:t>a variable that never changes its value.</a:t>
+            </a:r>
+            <a:br>
+              <a:rPr lang="en-US" sz="2000" dirty="0"/>
+            </a:br>
+            <a:r>
+              <a:rPr lang="en-US" sz="2000" i="1" dirty="0"/>
+              <a:t>Example: The PI constant has the value 3.14.</a:t>
+            </a:r>
+          </a:p>
+          <a:p>
+            <a:endParaRPr lang="en-US" sz="2000" b="1" dirty="0" smtClean="0"/>
+          </a:p>
+          <a:p>
+            <a:r>
+              <a:rPr lang="en-US" sz="2000" b="1" u="sng" dirty="0" smtClean="0"/>
+              <a:t>Crash</a:t>
+            </a:r>
+            <a:r>
+              <a:rPr lang="en-US" sz="2000" b="1" dirty="0" smtClean="0"/>
+              <a:t> (verb):</a:t>
+            </a:r>
+            <a:r>
+              <a:rPr lang="en-US" sz="2000" dirty="0" smtClean="0"/>
+              <a:t> </a:t>
+            </a:r>
+            <a:r>
+              <a:rPr lang="en-US" sz="2000" dirty="0"/>
+              <a:t>to cause a running program to stop due to an error.</a:t>
+            </a:r>
+            <a:br>
+              <a:rPr lang="en-US" sz="2000" dirty="0"/>
+            </a:br>
+            <a:r>
+              <a:rPr lang="en-US" sz="2000" i="1" dirty="0"/>
+              <a:t>Example: I tried to divide a number by zero, which made the program crash</a:t>
+            </a:r>
+            <a:r>
+              <a:rPr lang="en-US" sz="2000" i="1" dirty="0" smtClean="0"/>
+              <a:t>.</a:t>
+            </a:r>
+          </a:p>
+          <a:p>
+            <a:endParaRPr lang="en-US" sz="2000" i="1" dirty="0"/>
+          </a:p>
+          <a:p>
+            <a:r>
+              <a:rPr lang="en-US" sz="2000" b="1" u="sng" dirty="0" smtClean="0"/>
+              <a:t>Data Structure</a:t>
+            </a:r>
+            <a:r>
+              <a:rPr lang="en-US" sz="2000" b="1" dirty="0" smtClean="0"/>
+              <a:t> (noun):</a:t>
+            </a:r>
+            <a:r>
+              <a:rPr lang="en-US" sz="2000" dirty="0" smtClean="0"/>
+              <a:t> </a:t>
+            </a:r>
+            <a:r>
+              <a:rPr lang="en-US" sz="2000" dirty="0"/>
+              <a:t>a value that contains other values.</a:t>
+            </a:r>
+            <a:br>
+              <a:rPr lang="en-US" sz="2000" dirty="0"/>
+            </a:br>
+            <a:r>
+              <a:rPr lang="en-US" sz="2000" i="1" dirty="0"/>
+              <a:t>Example: Arrays are one kind of data structure</a:t>
+            </a:r>
+            <a:r>
+              <a:rPr lang="en-US" sz="2000" i="1" dirty="0" smtClean="0"/>
+              <a:t>.</a:t>
+            </a:r>
+          </a:p>
+          <a:p>
+            <a:endParaRPr lang="en-US" sz="2000" i="1" dirty="0"/>
+          </a:p>
+          <a:p>
+            <a:r>
+              <a:rPr lang="en-US" sz="2000" b="1" u="sng" dirty="0" smtClean="0"/>
+              <a:t>Debug</a:t>
+            </a:r>
+            <a:r>
+              <a:rPr lang="en-US" sz="2000" b="1" dirty="0" smtClean="0"/>
+              <a:t> (verb):</a:t>
+            </a:r>
+            <a:r>
+              <a:rPr lang="en-US" sz="2000" dirty="0" smtClean="0"/>
+              <a:t> </a:t>
+            </a:r>
+            <a:r>
+              <a:rPr lang="en-US" sz="2000" dirty="0"/>
+              <a:t>to investigate and fix bugs.</a:t>
+            </a:r>
+            <a:br>
+              <a:rPr lang="en-US" sz="2000" dirty="0"/>
+            </a:br>
+            <a:r>
+              <a:rPr lang="en-US" sz="2000" i="1" dirty="0"/>
+              <a:t>Example: I spent all day debugging a complicated error</a:t>
+            </a:r>
+            <a:r>
+              <a:rPr lang="en-US" sz="2000" i="1" dirty="0" smtClean="0"/>
+              <a:t>.</a:t>
+            </a:r>
+          </a:p>
+          <a:p>
+            <a:endParaRPr lang="en-US" sz="2000" i="1" dirty="0"/>
+          </a:p>
+          <a:p>
+            <a:r>
+              <a:rPr lang="en-US" sz="2000" b="1" u="sng" dirty="0" smtClean="0"/>
+              <a:t>Declaration</a:t>
+            </a:r>
+            <a:r>
+              <a:rPr lang="en-US" sz="2000" b="1" dirty="0" smtClean="0"/>
+              <a:t> (noun):</a:t>
+            </a:r>
+            <a:r>
+              <a:rPr lang="en-US" sz="2000" dirty="0" smtClean="0"/>
+              <a:t> </a:t>
+            </a:r>
+            <a:r>
+              <a:rPr lang="en-US" sz="2000" dirty="0"/>
+              <a:t>code that declares that something exists – usually a variable, function or a class. A declaration might not fully define the thing it is declaring. E.g. a constant may be declared to exist, without actually defining what it’s value is. Not all programming languages allow for declarations.</a:t>
+            </a:r>
+            <a:br>
+              <a:rPr lang="en-US" sz="2000" dirty="0"/>
+            </a:br>
+            <a:r>
+              <a:rPr lang="en-US" sz="2000" i="1" dirty="0"/>
+              <a:t>Example: My code won’t compile because I wrote a function declaration, but I forgot to write the actual function.</a:t>
+            </a:r>
+          </a:p>
+          <a:p>
+            <a:endParaRPr lang="en-US" sz="2000" i="1" dirty="0"/>
+          </a:p>
+        </p:txBody>
+      </p:sp>
     </p:spTree>
     <p:extLst>
       <p:ext uri="{BB962C8B-B14F-4D97-AF65-F5344CB8AC3E}">
-        <p14:creationId xmlns:p14="http://schemas.microsoft.com/office/powerpoint/2010/main" val="1796326550"/>
+        <p14:creationId xmlns:p14="http://schemas.microsoft.com/office/powerpoint/2010/main" val="800099249"/>
       </p:ext>
     </p:extLst>
   </p:cSld>
@@ -4430,8 +4725,8 @@
         </p:nvSpPr>
         <p:spPr>
           <a:xfrm>
-            <a:off x="304800" y="152400"/>
-            <a:ext cx="8613648" cy="762000"/>
+            <a:off x="304800" y="0"/>
+            <a:ext cx="8613648" cy="1066800"/>
           </a:xfrm>
         </p:spPr>
         <p:txBody>
@@ -4443,58 +4738,167 @@
             <a:pPr algn="ctr"/>
             <a:r>
               <a:rPr lang="en-US" sz="3200" dirty="0" smtClean="0"/>
-              <a:t>Visual Studio Team Explorer</a:t>
+              <a:t>Basic Vocabulary Needed for C# Development</a:t>
             </a:r>
             <a:endParaRPr lang="en-US" sz="3200" dirty="0"/>
           </a:p>
         </p:txBody>
       </p:sp>
-      <p:pic>
-        <p:nvPicPr>
-          <p:cNvPr id="5" name="Picture Placeholder 4"/>
-          <p:cNvPicPr>
-            <a:picLocks noGrp="1" noChangeAspect="1"/>
-          </p:cNvPicPr>
-          <p:nvPr>
-            <p:ph type="pic" idx="1"/>
-          </p:nvPr>
-        </p:nvPicPr>
-        <p:blipFill>
-          <a:blip r:embed="rId2" cstate="print">
-            <a:extLst>
-              <a:ext uri="{28A0092B-C50C-407E-A947-70E740481C1C}">
-                <a14:useLocalDpi xmlns:a14="http://schemas.microsoft.com/office/drawing/2010/main" val="0"/>
-              </a:ext>
-            </a:extLst>
-          </a:blip>
-          <a:stretch>
-            <a:fillRect/>
-          </a:stretch>
-        </p:blipFill>
-        <p:spPr>
-          <a:xfrm>
-            <a:off x="2252792" y="1546577"/>
-            <a:ext cx="4638416" cy="4220431"/>
+      <p:sp>
+        <p:nvSpPr>
+          <p:cNvPr id="3" name="TextBox 2"/>
+          <p:cNvSpPr txBox="1"/>
+          <p:nvPr/>
+        </p:nvSpPr>
+        <p:spPr>
+          <a:xfrm>
+            <a:off x="152400" y="1066800"/>
+            <a:ext cx="8839200" cy="5324535"/>
           </a:xfrm>
           <a:prstGeom prst="rect">
             <a:avLst/>
           </a:prstGeom>
-          <a:ln>
-            <a:noFill/>
-          </a:ln>
-          <a:effectLst>
-            <a:outerShdw blurRad="292100" dist="139700" dir="2700000" algn="tl" rotWithShape="0">
-              <a:srgbClr val="333333">
-                <a:alpha val="65000"/>
-              </a:srgbClr>
-            </a:outerShdw>
-          </a:effectLst>
-        </p:spPr>
-      </p:pic>
+          <a:noFill/>
+        </p:spPr>
+        <p:txBody>
+          <a:bodyPr wrap="square" rtlCol="0">
+            <a:spAutoFit/>
+          </a:bodyPr>
+          <a:lstStyle/>
+          <a:p>
+            <a:r>
+              <a:rPr lang="en-US" sz="2000" b="1" u="sng" dirty="0" smtClean="0"/>
+              <a:t>Definition</a:t>
+            </a:r>
+            <a:r>
+              <a:rPr lang="en-US" sz="2000" b="1" dirty="0" smtClean="0"/>
+              <a:t> (noun):</a:t>
+            </a:r>
+            <a:r>
+              <a:rPr lang="en-US" sz="2000" dirty="0" smtClean="0"/>
+              <a:t> </a:t>
+            </a:r>
+            <a:r>
+              <a:rPr lang="en-US" sz="2000" dirty="0"/>
+              <a:t>code that fully implements something – usually a variable, </a:t>
+            </a:r>
+            <a:r>
+              <a:rPr lang="en-US" sz="2000" dirty="0" err="1"/>
+              <a:t>functionor</a:t>
+            </a:r>
+            <a:r>
+              <a:rPr lang="en-US" sz="2000" dirty="0"/>
+              <a:t> a class. The code that implements a class is called the “class definition.” The code that implements a function is called the “function definition.”</a:t>
+            </a:r>
+            <a:br>
+              <a:rPr lang="en-US" sz="2000" dirty="0"/>
+            </a:br>
+            <a:r>
+              <a:rPr lang="en-US" sz="2000" i="1" dirty="0"/>
+              <a:t>Example: The function wasn’t doing what I expected, so I had a look at its definition</a:t>
+            </a:r>
+            <a:r>
+              <a:rPr lang="en-US" sz="2000" i="1" dirty="0" smtClean="0"/>
+              <a:t>.</a:t>
+            </a:r>
+          </a:p>
+          <a:p>
+            <a:endParaRPr lang="en-US" sz="2000" b="1" dirty="0" smtClean="0"/>
+          </a:p>
+          <a:p>
+            <a:r>
+              <a:rPr lang="en-US" sz="2000" b="1" u="sng" dirty="0" smtClean="0"/>
+              <a:t>Double</a:t>
+            </a:r>
+            <a:r>
+              <a:rPr lang="en-US" sz="2000" b="1" dirty="0" smtClean="0"/>
+              <a:t> (noun):</a:t>
+            </a:r>
+            <a:r>
+              <a:rPr lang="en-US" sz="2000" dirty="0" smtClean="0"/>
+              <a:t> </a:t>
+            </a:r>
+            <a:r>
+              <a:rPr lang="en-US" sz="2000" dirty="0"/>
+              <a:t>a float that can represent a wider range of numbers than a normal float. Short for “double-precision floating-point number.” See float.</a:t>
+            </a:r>
+            <a:br>
+              <a:rPr lang="en-US" sz="2000" dirty="0"/>
+            </a:br>
+            <a:r>
+              <a:rPr lang="en-US" sz="2000" i="1" dirty="0" smtClean="0"/>
+              <a:t>Example</a:t>
+            </a:r>
+            <a:r>
+              <a:rPr lang="en-US" sz="2000" i="1" dirty="0"/>
+              <a:t>: The number was so tiny I had to use a double instead of a float</a:t>
+            </a:r>
+          </a:p>
+          <a:p>
+            <a:endParaRPr lang="en-US" sz="2000" b="1" dirty="0" smtClean="0"/>
+          </a:p>
+          <a:p>
+            <a:r>
+              <a:rPr lang="en-US" sz="2000" b="1" u="sng" dirty="0" smtClean="0"/>
+              <a:t>Execute</a:t>
+            </a:r>
+            <a:r>
+              <a:rPr lang="en-US" sz="2000" b="1" dirty="0" smtClean="0"/>
+              <a:t> (verb):</a:t>
+            </a:r>
+            <a:r>
+              <a:rPr lang="en-US" sz="2000" dirty="0" smtClean="0"/>
+              <a:t> </a:t>
+            </a:r>
+            <a:r>
+              <a:rPr lang="en-US" sz="2000" dirty="0"/>
+              <a:t>Synonym for run.</a:t>
+            </a:r>
+            <a:br>
+              <a:rPr lang="en-US" sz="2000" dirty="0"/>
+            </a:br>
+            <a:r>
+              <a:rPr lang="en-US" sz="2000" i="1" dirty="0"/>
+              <a:t>Example: I can’t execute my program because it won’t compile.</a:t>
+            </a:r>
+          </a:p>
+          <a:p>
+            <a:endParaRPr lang="en-US" sz="2000" b="1" dirty="0" smtClean="0"/>
+          </a:p>
+          <a:p>
+            <a:r>
+              <a:rPr lang="en-US" sz="2000" b="1" u="sng" dirty="0" smtClean="0"/>
+              <a:t>Executable</a:t>
+            </a:r>
+            <a:r>
+              <a:rPr lang="en-US" sz="2000" b="1" dirty="0" smtClean="0"/>
+              <a:t> </a:t>
+            </a:r>
+            <a:r>
+              <a:rPr lang="en-US" sz="2000" dirty="0" smtClean="0"/>
+              <a:t>(noun): </a:t>
+            </a:r>
+            <a:r>
+              <a:rPr lang="en-US" sz="2000" dirty="0"/>
+              <a:t>a program, usually a single file, ready to be run.</a:t>
+            </a:r>
+            <a:br>
+              <a:rPr lang="en-US" sz="2000" dirty="0"/>
+            </a:br>
+            <a:r>
+              <a:rPr lang="en-US" sz="2000" i="1" dirty="0"/>
+              <a:t>Example: Give me the executable so I can try out your program.</a:t>
+            </a:r>
+          </a:p>
+          <a:p>
+            <a:endParaRPr lang="en-US" sz="2000" i="1" dirty="0"/>
+          </a:p>
+        </p:txBody>
+      </p:sp>
     </p:spTree>
     <p:extLst>
       <p:ext uri="{BB962C8B-B14F-4D97-AF65-F5344CB8AC3E}">
-        <p14:creationId xmlns:p14="http://schemas.microsoft.com/office/powerpoint/2010/main" val="152591732"/>
+        <p14:creationId xmlns:p14="http://schemas.microsoft.com/office/powerpoint/2010/main" val="630254655"/>
       </p:ext>
     </p:extLst>
   </p:cSld>
@@ -4533,8 +4937,8 @@
         </p:nvSpPr>
         <p:spPr>
           <a:xfrm>
-            <a:off x="304800" y="152400"/>
-            <a:ext cx="8613648" cy="762000"/>
+            <a:off x="304800" y="0"/>
+            <a:ext cx="8613648" cy="1066800"/>
           </a:xfrm>
         </p:spPr>
         <p:txBody>
@@ -4546,64 +4950,22 @@
             <a:pPr algn="ctr"/>
             <a:r>
               <a:rPr lang="en-US" sz="3200" dirty="0" smtClean="0"/>
-              <a:t>Visual Studio Output Window</a:t>
+              <a:t>Basic Vocabulary Needed for C# Development</a:t>
             </a:r>
             <a:endParaRPr lang="en-US" sz="3200" dirty="0"/>
           </a:p>
         </p:txBody>
       </p:sp>
-      <p:pic>
-        <p:nvPicPr>
-          <p:cNvPr id="5" name="Picture Placeholder 4"/>
-          <p:cNvPicPr>
-            <a:picLocks noGrp="1" noChangeAspect="1"/>
-          </p:cNvPicPr>
-          <p:nvPr>
-            <p:ph type="pic" idx="1"/>
-          </p:nvPr>
-        </p:nvPicPr>
-        <p:blipFill>
-          <a:blip r:embed="rId2">
-            <a:extLst>
-              <a:ext uri="{28A0092B-C50C-407E-A947-70E740481C1C}">
-                <a14:useLocalDpi xmlns:a14="http://schemas.microsoft.com/office/drawing/2010/main" val="0"/>
-              </a:ext>
-            </a:extLst>
-          </a:blip>
-          <a:stretch>
-            <a:fillRect/>
-          </a:stretch>
-        </p:blipFill>
-        <p:spPr>
-          <a:xfrm>
-            <a:off x="490983" y="1905001"/>
-            <a:ext cx="8162034" cy="2447136"/>
-          </a:xfrm>
-          <a:prstGeom prst="rect">
-            <a:avLst/>
-          </a:prstGeom>
-          <a:ln>
-            <a:noFill/>
-          </a:ln>
-          <a:effectLst>
-            <a:outerShdw blurRad="292100" dist="139700" dir="2700000" algn="tl" rotWithShape="0">
-              <a:srgbClr val="333333">
-                <a:alpha val="65000"/>
-              </a:srgbClr>
-            </a:outerShdw>
-          </a:effectLst>
-        </p:spPr>
-      </p:pic>
-      <p:sp>
-        <p:nvSpPr>
-          <p:cNvPr id="4" name="TextBox 3"/>
+      <p:sp>
+        <p:nvSpPr>
+          <p:cNvPr id="3" name="TextBox 2"/>
           <p:cNvSpPr txBox="1"/>
           <p:nvPr/>
         </p:nvSpPr>
         <p:spPr>
           <a:xfrm>
-            <a:off x="533400" y="4419600"/>
-            <a:ext cx="8077200" cy="1754326"/>
+            <a:off x="152400" y="990600"/>
+            <a:ext cx="8839200" cy="6247864"/>
           </a:xfrm>
           <a:prstGeom prst="rect">
             <a:avLst/>
@@ -4617,26 +4979,135 @@
           <a:lstStyle/>
           <a:p>
             <a:r>
-              <a:rPr lang="en-US" dirty="0" smtClean="0"/>
-              <a:t>Output window will display important information about the application during Build Actions and during Debugging Actions.</a:t>
-            </a:r>
-          </a:p>
-          <a:p>
-            <a:endParaRPr lang="en-US" dirty="0"/>
-          </a:p>
-          <a:p>
-            <a:r>
-              <a:rPr lang="en-US" dirty="0" smtClean="0"/>
-              <a:t>This window will also be used to provide feedback created by you during the running of your application. This is done with Tracing and Debugging outputs.</a:t>
-            </a:r>
-            <a:endParaRPr lang="en-US" dirty="0"/>
+              <a:rPr lang="en-US" sz="2000" b="1" u="sng" dirty="0" smtClean="0"/>
+              <a:t>Float</a:t>
+            </a:r>
+            <a:r>
+              <a:rPr lang="en-US" sz="2000" b="1" dirty="0" smtClean="0"/>
+              <a:t> (noun):</a:t>
+            </a:r>
+            <a:r>
+              <a:rPr lang="en-US" sz="2000" dirty="0" smtClean="0"/>
+              <a:t> </a:t>
+            </a:r>
+            <a:r>
+              <a:rPr lang="en-US" sz="2000" dirty="0"/>
+              <a:t>a type of value that represents numbers with fractional parts. Short for “floating-point number”.</a:t>
+            </a:r>
+            <a:br>
+              <a:rPr lang="en-US" sz="2000" dirty="0"/>
+            </a:br>
+            <a:r>
+              <a:rPr lang="en-US" sz="2000" i="1" dirty="0"/>
+              <a:t>Example: The value 3.14 is a float</a:t>
+            </a:r>
+            <a:r>
+              <a:rPr lang="en-US" sz="2000" i="1" dirty="0" smtClean="0"/>
+              <a:t>.</a:t>
+            </a:r>
+          </a:p>
+          <a:p>
+            <a:endParaRPr lang="en-US" sz="2000" i="1" dirty="0" smtClean="0"/>
+          </a:p>
+          <a:p>
+            <a:r>
+              <a:rPr lang="en-US" sz="2000" b="1" u="sng" dirty="0" smtClean="0"/>
+              <a:t>Function</a:t>
+            </a:r>
+            <a:r>
+              <a:rPr lang="en-US" sz="2000" b="1" dirty="0" smtClean="0"/>
+              <a:t> (noun):</a:t>
+            </a:r>
+            <a:r>
+              <a:rPr lang="en-US" sz="2000" dirty="0" smtClean="0"/>
+              <a:t> </a:t>
+            </a:r>
+            <a:r>
+              <a:rPr lang="en-US" sz="2000" dirty="0"/>
+              <a:t>a piece of code that is not run until it is called. Functions take zero or more arguments. When a function finishes running, it returns a return value back to the code that called it.</a:t>
+            </a:r>
+            <a:br>
+              <a:rPr lang="en-US" sz="2000" dirty="0"/>
+            </a:br>
+            <a:r>
+              <a:rPr lang="en-US" sz="2000" i="1" dirty="0"/>
+              <a:t>Example: I wrote a function that takes an array of numbers as an argument, and returns the average</a:t>
+            </a:r>
+            <a:r>
+              <a:rPr lang="en-US" sz="2000" i="1" dirty="0" smtClean="0"/>
+              <a:t>.</a:t>
+            </a:r>
+          </a:p>
+          <a:p>
+            <a:endParaRPr lang="en-US" sz="2000" i="1" dirty="0"/>
+          </a:p>
+          <a:p>
+            <a:r>
+              <a:rPr lang="en-US" sz="2000" b="1" u="sng" dirty="0" smtClean="0"/>
+              <a:t>Function Call</a:t>
+            </a:r>
+            <a:r>
+              <a:rPr lang="en-US" sz="2000" b="1" dirty="0" smtClean="0"/>
+              <a:t> (noun):</a:t>
+            </a:r>
+            <a:r>
+              <a:rPr lang="en-US" sz="2000" dirty="0" smtClean="0"/>
+              <a:t> </a:t>
+            </a:r>
+            <a:r>
+              <a:rPr lang="en-US" sz="2000" dirty="0"/>
+              <a:t>code for calling a function. Function calls specify which function to call, and all of the arguments that the function requires. The result of a function call is a return value. Not all functions have a return value.</a:t>
+            </a:r>
+            <a:br>
+              <a:rPr lang="en-US" sz="2000" dirty="0"/>
+            </a:br>
+            <a:r>
+              <a:rPr lang="en-US" sz="2000" i="1" dirty="0"/>
+              <a:t>Example: The function call add(1,2,3) returns the value 6</a:t>
+            </a:r>
+            <a:r>
+              <a:rPr lang="en-US" sz="2000" i="1" dirty="0" smtClean="0"/>
+              <a:t>.</a:t>
+            </a:r>
+          </a:p>
+          <a:p>
+            <a:endParaRPr lang="en-US" sz="2000" i="1" dirty="0"/>
+          </a:p>
+          <a:p>
+            <a:r>
+              <a:rPr lang="en-US" sz="2000" b="1" u="sng" dirty="0" smtClean="0"/>
+              <a:t>Implement</a:t>
+            </a:r>
+            <a:r>
+              <a:rPr lang="en-US" sz="2000" b="1" dirty="0" smtClean="0"/>
+              <a:t> (verb):</a:t>
+            </a:r>
+            <a:r>
+              <a:rPr lang="en-US" sz="2000" dirty="0" smtClean="0"/>
+              <a:t> </a:t>
+            </a:r>
+            <a:r>
+              <a:rPr lang="en-US" sz="2000" dirty="0"/>
+              <a:t>to write all the code to complete something – usually a function or a class.</a:t>
+            </a:r>
+            <a:br>
+              <a:rPr lang="en-US" sz="2000" dirty="0"/>
+            </a:br>
+            <a:r>
+              <a:rPr lang="en-US" sz="2000" i="1" dirty="0" smtClean="0"/>
+              <a:t>Example: I finished implementing those functions.</a:t>
+            </a:r>
+            <a:endParaRPr lang="en-US" sz="2000" i="1" dirty="0"/>
+          </a:p>
+          <a:p>
+            <a:endParaRPr lang="en-US" sz="2000" i="1" dirty="0"/>
           </a:p>
         </p:txBody>
       </p:sp>
     </p:spTree>
     <p:extLst>
       <p:ext uri="{BB962C8B-B14F-4D97-AF65-F5344CB8AC3E}">
-        <p14:creationId xmlns:p14="http://schemas.microsoft.com/office/powerpoint/2010/main" val="2980429746"/>
+        <p14:creationId xmlns:p14="http://schemas.microsoft.com/office/powerpoint/2010/main" val="2045717137"/>
       </p:ext>
     </p:extLst>
   </p:cSld>
@@ -4675,8 +5146,8 @@
         </p:nvSpPr>
         <p:spPr>
           <a:xfrm>
-            <a:off x="304800" y="152400"/>
-            <a:ext cx="8613648" cy="762000"/>
+            <a:off x="304800" y="0"/>
+            <a:ext cx="8613648" cy="1066800"/>
           </a:xfrm>
         </p:spPr>
         <p:txBody>
@@ -4688,64 +5159,22 @@
             <a:pPr algn="ctr"/>
             <a:r>
               <a:rPr lang="en-US" sz="3200" dirty="0" smtClean="0"/>
-              <a:t>Visual Studio Properties Window</a:t>
+              <a:t>Basic Vocabulary Needed for C# Development</a:t>
             </a:r>
             <a:endParaRPr lang="en-US" sz="3200" dirty="0"/>
           </a:p>
         </p:txBody>
       </p:sp>
-      <p:pic>
-        <p:nvPicPr>
-          <p:cNvPr id="5" name="Picture Placeholder 4"/>
-          <p:cNvPicPr>
-            <a:picLocks noGrp="1" noChangeAspect="1"/>
-          </p:cNvPicPr>
-          <p:nvPr>
-            <p:ph type="pic" idx="1"/>
-          </p:nvPr>
-        </p:nvPicPr>
-        <p:blipFill>
-          <a:blip r:embed="rId2" cstate="print">
-            <a:extLst>
-              <a:ext uri="{28A0092B-C50C-407E-A947-70E740481C1C}">
-                <a14:useLocalDpi xmlns:a14="http://schemas.microsoft.com/office/drawing/2010/main" val="0"/>
-              </a:ext>
-            </a:extLst>
-          </a:blip>
-          <a:stretch>
-            <a:fillRect/>
-          </a:stretch>
-        </p:blipFill>
-        <p:spPr>
-          <a:xfrm>
-            <a:off x="2504692" y="1066800"/>
-            <a:ext cx="4134617" cy="3209136"/>
-          </a:xfrm>
-          <a:prstGeom prst="rect">
-            <a:avLst/>
-          </a:prstGeom>
-          <a:ln>
-            <a:noFill/>
-          </a:ln>
-          <a:effectLst>
-            <a:outerShdw blurRad="292100" dist="139700" dir="2700000" algn="tl" rotWithShape="0">
-              <a:srgbClr val="333333">
-                <a:alpha val="65000"/>
-              </a:srgbClr>
-            </a:outerShdw>
-          </a:effectLst>
-        </p:spPr>
-      </p:pic>
-      <p:sp>
-        <p:nvSpPr>
-          <p:cNvPr id="4" name="TextBox 3"/>
+      <p:sp>
+        <p:nvSpPr>
+          <p:cNvPr id="3" name="TextBox 2"/>
           <p:cNvSpPr txBox="1"/>
           <p:nvPr/>
         </p:nvSpPr>
         <p:spPr>
           <a:xfrm>
-            <a:off x="533400" y="4419600"/>
-            <a:ext cx="8077200" cy="1477328"/>
+            <a:off x="152400" y="1066800"/>
+            <a:ext cx="8839200" cy="5324535"/>
           </a:xfrm>
           <a:prstGeom prst="rect">
             <a:avLst/>
@@ -4759,17 +5188,148 @@
           <a:lstStyle/>
           <a:p>
             <a:r>
-              <a:rPr lang="en-US" dirty="0" smtClean="0"/>
-              <a:t>Output window will display important information the properties of User Interface components.  During console applications this is not a very active window. However, when we moved to MVP and Web Application Development, this will become a very important window. For now, just remember that it is there and in the next lesson we will utilize it more.</a:t>
-            </a:r>
-            <a:endParaRPr lang="en-US" dirty="0"/>
+              <a:rPr lang="en-US" sz="2000" b="1" u="sng" dirty="0" smtClean="0"/>
+              <a:t>Instance</a:t>
+            </a:r>
+            <a:r>
+              <a:rPr lang="en-US" sz="2000" b="1" dirty="0" smtClean="0"/>
+              <a:t> (noun):</a:t>
+            </a:r>
+            <a:r>
+              <a:rPr lang="en-US" sz="2000" dirty="0" smtClean="0"/>
+              <a:t> </a:t>
+            </a:r>
+            <a:r>
+              <a:rPr lang="en-US" sz="2000" dirty="0"/>
+              <a:t>Synonym for object.</a:t>
+            </a:r>
+            <a:br>
+              <a:rPr lang="en-US" sz="2000" dirty="0"/>
+            </a:br>
+            <a:r>
+              <a:rPr lang="en-US" sz="2000" i="1" dirty="0"/>
+              <a:t>Example: I created an instance of the Person class</a:t>
+            </a:r>
+            <a:r>
+              <a:rPr lang="en-US" sz="2000" i="1" dirty="0" smtClean="0"/>
+              <a:t>.</a:t>
+            </a:r>
+          </a:p>
+          <a:p>
+            <a:endParaRPr lang="en-US" sz="2000" dirty="0"/>
+          </a:p>
+          <a:p>
+            <a:r>
+              <a:rPr lang="en-US" sz="2000" b="1" u="sng" dirty="0" smtClean="0"/>
+              <a:t>Instance Variable</a:t>
+            </a:r>
+            <a:r>
+              <a:rPr lang="en-US" sz="2000" b="1" dirty="0" smtClean="0"/>
+              <a:t> (noun):</a:t>
+            </a:r>
+            <a:r>
+              <a:rPr lang="en-US" sz="2000" dirty="0" smtClean="0"/>
+              <a:t> </a:t>
+            </a:r>
+            <a:r>
+              <a:rPr lang="en-US" sz="2000" dirty="0"/>
+              <a:t>a variable that is attached to an object. Also known as a “member variable” or just a “member.”</a:t>
+            </a:r>
+            <a:br>
+              <a:rPr lang="en-US" sz="2000" dirty="0"/>
+            </a:br>
+            <a:r>
+              <a:rPr lang="en-US" sz="2000" i="1" dirty="0"/>
+              <a:t>Example: On the tom object, I assigned the value "Tom </a:t>
+            </a:r>
+            <a:r>
+              <a:rPr lang="en-US" sz="2000" i="1" dirty="0" err="1"/>
+              <a:t>Dalling</a:t>
+            </a:r>
+            <a:r>
+              <a:rPr lang="en-US" sz="2000" i="1" dirty="0"/>
+              <a:t>" to the name instance variable</a:t>
+            </a:r>
+            <a:r>
+              <a:rPr lang="en-US" sz="2000" i="1" dirty="0" smtClean="0"/>
+              <a:t>.</a:t>
+            </a:r>
+          </a:p>
+          <a:p>
+            <a:endParaRPr lang="en-US" sz="2000" i="1" dirty="0"/>
+          </a:p>
+          <a:p>
+            <a:r>
+              <a:rPr lang="en-US" sz="2000" b="1" u="sng" dirty="0" smtClean="0"/>
+              <a:t>Instantiate</a:t>
+            </a:r>
+            <a:r>
+              <a:rPr lang="en-US" sz="2000" b="1" dirty="0" smtClean="0"/>
+              <a:t> (verb):</a:t>
+            </a:r>
+            <a:r>
+              <a:rPr lang="en-US" sz="2000" dirty="0" smtClean="0"/>
+              <a:t> </a:t>
+            </a:r>
+            <a:r>
+              <a:rPr lang="en-US" sz="2000" dirty="0"/>
+              <a:t>to create an object from a class.</a:t>
+            </a:r>
+            <a:br>
+              <a:rPr lang="en-US" sz="2000" dirty="0"/>
+            </a:br>
+            <a:r>
+              <a:rPr lang="en-US" sz="2000" i="1" dirty="0"/>
+              <a:t>Example: I instantiated an object of the Person class.</a:t>
+            </a:r>
+          </a:p>
+          <a:p>
+            <a:endParaRPr lang="en-US" sz="2000" b="1" dirty="0" smtClean="0"/>
+          </a:p>
+          <a:p>
+            <a:r>
+              <a:rPr lang="en-US" sz="2000" b="1" u="sng" dirty="0" smtClean="0"/>
+              <a:t>Integer</a:t>
+            </a:r>
+            <a:r>
+              <a:rPr lang="en-US" sz="2000" b="1" dirty="0" smtClean="0"/>
+              <a:t> (noun):</a:t>
+            </a:r>
+            <a:r>
+              <a:rPr lang="en-US" sz="2000" dirty="0" smtClean="0"/>
+              <a:t> </a:t>
+            </a:r>
+            <a:r>
+              <a:rPr lang="en-US" sz="2000" dirty="0"/>
+              <a:t>a type of value that represents whole numbers. For fractional numbers, see float.</a:t>
+            </a:r>
+            <a:br>
+              <a:rPr lang="en-US" sz="2000" dirty="0"/>
+            </a:br>
+            <a:r>
+              <a:rPr lang="en-US" sz="2000" i="1" dirty="0"/>
+              <a:t>Example: 42 is an integer value</a:t>
+            </a:r>
+            <a:r>
+              <a:rPr lang="en-US" sz="2000" i="1" dirty="0" smtClean="0"/>
+              <a:t>.</a:t>
+            </a:r>
+          </a:p>
+          <a:p>
+            <a:endParaRPr lang="en-US" sz="2000" dirty="0"/>
+          </a:p>
+          <a:p>
+            <a:endParaRPr lang="en-US" sz="2000" i="1" dirty="0"/>
+          </a:p>
+          <a:p>
+            <a:endParaRPr lang="en-US" sz="2000" dirty="0"/>
           </a:p>
         </p:txBody>
       </p:sp>
     </p:spTree>
     <p:extLst>
       <p:ext uri="{BB962C8B-B14F-4D97-AF65-F5344CB8AC3E}">
-        <p14:creationId xmlns:p14="http://schemas.microsoft.com/office/powerpoint/2010/main" val="2635147019"/>
+        <p14:creationId xmlns:p14="http://schemas.microsoft.com/office/powerpoint/2010/main" val="529465205"/>
       </p:ext>
     </p:extLst>
   </p:cSld>
@@ -4808,8 +5368,8 @@
         </p:nvSpPr>
         <p:spPr>
           <a:xfrm>
-            <a:off x="304800" y="152400"/>
-            <a:ext cx="8613648" cy="762000"/>
+            <a:off x="304800" y="0"/>
+            <a:ext cx="8613648" cy="1066800"/>
           </a:xfrm>
         </p:spPr>
         <p:txBody>
@@ -4821,64 +5381,22 @@
             <a:pPr algn="ctr"/>
             <a:r>
               <a:rPr lang="en-US" sz="3200" dirty="0" smtClean="0"/>
-              <a:t>Running the Console Application</a:t>
+              <a:t>Basic Vocabulary Needed for C# Development</a:t>
             </a:r>
             <a:endParaRPr lang="en-US" sz="3200" dirty="0"/>
           </a:p>
         </p:txBody>
       </p:sp>
-      <p:pic>
-        <p:nvPicPr>
-          <p:cNvPr id="5" name="Picture Placeholder 4"/>
-          <p:cNvPicPr>
-            <a:picLocks noGrp="1" noChangeAspect="1"/>
-          </p:cNvPicPr>
-          <p:nvPr>
-            <p:ph type="pic" idx="1"/>
-          </p:nvPr>
-        </p:nvPicPr>
-        <p:blipFill>
-          <a:blip r:embed="rId2">
-            <a:extLst>
-              <a:ext uri="{28A0092B-C50C-407E-A947-70E740481C1C}">
-                <a14:useLocalDpi xmlns:a14="http://schemas.microsoft.com/office/drawing/2010/main" val="0"/>
-              </a:ext>
-            </a:extLst>
-          </a:blip>
-          <a:stretch>
-            <a:fillRect/>
-          </a:stretch>
-        </p:blipFill>
-        <p:spPr>
-          <a:xfrm>
-            <a:off x="542148" y="1066800"/>
-            <a:ext cx="8059704" cy="916519"/>
-          </a:xfrm>
-          <a:prstGeom prst="rect">
-            <a:avLst/>
-          </a:prstGeom>
-          <a:ln>
-            <a:noFill/>
-          </a:ln>
-          <a:effectLst>
-            <a:outerShdw blurRad="292100" dist="139700" dir="2700000" algn="tl" rotWithShape="0">
-              <a:srgbClr val="333333">
-                <a:alpha val="65000"/>
-              </a:srgbClr>
-            </a:outerShdw>
-          </a:effectLst>
-        </p:spPr>
-      </p:pic>
-      <p:sp>
-        <p:nvSpPr>
-          <p:cNvPr id="4" name="TextBox 3"/>
+      <p:sp>
+        <p:nvSpPr>
+          <p:cNvPr id="3" name="TextBox 2"/>
           <p:cNvSpPr txBox="1"/>
           <p:nvPr/>
         </p:nvSpPr>
         <p:spPr>
           <a:xfrm>
-            <a:off x="517358" y="2133600"/>
-            <a:ext cx="8077200" cy="4247317"/>
+            <a:off x="152400" y="1066800"/>
+            <a:ext cx="8839200" cy="5016758"/>
           </a:xfrm>
           <a:prstGeom prst="rect">
             <a:avLst/>
@@ -4892,87 +5410,126 @@
           <a:lstStyle/>
           <a:p>
             <a:r>
-              <a:rPr lang="en-US" dirty="0" smtClean="0"/>
-              <a:t>This toolbar is utilized to “Run” the program. It will act in a similar manner as double clicking on an application that is installed on a computer.</a:t>
-            </a:r>
-          </a:p>
-          <a:p>
-            <a:endParaRPr lang="en-US" dirty="0" smtClean="0"/>
-          </a:p>
-          <a:p>
-            <a:r>
-              <a:rPr lang="en-US" dirty="0" smtClean="0"/>
-              <a:t>The two settings to the right of the green arrow are as follows:</a:t>
-            </a:r>
-          </a:p>
-          <a:p>
-            <a:endParaRPr lang="en-US" dirty="0"/>
-          </a:p>
-          <a:p>
-            <a:r>
-              <a:rPr lang="en-US" b="1" dirty="0" smtClean="0">
-                <a:solidFill>
-                  <a:srgbClr val="C00000"/>
-                </a:solidFill>
-              </a:rPr>
-              <a:t>Debug</a:t>
-            </a:r>
-            <a:r>
-              <a:rPr lang="en-US" dirty="0" smtClean="0">
-                <a:solidFill>
-                  <a:srgbClr val="C00000"/>
-                </a:solidFill>
-              </a:rPr>
+              <a:rPr lang="en-US" sz="2000" b="1" u="sng" dirty="0" smtClean="0"/>
+              <a:t>Interpreter</a:t>
+            </a:r>
+            <a:r>
+              <a:rPr lang="en-US" sz="2000" b="1" dirty="0" smtClean="0"/>
               <a:t> </a:t>
             </a:r>
             <a:r>
-              <a:rPr lang="en-US" dirty="0" smtClean="0"/>
-              <a:t>– This is a setting to attach a debugger to the program or run the program without debugging.</a:t>
-            </a:r>
-          </a:p>
-          <a:p>
-            <a:endParaRPr lang="en-US" dirty="0" smtClean="0"/>
-          </a:p>
-          <a:p>
-            <a:r>
-              <a:rPr lang="en-US" b="1" dirty="0" smtClean="0">
-                <a:solidFill>
-                  <a:srgbClr val="C00000"/>
-                </a:solidFill>
-              </a:rPr>
-              <a:t>Any CPU </a:t>
-            </a:r>
-            <a:r>
-              <a:rPr lang="en-US" dirty="0" smtClean="0"/>
-              <a:t>– This is a setting to target “Any CPU”, “x32”, or “x64”. This becomes relevant when applications begin to utilize a large amount of RAM as an operating system that is “x32” has a maximum RAM limitation of 3GB. “x64” operating systems are not limited by this.</a:t>
-            </a:r>
-          </a:p>
-          <a:p>
-            <a:endParaRPr lang="en-US" dirty="0"/>
-          </a:p>
-          <a:p>
-            <a:r>
-              <a:rPr lang="en-US" dirty="0" smtClean="0">
-                <a:solidFill>
-                  <a:srgbClr val="FFFF00"/>
-                </a:solidFill>
-              </a:rPr>
-              <a:t>Shortcut Key: F5</a:t>
-            </a:r>
-          </a:p>
-          <a:p>
-            <a:r>
-              <a:rPr lang="en-US" dirty="0" smtClean="0"/>
-              <a:t>S</a:t>
-            </a:r>
-            <a:endParaRPr lang="en-US" dirty="0"/>
+              <a:rPr lang="en-US" sz="2000" b="1" dirty="0"/>
+              <a:t>(noun):</a:t>
+            </a:r>
+            <a:r>
+              <a:rPr lang="en-US" sz="2000" dirty="0"/>
+              <a:t> a program that runs code. For languages that are not compiled, the source code is run directly by an interpreter. Compiled programming languages do not usually have an interpreter.</a:t>
+            </a:r>
+            <a:br>
+              <a:rPr lang="en-US" sz="2000" dirty="0"/>
+            </a:br>
+            <a:r>
+              <a:rPr lang="en-US" sz="2000" i="1" dirty="0"/>
+              <a:t>Example: I installed the Ruby interpreter so I can run my Ruby code</a:t>
+            </a:r>
+            <a:r>
+              <a:rPr lang="en-US" sz="2000" i="1" dirty="0" smtClean="0"/>
+              <a:t>.</a:t>
+            </a:r>
+          </a:p>
+          <a:p>
+            <a:endParaRPr lang="en-US" sz="2000" i="1" dirty="0"/>
+          </a:p>
+          <a:p>
+            <a:r>
+              <a:rPr lang="en-US" sz="2000" b="1" u="sng" dirty="0" smtClean="0"/>
+              <a:t>Invoke</a:t>
+            </a:r>
+            <a:r>
+              <a:rPr lang="en-US" sz="2000" b="1" dirty="0" smtClean="0"/>
+              <a:t> (verb):</a:t>
+            </a:r>
+            <a:r>
+              <a:rPr lang="en-US" sz="2000" dirty="0" smtClean="0"/>
+              <a:t> </a:t>
+            </a:r>
+            <a:r>
+              <a:rPr lang="en-US" sz="2000" dirty="0"/>
+              <a:t>Synonym for call.</a:t>
+            </a:r>
+            <a:br>
+              <a:rPr lang="en-US" sz="2000" dirty="0"/>
+            </a:br>
+            <a:r>
+              <a:rPr lang="en-US" sz="2000" i="1" dirty="0"/>
+              <a:t>Example: I invoked the function with the wrong arguments, and it crashed.</a:t>
+            </a:r>
+          </a:p>
+          <a:p>
+            <a:endParaRPr lang="en-US" sz="2000" b="1" dirty="0" smtClean="0"/>
+          </a:p>
+          <a:p>
+            <a:r>
+              <a:rPr lang="en-US" sz="2000" b="1" u="sng" dirty="0" smtClean="0"/>
+              <a:t>Iterate</a:t>
+            </a:r>
+            <a:r>
+              <a:rPr lang="en-US" sz="2000" b="1" dirty="0" smtClean="0"/>
+              <a:t> </a:t>
+            </a:r>
+            <a:r>
+              <a:rPr lang="en-US" sz="2000" dirty="0" smtClean="0"/>
+              <a:t>(verb): </a:t>
+            </a:r>
+            <a:r>
+              <a:rPr lang="en-US" sz="2000" dirty="0"/>
+              <a:t>Synonym for loop.</a:t>
+            </a:r>
+            <a:br>
+              <a:rPr lang="en-US" sz="2000" dirty="0"/>
+            </a:br>
+            <a:r>
+              <a:rPr lang="en-US" sz="2000" i="1" dirty="0"/>
+              <a:t>Example: I iterated over all the values in the array.</a:t>
+            </a:r>
+          </a:p>
+          <a:p>
+            <a:endParaRPr lang="en-US" sz="2000" b="1" dirty="0" smtClean="0"/>
+          </a:p>
+          <a:p>
+            <a:r>
+              <a:rPr lang="en-US" sz="2000" b="1" u="sng" dirty="0" smtClean="0"/>
+              <a:t>Loop</a:t>
+            </a:r>
+            <a:r>
+              <a:rPr lang="en-US" sz="2000" b="1" dirty="0" smtClean="0"/>
+              <a:t> (noun):</a:t>
+            </a:r>
+            <a:r>
+              <a:rPr lang="en-US" sz="2000" dirty="0" smtClean="0"/>
+              <a:t> </a:t>
+            </a:r>
+            <a:r>
+              <a:rPr lang="en-US" sz="2000" dirty="0"/>
+              <a:t>a piece of code that runs itself repeatedly. Commonly used to run a piece code for every value in an array. Also known as “iteration”.</a:t>
+            </a:r>
+            <a:br>
+              <a:rPr lang="en-US" sz="2000" dirty="0"/>
+            </a:br>
+            <a:r>
+              <a:rPr lang="en-US" sz="2000" i="1" dirty="0"/>
+              <a:t>Example: The code loops until the user types in “quit.”</a:t>
+            </a:r>
+          </a:p>
+          <a:p>
+            <a:endParaRPr lang="en-US" sz="2000" i="1" dirty="0"/>
           </a:p>
         </p:txBody>
       </p:sp>
     </p:spTree>
     <p:extLst>
       <p:ext uri="{BB962C8B-B14F-4D97-AF65-F5344CB8AC3E}">
-        <p14:creationId xmlns:p14="http://schemas.microsoft.com/office/powerpoint/2010/main" val="2854658977"/>
+        <p14:creationId xmlns:p14="http://schemas.microsoft.com/office/powerpoint/2010/main" val="2081612501"/>
       </p:ext>
     </p:extLst>
   </p:cSld>
@@ -5011,8 +5568,8 @@
         </p:nvSpPr>
         <p:spPr>
           <a:xfrm>
-            <a:off x="304800" y="152400"/>
-            <a:ext cx="8613648" cy="762000"/>
+            <a:off x="304800" y="0"/>
+            <a:ext cx="8613648" cy="1066800"/>
           </a:xfrm>
         </p:spPr>
         <p:txBody>
@@ -5024,64 +5581,22 @@
             <a:pPr algn="ctr"/>
             <a:r>
               <a:rPr lang="en-US" sz="3200" dirty="0" smtClean="0"/>
-              <a:t>Visual Studio Output Window (Good build)</a:t>
+              <a:t>Basic Vocabulary Needed for C# Development</a:t>
             </a:r>
             <a:endParaRPr lang="en-US" sz="3200" dirty="0"/>
           </a:p>
         </p:txBody>
       </p:sp>
-      <p:pic>
-        <p:nvPicPr>
-          <p:cNvPr id="5" name="Picture Placeholder 4"/>
-          <p:cNvPicPr>
-            <a:picLocks noGrp="1" noChangeAspect="1"/>
-          </p:cNvPicPr>
-          <p:nvPr>
-            <p:ph type="pic" idx="1"/>
-          </p:nvPr>
-        </p:nvPicPr>
-        <p:blipFill>
-          <a:blip r:embed="rId2" cstate="print">
-            <a:extLst>
-              <a:ext uri="{28A0092B-C50C-407E-A947-70E740481C1C}">
-                <a14:useLocalDpi xmlns:a14="http://schemas.microsoft.com/office/drawing/2010/main" val="0"/>
-              </a:ext>
-            </a:extLst>
-          </a:blip>
-          <a:stretch>
-            <a:fillRect/>
-          </a:stretch>
-        </p:blipFill>
-        <p:spPr>
-          <a:xfrm>
-            <a:off x="395852" y="2438400"/>
-            <a:ext cx="8352297" cy="1456347"/>
-          </a:xfrm>
-          <a:prstGeom prst="rect">
-            <a:avLst/>
-          </a:prstGeom>
-          <a:ln>
-            <a:noFill/>
-          </a:ln>
-          <a:effectLst>
-            <a:outerShdw blurRad="292100" dist="139700" dir="2700000" algn="tl" rotWithShape="0">
-              <a:srgbClr val="333333">
-                <a:alpha val="65000"/>
-              </a:srgbClr>
-            </a:outerShdw>
-          </a:effectLst>
-        </p:spPr>
-      </p:pic>
-      <p:sp>
-        <p:nvSpPr>
-          <p:cNvPr id="4" name="TextBox 3"/>
+      <p:sp>
+        <p:nvSpPr>
+          <p:cNvPr id="3" name="TextBox 2"/>
           <p:cNvSpPr txBox="1"/>
           <p:nvPr/>
         </p:nvSpPr>
         <p:spPr>
           <a:xfrm>
-            <a:off x="533400" y="4419600"/>
-            <a:ext cx="8077200" cy="1477328"/>
+            <a:off x="152400" y="1066800"/>
+            <a:ext cx="8839200" cy="5324535"/>
           </a:xfrm>
           <a:prstGeom prst="rect">
             <a:avLst/>
@@ -5095,17 +5610,122 @@
           <a:lstStyle/>
           <a:p>
             <a:r>
-              <a:rPr lang="en-US" dirty="0" smtClean="0"/>
-              <a:t>Note that after “Running” the application the Output Window now shows a considerable amount of information.  Due to the nature of a Console Application, most of the debugging setup is skipped as it is not relevant and not necessary.  However, if there are errors, this is where they would show. </a:t>
-            </a:r>
-            <a:endParaRPr lang="en-US" dirty="0"/>
+              <a:rPr lang="en-US" sz="2000" b="1" u="sng" dirty="0" smtClean="0"/>
+              <a:t>Member Function</a:t>
+            </a:r>
+            <a:r>
+              <a:rPr lang="en-US" sz="2000" b="1" dirty="0" smtClean="0"/>
+              <a:t> (noun):</a:t>
+            </a:r>
+            <a:r>
+              <a:rPr lang="en-US" sz="2000" dirty="0" smtClean="0"/>
+              <a:t> </a:t>
+            </a:r>
+            <a:r>
+              <a:rPr lang="en-US" sz="2000" dirty="0"/>
+              <a:t>Synonym for method.</a:t>
+            </a:r>
+            <a:br>
+              <a:rPr lang="en-US" sz="2000" dirty="0"/>
+            </a:br>
+            <a:r>
+              <a:rPr lang="en-US" sz="2000" i="1" dirty="0"/>
+              <a:t>Example: This class has three member functions.</a:t>
+            </a:r>
+          </a:p>
+          <a:p>
+            <a:endParaRPr lang="en-US" sz="2000" b="1" dirty="0" smtClean="0"/>
+          </a:p>
+          <a:p>
+            <a:r>
+              <a:rPr lang="en-US" sz="2000" b="1" u="sng" dirty="0" smtClean="0"/>
+              <a:t>Member Variable</a:t>
+            </a:r>
+            <a:r>
+              <a:rPr lang="en-US" sz="2000" b="1" dirty="0" smtClean="0"/>
+              <a:t> (noun):</a:t>
+            </a:r>
+            <a:r>
+              <a:rPr lang="en-US" sz="2000" dirty="0" smtClean="0"/>
+              <a:t> </a:t>
+            </a:r>
+            <a:r>
+              <a:rPr lang="en-US" sz="2000" dirty="0"/>
+              <a:t>Synonym for instance variable.</a:t>
+            </a:r>
+            <a:br>
+              <a:rPr lang="en-US" sz="2000" dirty="0"/>
+            </a:br>
+            <a:r>
+              <a:rPr lang="en-US" sz="2000" i="1" dirty="0"/>
+              <a:t>Example: This class has two member variables</a:t>
+            </a:r>
+            <a:r>
+              <a:rPr lang="en-US" sz="2000" i="1" dirty="0" smtClean="0"/>
+              <a:t>.</a:t>
+            </a:r>
+          </a:p>
+          <a:p>
+            <a:endParaRPr lang="en-US" sz="2000" dirty="0"/>
+          </a:p>
+          <a:p>
+            <a:r>
+              <a:rPr lang="en-US" sz="2000" b="1" u="sng" dirty="0" smtClean="0"/>
+              <a:t>Method</a:t>
+            </a:r>
+            <a:r>
+              <a:rPr lang="en-US" sz="2000" b="1" dirty="0" smtClean="0"/>
+              <a:t> (noun):</a:t>
+            </a:r>
+            <a:r>
+              <a:rPr lang="en-US" sz="2000" dirty="0" smtClean="0"/>
+              <a:t> </a:t>
+            </a:r>
+            <a:r>
+              <a:rPr lang="en-US" sz="2000" dirty="0"/>
+              <a:t>a function that is attached to an object. Methods belong to, and are defined in, a class. Also known as a “member function.”</a:t>
+            </a:r>
+            <a:br>
+              <a:rPr lang="en-US" sz="2000" dirty="0"/>
+            </a:br>
+            <a:r>
+              <a:rPr lang="en-US" sz="2000" i="1" dirty="0"/>
+              <a:t>Example: The length method returns the number of characters in a string object.</a:t>
+            </a:r>
+          </a:p>
+          <a:p>
+            <a:endParaRPr lang="en-US" sz="2000" b="1" dirty="0" smtClean="0"/>
+          </a:p>
+          <a:p>
+            <a:r>
+              <a:rPr lang="en-US" sz="2000" b="1" u="sng" dirty="0" smtClean="0"/>
+              <a:t>Nested</a:t>
+            </a:r>
+            <a:r>
+              <a:rPr lang="en-US" sz="2000" b="1" dirty="0" smtClean="0"/>
+              <a:t> (adjective): </a:t>
+            </a:r>
+            <a:r>
+              <a:rPr lang="en-US" sz="2000" dirty="0"/>
+              <a:t>contained within something like itself. E.g. a nested array is an array that is inside another array, and a nested class is a class defined inside the definition of another class.</a:t>
+            </a:r>
+            <a:br>
+              <a:rPr lang="en-US" sz="2000" dirty="0"/>
+            </a:br>
+            <a:r>
+              <a:rPr lang="en-US" sz="2000" i="1" dirty="0"/>
+              <a:t>Example: I used a nested loop to loop over a grid – the outer loop for the x coordinate, and the inner loop for the y coordinate.</a:t>
+            </a:r>
+          </a:p>
+          <a:p>
+            <a:endParaRPr lang="en-US" sz="2000" i="1" dirty="0"/>
           </a:p>
         </p:txBody>
       </p:sp>
     </p:spTree>
     <p:extLst>
       <p:ext uri="{BB962C8B-B14F-4D97-AF65-F5344CB8AC3E}">
-        <p14:creationId xmlns:p14="http://schemas.microsoft.com/office/powerpoint/2010/main" val="1125625099"/>
+        <p14:creationId xmlns:p14="http://schemas.microsoft.com/office/powerpoint/2010/main" val="4016700152"/>
       </p:ext>
     </p:extLst>
   </p:cSld>
@@ -5144,7 +5764,7 @@
         </p:nvSpPr>
         <p:spPr>
           <a:xfrm>
-            <a:off x="304800" y="152400"/>
+            <a:off x="304800" y="0"/>
             <a:ext cx="8613648" cy="1066800"/>
           </a:xfrm>
         </p:spPr>
@@ -5156,119 +5776,146 @@
           <a:p>
             <a:pPr algn="ctr"/>
             <a:r>
-              <a:rPr lang="en-US" sz="2800" dirty="0" smtClean="0"/>
-              <a:t>Visual Studio Output/Error Windows (Failed Build)</a:t>
-            </a:r>
-            <a:endParaRPr lang="en-US" sz="2800" dirty="0"/>
-          </a:p>
-        </p:txBody>
-      </p:sp>
-      <p:pic>
-        <p:nvPicPr>
-          <p:cNvPr id="5" name="Picture Placeholder 4"/>
-          <p:cNvPicPr>
-            <a:picLocks noGrp="1" noChangeAspect="1"/>
-          </p:cNvPicPr>
-          <p:nvPr>
-            <p:ph type="pic" idx="1"/>
-          </p:nvPr>
-        </p:nvPicPr>
-        <p:blipFill>
-          <a:blip r:embed="rId2">
-            <a:extLst>
-              <a:ext uri="{28A0092B-C50C-407E-A947-70E740481C1C}">
-                <a14:useLocalDpi xmlns:a14="http://schemas.microsoft.com/office/drawing/2010/main" val="0"/>
-              </a:ext>
-            </a:extLst>
-          </a:blip>
-          <a:stretch>
-            <a:fillRect/>
-          </a:stretch>
-        </p:blipFill>
-        <p:spPr>
-          <a:xfrm>
-            <a:off x="1343550" y="3093863"/>
-            <a:ext cx="6456901" cy="1456347"/>
+              <a:rPr lang="en-US" sz="3200" dirty="0" smtClean="0"/>
+              <a:t>Basic Vocabulary Needed for C# Development</a:t>
+            </a:r>
+            <a:endParaRPr lang="en-US" sz="3200" dirty="0"/>
+          </a:p>
+        </p:txBody>
+      </p:sp>
+      <p:sp>
+        <p:nvSpPr>
+          <p:cNvPr id="3" name="TextBox 2"/>
+          <p:cNvSpPr txBox="1"/>
+          <p:nvPr/>
+        </p:nvSpPr>
+        <p:spPr>
+          <a:xfrm>
+            <a:off x="152400" y="1066800"/>
+            <a:ext cx="8839200" cy="5016758"/>
           </a:xfrm>
           <a:prstGeom prst="rect">
             <a:avLst/>
           </a:prstGeom>
-          <a:ln>
-            <a:noFill/>
-          </a:ln>
-          <a:effectLst>
-            <a:outerShdw blurRad="292100" dist="139700" dir="2700000" algn="tl" rotWithShape="0">
-              <a:srgbClr val="333333">
-                <a:alpha val="65000"/>
-              </a:srgbClr>
-            </a:outerShdw>
-          </a:effectLst>
-        </p:spPr>
-      </p:pic>
-      <p:pic>
-        <p:nvPicPr>
-          <p:cNvPr id="3" name="Picture 2"/>
-          <p:cNvPicPr>
-            <a:picLocks noChangeAspect="1"/>
-          </p:cNvPicPr>
-          <p:nvPr/>
-        </p:nvPicPr>
-        <p:blipFill>
-          <a:blip r:embed="rId3" cstate="print">
-            <a:extLst>
-              <a:ext uri="{28A0092B-C50C-407E-A947-70E740481C1C}">
-                <a14:useLocalDpi xmlns:a14="http://schemas.microsoft.com/office/drawing/2010/main" val="0"/>
-              </a:ext>
-            </a:extLst>
-          </a:blip>
-          <a:stretch>
-            <a:fillRect/>
-          </a:stretch>
-        </p:blipFill>
-        <p:spPr>
-          <a:xfrm>
-            <a:off x="2541094" y="1371600"/>
-            <a:ext cx="4061812" cy="1646063"/>
-          </a:xfrm>
-          <a:prstGeom prst="rect">
-            <a:avLst/>
-          </a:prstGeom>
-        </p:spPr>
-      </p:pic>
-      <p:pic>
-        <p:nvPicPr>
-          <p:cNvPr id="6" name="Picture 5"/>
-          <p:cNvPicPr>
-            <a:picLocks noChangeAspect="1"/>
-          </p:cNvPicPr>
-          <p:nvPr/>
-        </p:nvPicPr>
-        <p:blipFill>
-          <a:blip r:embed="rId4" cstate="print">
-            <a:extLst>
-              <a:ext uri="{28A0092B-C50C-407E-A947-70E740481C1C}">
-                <a14:useLocalDpi xmlns:a14="http://schemas.microsoft.com/office/drawing/2010/main" val="0"/>
-              </a:ext>
-            </a:extLst>
-          </a:blip>
-          <a:stretch>
-            <a:fillRect/>
-          </a:stretch>
-        </p:blipFill>
-        <p:spPr>
-          <a:xfrm>
-            <a:off x="573058" y="4617863"/>
-            <a:ext cx="7997884" cy="1623201"/>
-          </a:xfrm>
-          <a:prstGeom prst="rect">
-            <a:avLst/>
-          </a:prstGeom>
-        </p:spPr>
-      </p:pic>
+          <a:noFill/>
+        </p:spPr>
+        <p:txBody>
+          <a:bodyPr wrap="square" rtlCol="0">
+            <a:spAutoFit/>
+          </a:bodyPr>
+          <a:lstStyle/>
+          <a:p>
+            <a:r>
+              <a:rPr lang="en-US" sz="2000" b="1" u="sng" dirty="0" smtClean="0"/>
+              <a:t>Object</a:t>
+            </a:r>
+            <a:r>
+              <a:rPr lang="en-US" sz="2000" b="1" dirty="0" smtClean="0"/>
+              <a:t> (noun):</a:t>
+            </a:r>
+            <a:r>
+              <a:rPr lang="en-US" sz="2000" dirty="0" smtClean="0"/>
+              <a:t> </a:t>
+            </a:r>
+            <a:r>
+              <a:rPr lang="en-US" sz="2000" dirty="0"/>
+              <a:t>a value created from a class. E.g. If you want to represent your family in code then you might make a class called </a:t>
+            </a:r>
+            <a:r>
+              <a:rPr lang="en-US" sz="2000" dirty="0" err="1"/>
+              <a:t>FamilyMember</a:t>
+            </a:r>
+            <a:r>
+              <a:rPr lang="en-US" sz="2000" dirty="0"/>
+              <a:t>, and create several objects from that class – one object for each person in your family. Objects usually contain other values inside instance variables, and have methods attached to them. E.g. each </a:t>
+            </a:r>
+            <a:r>
+              <a:rPr lang="en-US" sz="2000" dirty="0" err="1"/>
+              <a:t>FamilyMember</a:t>
+            </a:r>
+            <a:r>
+              <a:rPr lang="en-US" sz="2000" dirty="0"/>
+              <a:t> object might have a name instance variable. Objects combine the concept of variables and functions into a single value. Also known as an “instance.”</a:t>
+            </a:r>
+            <a:br>
+              <a:rPr lang="en-US" sz="2000" dirty="0"/>
+            </a:br>
+            <a:r>
+              <a:rPr lang="en-US" sz="2000" i="1" dirty="0"/>
+              <a:t>Example: I make the enemy move by changing the position instance variable of the enemy object.</a:t>
+            </a:r>
+          </a:p>
+          <a:p>
+            <a:endParaRPr lang="en-US" sz="2000" b="1" dirty="0" smtClean="0"/>
+          </a:p>
+          <a:p>
+            <a:r>
+              <a:rPr lang="en-US" sz="2000" b="1" u="sng" dirty="0" smtClean="0"/>
+              <a:t>Object-Oriented</a:t>
+            </a:r>
+            <a:r>
+              <a:rPr lang="en-US" sz="2000" b="1" dirty="0" smtClean="0"/>
+              <a:t> (adjective):</a:t>
+            </a:r>
+            <a:r>
+              <a:rPr lang="en-US" sz="2000" dirty="0" smtClean="0"/>
+              <a:t> </a:t>
+            </a:r>
+            <a:r>
+              <a:rPr lang="en-US" sz="2000" dirty="0"/>
+              <a:t>designed using objects.</a:t>
+            </a:r>
+            <a:br>
+              <a:rPr lang="en-US" sz="2000" dirty="0"/>
+            </a:br>
+            <a:r>
+              <a:rPr lang="en-US" sz="2000" i="1" dirty="0"/>
+              <a:t>Example: Ruby is an object-oriented programming language because all values are objects in Ruby</a:t>
+            </a:r>
+            <a:r>
+              <a:rPr lang="en-US" sz="2000" i="1" dirty="0" smtClean="0"/>
+              <a:t>.</a:t>
+            </a:r>
+          </a:p>
+          <a:p>
+            <a:endParaRPr lang="en-US" sz="2000" i="1" dirty="0"/>
+          </a:p>
+          <a:p>
+            <a:r>
+              <a:rPr lang="en-US" sz="2000" b="1" u="sng" dirty="0" smtClean="0"/>
+              <a:t>Parameter</a:t>
+            </a:r>
+            <a:r>
+              <a:rPr lang="en-US" sz="2000" b="1" dirty="0" smtClean="0"/>
+              <a:t> (noun):</a:t>
+            </a:r>
+            <a:r>
+              <a:rPr lang="en-US" sz="2000" dirty="0" smtClean="0"/>
+              <a:t> </a:t>
+            </a:r>
+            <a:r>
+              <a:rPr lang="en-US" sz="2000" dirty="0"/>
+              <a:t>Synonym for argument.</a:t>
+            </a:r>
+            <a:br>
+              <a:rPr lang="en-US" sz="2000" dirty="0"/>
+            </a:br>
+            <a:r>
+              <a:rPr lang="en-US" sz="2000" i="1" dirty="0"/>
+              <a:t>Example: That function takes two parameters</a:t>
+            </a:r>
+            <a:r>
+              <a:rPr lang="en-US" sz="2000" i="1" dirty="0" smtClean="0"/>
+              <a:t>.</a:t>
+            </a:r>
+            <a:endParaRPr lang="en-US" sz="2000" i="1" dirty="0"/>
+          </a:p>
+        </p:txBody>
+      </p:sp>
     </p:spTree>
     <p:extLst>
       <p:ext uri="{BB962C8B-B14F-4D97-AF65-F5344CB8AC3E}">
-        <p14:creationId xmlns:p14="http://schemas.microsoft.com/office/powerpoint/2010/main" val="3050555837"/>
+        <p14:creationId xmlns:p14="http://schemas.microsoft.com/office/powerpoint/2010/main" val="1916507036"/>
       </p:ext>
     </p:extLst>
   </p:cSld>
@@ -5345,7 +5992,11 @@
             </a:r>
             <a:r>
               <a:rPr lang="en-US" sz="2400" dirty="0" smtClean="0"/>
-              <a:t>Visual Studios 2019 Community</a:t>
+              <a:t>Visual Studios 2019 </a:t>
+            </a:r>
+            <a:r>
+              <a:rPr lang="en-US" sz="2400" dirty="0" smtClean="0"/>
+              <a:t>Community</a:t>
             </a:r>
           </a:p>
           <a:p>
@@ -5354,13 +6005,14 @@
               <a:buChar char="q"/>
             </a:pPr>
             <a:r>
+              <a:rPr lang="en-US" sz="2400" dirty="0"/>
+              <a:t>Basic Vocabulary Needed for C</a:t>
+            </a:r>
+            <a:r>
               <a:rPr lang="en-US" sz="2400" dirty="0" smtClean="0"/>
-              <a:t>Understanding Visual Studios 2019 Development </a:t>
-            </a:r>
-            <a:r>
-              <a:rPr lang="en-US" sz="2400" dirty="0" smtClean="0"/>
-              <a:t>Environment</a:t>
-            </a:r>
+              <a:t>#</a:t>
+            </a:r>
+            <a:endParaRPr lang="en-US" sz="2400" dirty="0" smtClean="0"/>
           </a:p>
           <a:p>
             <a:pPr>
@@ -5368,12 +6020,12 @@
               <a:buChar char="q"/>
             </a:pPr>
             <a:r>
-              <a:rPr lang="en-US" sz="2400" dirty="0"/>
-              <a:t>Basic Vocabulary Needed for C</a:t>
-            </a:r>
-            <a:r>
               <a:rPr lang="en-US" sz="2400" dirty="0" smtClean="0"/>
-              <a:t>#\</a:t>
+              <a:t>Understanding Visual Studios 2019 Development </a:t>
+            </a:r>
+            <a:r>
+              <a:rPr lang="en-US" sz="2400" dirty="0" smtClean="0"/>
+              <a:t>Environment</a:t>
             </a:r>
           </a:p>
           <a:p>
@@ -5468,6 +6120,13 @@
   <p:clrMapOvr>
     <a:masterClrMapping/>
   </p:clrMapOvr>
+  <p:timing>
+    <p:tnLst>
+      <p:par>
+        <p:cTn id="1" dur="indefinite" restart="never" nodeType="tmRoot"/>
+      </p:par>
+    </p:tnLst>
+  </p:timing>
 </p:sld>
 </file>
 
@@ -5528,7 +6187,7 @@
         <p:spPr>
           <a:xfrm>
             <a:off x="152400" y="1066800"/>
-            <a:ext cx="8839200" cy="4401205"/>
+            <a:ext cx="8839200" cy="4708981"/>
           </a:xfrm>
           <a:prstGeom prst="rect">
             <a:avLst/>
@@ -5543,7 +6202,7 @@
           <a:p>
             <a:r>
               <a:rPr lang="en-US" sz="2000" b="1" u="sng" dirty="0" smtClean="0"/>
-              <a:t>Algorithm</a:t>
+              <a:t>Parenthesis</a:t>
             </a:r>
             <a:r>
               <a:rPr lang="en-US" sz="2000" b="1" dirty="0" smtClean="0"/>
@@ -5555,14 +6214,14 @@
             </a:r>
             <a:r>
               <a:rPr lang="en-US" sz="2000" dirty="0"/>
-              <a:t>a step-by-step procedure to achieve a specific goal. Can be implemented with code.</a:t>
+              <a:t>A type of bracket.</a:t>
             </a:r>
             <a:br>
               <a:rPr lang="en-US" sz="2000" dirty="0"/>
             </a:br>
             <a:r>
               <a:rPr lang="en-US" sz="2000" i="1" dirty="0"/>
-              <a:t>Example: I used the quicksort algorithm to sort the array alphabetically</a:t>
+              <a:t>Example: Lisp-like programming languages use a lot of parenthesis in their syntax</a:t>
             </a:r>
             <a:r>
               <a:rPr lang="en-US" sz="2000" i="1" dirty="0" smtClean="0"/>
@@ -5575,46 +6234,62 @@
           <a:p>
             <a:r>
               <a:rPr lang="en-US" sz="2000" b="1" u="sng" dirty="0" smtClean="0"/>
-              <a:t>Argument</a:t>
+              <a:t>Procedure</a:t>
             </a:r>
             <a:r>
               <a:rPr lang="en-US" sz="2000" b="1" dirty="0" smtClean="0"/>
-              <a:t> (noun): </a:t>
+              <a:t> (noun):</a:t>
+            </a:r>
+            <a:r>
+              <a:rPr lang="en-US" sz="2000" dirty="0" smtClean="0"/>
+              <a:t> </a:t>
             </a:r>
             <a:r>
               <a:rPr lang="en-US" sz="2000" dirty="0"/>
-              <a:t>a value that is passed into a function when it is called. Arguments are said to be “passed” into a function, and functions are said to “take” arguments. Also known as a “parameter.”</a:t>
+              <a:t>Synonym for function.</a:t>
             </a:r>
             <a:br>
               <a:rPr lang="en-US" sz="2000" dirty="0"/>
             </a:br>
             <a:r>
-              <a:rPr lang="en-US" sz="2000" i="1" dirty="0" smtClean="0"/>
-              <a:t>Example: That function takes two arguments.</a:t>
-            </a:r>
-          </a:p>
-          <a:p>
-            <a:endParaRPr lang="en-US" sz="2000" i="1" dirty="0"/>
+              <a:rPr lang="en-US" sz="2000" i="1" dirty="0"/>
+              <a:t>Example: That procedure takes two arguments.</a:t>
+            </a:r>
+          </a:p>
+          <a:p>
+            <a:endParaRPr lang="en-US" sz="2000" b="1" dirty="0" smtClean="0"/>
           </a:p>
           <a:p>
             <a:r>
               <a:rPr lang="en-US" sz="2000" b="1" u="sng" dirty="0" smtClean="0"/>
-              <a:t>Array</a:t>
+              <a:t>Program</a:t>
             </a:r>
             <a:r>
               <a:rPr lang="en-US" sz="2000" b="1" dirty="0" smtClean="0"/>
-              <a:t> (noun): </a:t>
+              <a:t> (noun):</a:t>
+            </a:r>
+            <a:r>
+              <a:rPr lang="en-US" sz="2000" dirty="0" smtClean="0"/>
+              <a:t> </a:t>
             </a:r>
             <a:r>
               <a:rPr lang="en-US" sz="2000" dirty="0"/>
-              <a:t>a type of value that contains a sequence of other values.</a:t>
+              <a:t>a full piece of software that is ready to be run. Usually an executable.</a:t>
             </a:r>
             <a:br>
               <a:rPr lang="en-US" sz="2000" dirty="0"/>
             </a:br>
             <a:r>
               <a:rPr lang="en-US" sz="2000" i="1" dirty="0"/>
-              <a:t>Example: I put all our names into an array of strings.</a:t>
+              <a:t>Example: I wrote a program that keeps track of my </a:t>
+            </a:r>
+            <a:r>
+              <a:rPr lang="en-US" sz="2000" i="1" dirty="0" err="1"/>
+              <a:t>todo</a:t>
+            </a:r>
+            <a:r>
+              <a:rPr lang="en-US" sz="2000" i="1" dirty="0"/>
+              <a:t> list.</a:t>
             </a:r>
           </a:p>
           <a:p>
@@ -5623,11 +6298,11 @@
           <a:p>
             <a:r>
               <a:rPr lang="en-US" sz="2000" b="1" u="sng" dirty="0" smtClean="0"/>
-              <a:t>Assignment</a:t>
+              <a:t>Read</a:t>
             </a:r>
             <a:r>
               <a:rPr lang="en-US" sz="2000" b="1" dirty="0" smtClean="0"/>
-              <a:t> (noun):</a:t>
+              <a:t> (verb):</a:t>
             </a:r>
             <a:r>
               <a:rPr lang="en-US" sz="2000" dirty="0" smtClean="0"/>
@@ -5635,14 +6310,14 @@
             </a:r>
             <a:r>
               <a:rPr lang="en-US" sz="2000" dirty="0"/>
-              <a:t>the act of putting a value into a variable.</a:t>
+              <a:t>to retrieve input data values from an external source – usually from a file. Can refer to retrieving data over a network, such as the internet. The opposite of writing.</a:t>
             </a:r>
             <a:br>
               <a:rPr lang="en-US" sz="2000" dirty="0"/>
             </a:br>
             <a:r>
               <a:rPr lang="en-US" sz="2000" i="1" dirty="0"/>
-              <a:t>Example: I assigned the number 22 to the age variable</a:t>
+              <a:t>Example: I read the contents of file into a string</a:t>
             </a:r>
             <a:r>
               <a:rPr lang="en-US" sz="2000" i="1" dirty="0" smtClean="0"/>
@@ -5655,7 +6330,7 @@
     </p:spTree>
     <p:extLst>
       <p:ext uri="{BB962C8B-B14F-4D97-AF65-F5344CB8AC3E}">
-        <p14:creationId xmlns:p14="http://schemas.microsoft.com/office/powerpoint/2010/main" val="290397070"/>
+        <p14:creationId xmlns:p14="http://schemas.microsoft.com/office/powerpoint/2010/main" val="3410970012"/>
       </p:ext>
     </p:extLst>
   </p:cSld>
@@ -5722,7 +6397,7 @@
         <p:spPr>
           <a:xfrm>
             <a:off x="152400" y="1066800"/>
-            <a:ext cx="8839200" cy="5016758"/>
+            <a:ext cx="8839200" cy="5324535"/>
           </a:xfrm>
           <a:prstGeom prst="rect">
             <a:avLst/>
@@ -5737,81 +6412,35 @@
           <a:p>
             <a:r>
               <a:rPr lang="en-US" sz="2000" b="1" u="sng" dirty="0" smtClean="0"/>
-              <a:t>Brackets</a:t>
+              <a:t>Return</a:t>
             </a:r>
             <a:r>
               <a:rPr lang="en-US" sz="2000" b="1" dirty="0" smtClean="0"/>
-              <a:t> (noun):</a:t>
+              <a:t> (verb):</a:t>
             </a:r>
             <a:r>
               <a:rPr lang="en-US" sz="2000" dirty="0" smtClean="0"/>
-              <a:t> characters </a:t>
+              <a:t> </a:t>
             </a:r>
             <a:r>
               <a:rPr lang="en-US" sz="2000" dirty="0"/>
-              <a:t>often used to surround text. The different types of brackets are:</a:t>
-            </a:r>
-          </a:p>
-          <a:p>
-            <a:pPr lvl="0"/>
-            <a:r>
-              <a:rPr lang="en-US" sz="2000" dirty="0"/>
-              <a:t>Parenthesis/</a:t>
-            </a:r>
-            <a:r>
-              <a:rPr lang="en-US" sz="2000" dirty="0" err="1"/>
-              <a:t>parens</a:t>
-            </a:r>
-            <a:r>
-              <a:rPr lang="en-US" sz="2000" dirty="0"/>
-              <a:t>/round brackets: ( )</a:t>
-            </a:r>
-          </a:p>
-          <a:p>
-            <a:pPr lvl="0"/>
-            <a:r>
-              <a:rPr lang="en-US" sz="2000" dirty="0"/>
-              <a:t>Curly brackets/braces: { }</a:t>
-            </a:r>
-          </a:p>
-          <a:p>
-            <a:pPr lvl="0"/>
-            <a:r>
-              <a:rPr lang="en-US" sz="2000" dirty="0"/>
-              <a:t>Angle brackets: &lt; &gt;</a:t>
-            </a:r>
-          </a:p>
-          <a:p>
-            <a:pPr lvl="0"/>
-            <a:r>
-              <a:rPr lang="en-US" sz="2000" dirty="0"/>
-              <a:t>Square brackets: [ ]</a:t>
-            </a:r>
-          </a:p>
-          <a:p>
-            <a:r>
-              <a:rPr lang="en-US" sz="2000" dirty="0"/>
-              <a:t>The bracket at the beginning is called the “opening” or the “left” bracket. The bracket at the end is called the “closing” or “right” bracket.</a:t>
+              <a:t>to immediately stop a called function from running, possibly providing a return value. A function automatically returns once all of its code has been run. However, the code in the function definition can force the function to return at any point.</a:t>
             </a:r>
             <a:br>
               <a:rPr lang="en-US" sz="2000" dirty="0"/>
             </a:br>
             <a:r>
               <a:rPr lang="en-US" sz="2000" i="1" dirty="0"/>
-              <a:t>Example: Your code won’t compile because you forgot a closing bracket</a:t>
-            </a:r>
-            <a:r>
-              <a:rPr lang="en-US" sz="2000" i="1" dirty="0" smtClean="0"/>
-              <a:t>.</a:t>
-            </a:r>
-          </a:p>
-          <a:p>
-            <a:endParaRPr lang="en-US" sz="2000" dirty="0"/>
+              <a:t>Example: If the array is empty, the function returns early without running the rest of its code.</a:t>
+            </a:r>
+          </a:p>
+          <a:p>
+            <a:endParaRPr lang="en-US" sz="2000" b="1" dirty="0" smtClean="0"/>
           </a:p>
           <a:p>
             <a:r>
               <a:rPr lang="en-US" sz="2000" b="1" u="sng" dirty="0" smtClean="0"/>
-              <a:t>Bug</a:t>
+              <a:t>Return Value</a:t>
             </a:r>
             <a:r>
               <a:rPr lang="en-US" sz="2000" b="1" dirty="0" smtClean="0"/>
@@ -5823,27 +6452,23 @@
             </a:r>
             <a:r>
               <a:rPr lang="en-US" sz="2000" dirty="0"/>
-              <a:t>a mistake in a program.</a:t>
+              <a:t>the value that results from a completed function call.</a:t>
             </a:r>
             <a:br>
               <a:rPr lang="en-US" sz="2000" dirty="0"/>
             </a:br>
             <a:r>
               <a:rPr lang="en-US" sz="2000" i="1" dirty="0"/>
-              <a:t>Example: There must be a bug because the output is wrong</a:t>
-            </a:r>
-            <a:r>
-              <a:rPr lang="en-US" sz="2000" i="1" dirty="0" smtClean="0"/>
-              <a:t>.</a:t>
-            </a:r>
-          </a:p>
-          <a:p>
-            <a:endParaRPr lang="en-US" sz="2000" dirty="0"/>
+              <a:t>Example: The return value of the rand function is a random float between 0.0 and 1.0.</a:t>
+            </a:r>
+          </a:p>
+          <a:p>
+            <a:endParaRPr lang="en-US" sz="2000" b="1" dirty="0" smtClean="0"/>
           </a:p>
           <a:p>
             <a:r>
               <a:rPr lang="en-US" sz="2000" b="1" u="sng" dirty="0" smtClean="0"/>
-              <a:t>Call</a:t>
+              <a:t>Run</a:t>
             </a:r>
             <a:r>
               <a:rPr lang="en-US" sz="2000" b="1" dirty="0" smtClean="0"/>
@@ -5855,14 +6480,14 @@
             </a:r>
             <a:r>
               <a:rPr lang="en-US" sz="2000" dirty="0"/>
-              <a:t>to run the code in a function. Also referred to as “running,” “executing,” or “invoking” a function. For the noun, see function call.</a:t>
+              <a:t>to perform the instructions written in code or an executable. Code is a set of instructions, and “running” code is when the computer actually performs those instructions. To “run” a function means to call that function (see call).</a:t>
             </a:r>
             <a:br>
               <a:rPr lang="en-US" sz="2000" dirty="0"/>
             </a:br>
             <a:r>
               <a:rPr lang="en-US" sz="2000" i="1" dirty="0"/>
-              <a:t>Example: I called the rand function and it returned 42</a:t>
+              <a:t>Example: I wrote a new feature, and ran the code to check that it works</a:t>
             </a:r>
             <a:r>
               <a:rPr lang="en-US" sz="2000" i="1" dirty="0" smtClean="0"/>
@@ -5875,7 +6500,7 @@
     </p:spTree>
     <p:extLst>
       <p:ext uri="{BB962C8B-B14F-4D97-AF65-F5344CB8AC3E}">
-        <p14:creationId xmlns:p14="http://schemas.microsoft.com/office/powerpoint/2010/main" val="391216227"/>
+        <p14:creationId xmlns:p14="http://schemas.microsoft.com/office/powerpoint/2010/main" val="1936991435"/>
       </p:ext>
     </p:extLst>
   </p:cSld>
@@ -5941,8 +6566,8 @@
         </p:nvSpPr>
         <p:spPr>
           <a:xfrm>
-            <a:off x="154223" y="990600"/>
-            <a:ext cx="8839200" cy="6247864"/>
+            <a:off x="152400" y="1066800"/>
+            <a:ext cx="8839200" cy="4093428"/>
           </a:xfrm>
           <a:prstGeom prst="rect">
             <a:avLst/>
@@ -5957,7 +6582,7 @@
           <a:p>
             <a:r>
               <a:rPr lang="en-US" sz="2000" b="1" u="sng" dirty="0" smtClean="0"/>
-              <a:t>Class</a:t>
+              <a:t>String</a:t>
             </a:r>
             <a:r>
               <a:rPr lang="en-US" sz="2000" b="1" dirty="0" smtClean="0"/>
@@ -5969,23 +6594,23 @@
             </a:r>
             <a:r>
               <a:rPr lang="en-US" sz="2000" dirty="0"/>
-              <a:t>a type that can be defined by the programmer. Classes are defined in order to create objects of that class. See object.</a:t>
+              <a:t>a type of value that represents text. The word “string” derives from the phrase “string of characters.” E.g. The string "cat" is a string (a.k.a. sequence) of the characters ‘c’, ‘a’, and ‘t’.</a:t>
             </a:r>
             <a:br>
               <a:rPr lang="en-US" sz="2000" dirty="0"/>
             </a:br>
             <a:r>
               <a:rPr lang="en-US" sz="2000" i="1" dirty="0"/>
-              <a:t>Example: I made a Person class that holds a person’s name and age.</a:t>
-            </a:r>
-          </a:p>
-          <a:p>
-            <a:endParaRPr lang="en-US" sz="2000" b="1" u="sng" dirty="0" smtClean="0"/>
+              <a:t>Example: I represented my name as a string in the code.</a:t>
+            </a:r>
+          </a:p>
+          <a:p>
+            <a:endParaRPr lang="en-US" sz="2000" b="1" dirty="0" smtClean="0"/>
           </a:p>
           <a:p>
             <a:r>
               <a:rPr lang="en-US" sz="2000" b="1" u="sng" dirty="0" smtClean="0"/>
-              <a:t>Comment</a:t>
+              <a:t>Syntax</a:t>
             </a:r>
             <a:r>
               <a:rPr lang="en-US" sz="2000" b="1" dirty="0" smtClean="0"/>
@@ -5997,91 +6622,18 @@
             </a:r>
             <a:r>
               <a:rPr lang="en-US" sz="2000" dirty="0"/>
-              <a:t>arbitrary text written around code, but which </a:t>
-            </a:r>
-            <a:r>
-              <a:rPr lang="en-US" sz="2000" dirty="0" smtClean="0"/>
-              <a:t>is </a:t>
-            </a:r>
-            <a:r>
-              <a:rPr lang="en-US" sz="2000" dirty="0"/>
-              <a:t>never run, and is generally ignored by the computer. Used to leave notes and documentation for people who read the code later. Also used to stop code from running (see comment out).</a:t>
+              <a:t>the grammatical rules of a programming language. Every programming language has different syntax. Syntax determines whether code is written correctly or incorrectly, and is enforced by the compiler or interpreter. Code will not compile or run unless the syntax is correct.</a:t>
             </a:r>
             <a:br>
               <a:rPr lang="en-US" sz="2000" dirty="0"/>
             </a:br>
             <a:r>
-              <a:rPr lang="en-US" sz="2000" i="1" dirty="0" smtClean="0"/>
-              <a:t>Example: I wrote comments in my code so I could understand it later.</a:t>
-            </a:r>
-            <a:endParaRPr lang="en-US" sz="2000" i="1" dirty="0"/>
-          </a:p>
-          <a:p>
-            <a:endParaRPr lang="en-US" sz="2000" b="1" dirty="0" smtClean="0"/>
-          </a:p>
-          <a:p>
-            <a:r>
-              <a:rPr lang="en-US" sz="2000" b="1" u="sng" dirty="0" smtClean="0"/>
-              <a:t>Comment Out</a:t>
-            </a:r>
-            <a:r>
-              <a:rPr lang="en-US" sz="2000" b="1" dirty="0" smtClean="0"/>
-              <a:t> (verb):</a:t>
-            </a:r>
-            <a:r>
-              <a:rPr lang="en-US" sz="2000" dirty="0" smtClean="0"/>
-              <a:t> </a:t>
-            </a:r>
-            <a:r>
-              <a:rPr lang="en-US" sz="2000" dirty="0"/>
-              <a:t>to turn code into a comment so that it does not get run.</a:t>
-            </a:r>
-            <a:br>
-              <a:rPr lang="en-US" sz="2000" dirty="0"/>
-            </a:br>
-            <a:r>
               <a:rPr lang="en-US" sz="2000" i="1" dirty="0"/>
-              <a:t>Example: I commented out this line of code, and it doesn’t crash any more</a:t>
+              <a:t>Example: I forgot to write the brackets, so the compiler gave me a syntax error</a:t>
             </a:r>
             <a:r>
               <a:rPr lang="en-US" sz="2000" i="1" dirty="0" smtClean="0"/>
               <a:t>.</a:t>
-            </a:r>
-          </a:p>
-          <a:p>
-            <a:endParaRPr lang="en-US" sz="2000" i="1" dirty="0" smtClean="0"/>
-          </a:p>
-          <a:p>
-            <a:r>
-              <a:rPr lang="en-US" sz="2000" b="1" u="sng" dirty="0" smtClean="0"/>
-              <a:t>Compiler</a:t>
-            </a:r>
-            <a:r>
-              <a:rPr lang="en-US" sz="2000" b="1" dirty="0" smtClean="0"/>
-              <a:t> (noun):</a:t>
-            </a:r>
-            <a:r>
-              <a:rPr lang="en-US" sz="2000" dirty="0" smtClean="0"/>
-              <a:t> </a:t>
-            </a:r>
-            <a:r>
-              <a:rPr lang="en-US" sz="2000" dirty="0"/>
-              <a:t>a program that converts code into an executable, and checks that the syntax is correct. Sometimes compilers convert code into other code.</a:t>
-            </a:r>
-            <a:br>
-              <a:rPr lang="en-US" sz="2000" dirty="0"/>
-            </a:br>
-            <a:r>
-              <a:rPr lang="en-US" sz="2000" i="1" dirty="0"/>
-              <a:t>Example: The compiler is giving me an error, so I must have </a:t>
-            </a:r>
-            <a:r>
-              <a:rPr lang="en-US" sz="2000" i="1" dirty="0" smtClean="0"/>
-              <a:t>incorrect syntax </a:t>
-            </a:r>
-            <a:r>
-              <a:rPr lang="en-US" sz="2000" i="1" dirty="0"/>
-              <a:t>somewhere.</a:t>
             </a:r>
           </a:p>
           <a:p>
@@ -6092,7 +6644,7 @@
     </p:spTree>
     <p:extLst>
       <p:ext uri="{BB962C8B-B14F-4D97-AF65-F5344CB8AC3E}">
-        <p14:creationId xmlns:p14="http://schemas.microsoft.com/office/powerpoint/2010/main" val="2844990333"/>
+        <p14:creationId xmlns:p14="http://schemas.microsoft.com/office/powerpoint/2010/main" val="1170214786"/>
       </p:ext>
     </p:extLst>
   </p:cSld>
@@ -6158,8 +6710,8 @@
         </p:nvSpPr>
         <p:spPr>
           <a:xfrm>
-            <a:off x="152400" y="990600"/>
-            <a:ext cx="8839200" cy="6247864"/>
+            <a:off x="152400" y="1066800"/>
+            <a:ext cx="8839200" cy="5016758"/>
           </a:xfrm>
           <a:prstGeom prst="rect">
             <a:avLst/>
@@ -6174,50 +6726,53 @@
           <a:p>
             <a:r>
               <a:rPr lang="en-US" sz="2000" b="1" u="sng" dirty="0" smtClean="0"/>
-              <a:t>Constant</a:t>
+              <a:t>Type</a:t>
             </a:r>
             <a:r>
               <a:rPr lang="en-US" sz="2000" b="1" dirty="0" smtClean="0"/>
-              <a:t> (noun): </a:t>
+              <a:t> (noun):</a:t>
+            </a:r>
+            <a:r>
+              <a:rPr lang="en-US" sz="2000" dirty="0" smtClean="0"/>
+              <a:t> </a:t>
             </a:r>
             <a:r>
               <a:rPr lang="en-US" sz="2000" dirty="0"/>
-              <a:t>a variable that never changes its value.</a:t>
+              <a:t>the kind or category of a value. Every value has a type.</a:t>
+            </a:r>
+          </a:p>
+          <a:p>
+            <a:pPr lvl="0"/>
+            <a:r>
+              <a:rPr lang="en-US" sz="2000" dirty="0"/>
+              <a:t>The value 5 is of the integer type.</a:t>
+            </a:r>
+          </a:p>
+          <a:p>
+            <a:pPr lvl="0"/>
+            <a:r>
+              <a:rPr lang="en-US" sz="2000" dirty="0"/>
+              <a:t>The value 5.2 is of the float type.</a:t>
+            </a:r>
+          </a:p>
+          <a:p>
+            <a:pPr lvl="0"/>
+            <a:r>
+              <a:rPr lang="en-US" sz="2000" dirty="0"/>
+              <a:t>The value "cat" is of the string type.</a:t>
+            </a:r>
+          </a:p>
+          <a:p>
+            <a:r>
+              <a:rPr lang="en-US" sz="2000" dirty="0"/>
+              <a:t>Simple types, like integers, are usually provided by the programming language. The programmer can define more complicated types using classes. The type of an object determines what methods and instance variables are attached to that object.</a:t>
             </a:r>
             <a:br>
               <a:rPr lang="en-US" sz="2000" dirty="0"/>
             </a:br>
             <a:r>
               <a:rPr lang="en-US" sz="2000" i="1" dirty="0"/>
-              <a:t>Example: The PI constant has the value 3.14.</a:t>
-            </a:r>
-          </a:p>
-          <a:p>
-            <a:endParaRPr lang="en-US" sz="2000" b="1" dirty="0" smtClean="0"/>
-          </a:p>
-          <a:p>
-            <a:r>
-              <a:rPr lang="en-US" sz="2000" b="1" u="sng" dirty="0" smtClean="0"/>
-              <a:t>Crash</a:t>
-            </a:r>
-            <a:r>
-              <a:rPr lang="en-US" sz="2000" b="1" dirty="0" smtClean="0"/>
-              <a:t> (verb):</a:t>
-            </a:r>
-            <a:r>
-              <a:rPr lang="en-US" sz="2000" dirty="0" smtClean="0"/>
-              <a:t> </a:t>
-            </a:r>
-            <a:r>
-              <a:rPr lang="en-US" sz="2000" dirty="0"/>
-              <a:t>to cause a running program to stop due to an error.</a:t>
-            </a:r>
-            <a:br>
-              <a:rPr lang="en-US" sz="2000" dirty="0"/>
-            </a:br>
-            <a:r>
-              <a:rPr lang="en-US" sz="2000" i="1" dirty="0"/>
-              <a:t>Example: I tried to divide a number by zero, which made the program crash</a:t>
+              <a:t>Example: I got a crash because the variable contained the wrong type of value – I thought it would be an integer, but it was actually a string</a:t>
             </a:r>
             <a:r>
               <a:rPr lang="en-US" sz="2000" i="1" dirty="0" smtClean="0"/>
@@ -6229,94 +6784,32 @@
           </a:p>
           <a:p>
             <a:r>
-              <a:rPr lang="en-US" sz="2000" b="1" u="sng" dirty="0" smtClean="0"/>
-              <a:t>Data Structure</a:t>
-            </a:r>
-            <a:r>
-              <a:rPr lang="en-US" sz="2000" b="1" dirty="0" smtClean="0"/>
+              <a:rPr lang="en-US" sz="2000" b="1" u="sng" dirty="0"/>
+              <a:t>Value</a:t>
+            </a:r>
+            <a:r>
+              <a:rPr lang="en-US" sz="2000" b="1" dirty="0"/>
               <a:t> (noun):</a:t>
             </a:r>
             <a:r>
-              <a:rPr lang="en-US" sz="2000" dirty="0" smtClean="0"/>
-              <a:t> </a:t>
-            </a:r>
-            <a:r>
               <a:rPr lang="en-US" sz="2000" dirty="0"/>
-              <a:t>a value that contains other values.</a:t>
-            </a:r>
-            <a:br>
-              <a:rPr lang="en-US" sz="2000" dirty="0"/>
-            </a:br>
+              <a:t> a piece of data that can be contained inside a variable. Every value has a type. Values represent information, in a way that code can work upon. </a:t>
+            </a:r>
+            <a:endParaRPr lang="en-US" sz="2000" dirty="0" smtClean="0"/>
+          </a:p>
+          <a:p>
+            <a:r>
+              <a:rPr lang="en-US" sz="2000" i="1" dirty="0" smtClean="0"/>
+              <a:t>Example</a:t>
+            </a:r>
             <a:r>
               <a:rPr lang="en-US" sz="2000" i="1" dirty="0"/>
-              <a:t>Example: Arrays are one kind of data structure</a:t>
+              <a:t>: My program asks a user for the year they were born, then uses that value to calculate their age</a:t>
             </a:r>
             <a:r>
               <a:rPr lang="en-US" sz="2000" i="1" dirty="0" smtClean="0"/>
               <a:t>.</a:t>
             </a:r>
-          </a:p>
-          <a:p>
-            <a:endParaRPr lang="en-US" sz="2000" i="1" dirty="0"/>
-          </a:p>
-          <a:p>
-            <a:r>
-              <a:rPr lang="en-US" sz="2000" b="1" u="sng" dirty="0" smtClean="0"/>
-              <a:t>Debug</a:t>
-            </a:r>
-            <a:r>
-              <a:rPr lang="en-US" sz="2000" b="1" dirty="0" smtClean="0"/>
-              <a:t> (verb):</a:t>
-            </a:r>
-            <a:r>
-              <a:rPr lang="en-US" sz="2000" dirty="0" smtClean="0"/>
-              <a:t> </a:t>
-            </a:r>
-            <a:r>
-              <a:rPr lang="en-US" sz="2000" dirty="0"/>
-              <a:t>to investigate and fix bugs.</a:t>
-            </a:r>
-            <a:br>
-              <a:rPr lang="en-US" sz="2000" dirty="0"/>
-            </a:br>
-            <a:r>
-              <a:rPr lang="en-US" sz="2000" i="1" dirty="0"/>
-              <a:t>Example: I spent all day debugging a complicated error</a:t>
-            </a:r>
-            <a:r>
-              <a:rPr lang="en-US" sz="2000" i="1" dirty="0" smtClean="0"/>
-              <a:t>.</a:t>
-            </a:r>
-          </a:p>
-          <a:p>
-            <a:endParaRPr lang="en-US" sz="2000" i="1" dirty="0"/>
-          </a:p>
-          <a:p>
-            <a:r>
-              <a:rPr lang="en-US" sz="2000" b="1" u="sng" dirty="0" smtClean="0"/>
-              <a:t>Declaration</a:t>
-            </a:r>
-            <a:r>
-              <a:rPr lang="en-US" sz="2000" b="1" dirty="0" smtClean="0"/>
-              <a:t> (noun):</a:t>
-            </a:r>
-            <a:r>
-              <a:rPr lang="en-US" sz="2000" dirty="0" smtClean="0"/>
-              <a:t> </a:t>
-            </a:r>
-            <a:r>
-              <a:rPr lang="en-US" sz="2000" dirty="0"/>
-              <a:t>code that declares that something exists – usually a variable, function or a class. A declaration might not fully define the thing it is declaring. E.g. a constant may be declared to exist, without actually defining what it’s value is. Not all programming languages allow for declarations.</a:t>
-            </a:r>
-            <a:br>
-              <a:rPr lang="en-US" sz="2000" dirty="0"/>
-            </a:br>
-            <a:r>
-              <a:rPr lang="en-US" sz="2000" i="1" dirty="0"/>
-              <a:t>Example: My code won’t compile because I wrote a function declaration, but I forgot to write the actual function.</a:t>
-            </a:r>
-          </a:p>
-          <a:p>
             <a:endParaRPr lang="en-US" sz="2000" i="1" dirty="0"/>
           </a:p>
         </p:txBody>
@@ -6324,7 +6817,7 @@
     </p:spTree>
     <p:extLst>
       <p:ext uri="{BB962C8B-B14F-4D97-AF65-F5344CB8AC3E}">
-        <p14:creationId xmlns:p14="http://schemas.microsoft.com/office/powerpoint/2010/main" val="800099249"/>
+        <p14:creationId xmlns:p14="http://schemas.microsoft.com/office/powerpoint/2010/main" val="2415172605"/>
       </p:ext>
     </p:extLst>
   </p:cSld>
@@ -6391,7 +6884,7 @@
         <p:spPr>
           <a:xfrm>
             <a:off x="152400" y="1066800"/>
-            <a:ext cx="8839200" cy="5324535"/>
+            <a:ext cx="8839200" cy="4093428"/>
           </a:xfrm>
           <a:prstGeom prst="rect">
             <a:avLst/>
@@ -6404,9 +6897,12 @@
           </a:bodyPr>
           <a:lstStyle/>
           <a:p>
+            <a:endParaRPr lang="en-US" sz="2000" b="1" dirty="0" smtClean="0"/>
+          </a:p>
+          <a:p>
             <a:r>
               <a:rPr lang="en-US" sz="2000" b="1" u="sng" dirty="0" smtClean="0"/>
-              <a:t>Definition</a:t>
+              <a:t>Variable</a:t>
             </a:r>
             <a:r>
               <a:rPr lang="en-US" sz="2000" b="1" dirty="0" smtClean="0"/>
@@ -6418,22 +6914,14 @@
             </a:r>
             <a:r>
               <a:rPr lang="en-US" sz="2000" dirty="0"/>
-              <a:t>code that fully implements something – usually a variable, </a:t>
-            </a:r>
-            <a:r>
-              <a:rPr lang="en-US" sz="2000" dirty="0" err="1"/>
-              <a:t>functionor</a:t>
-            </a:r>
-            <a:r>
-              <a:rPr lang="en-US" sz="2000" dirty="0"/>
-              <a:t> a class. The code that implements a class is called the “class definition.” The code that implements a function is called the “function definition.”</a:t>
+              <a:t>a named container for a single value. Variables are not values themselves, they are merely containers for values. Putting a value into a variable is referred to as assignment. Variables are named after the fact that their value can vary – a different value can be assigned to a variable at any time.</a:t>
             </a:r>
             <a:br>
               <a:rPr lang="en-US" sz="2000" dirty="0"/>
             </a:br>
             <a:r>
               <a:rPr lang="en-US" sz="2000" i="1" dirty="0"/>
-              <a:t>Example: The function wasn’t doing what I expected, so I had a look at its definition</a:t>
+              <a:t>Example: I assigned the string value "Tom" to the name variable</a:t>
             </a:r>
             <a:r>
               <a:rPr lang="en-US" sz="2000" i="1" dirty="0" smtClean="0"/>
@@ -6441,16 +6929,16 @@
             </a:r>
           </a:p>
           <a:p>
-            <a:endParaRPr lang="en-US" sz="2000" b="1" dirty="0" smtClean="0"/>
+            <a:endParaRPr lang="en-US" sz="2000" i="1" dirty="0"/>
           </a:p>
           <a:p>
             <a:r>
               <a:rPr lang="en-US" sz="2000" b="1" u="sng" dirty="0" smtClean="0"/>
-              <a:t>Double</a:t>
+              <a:t>Write</a:t>
             </a:r>
             <a:r>
               <a:rPr lang="en-US" sz="2000" b="1" dirty="0" smtClean="0"/>
-              <a:t> (noun):</a:t>
+              <a:t> (verb):</a:t>
             </a:r>
             <a:r>
               <a:rPr lang="en-US" sz="2000" dirty="0" smtClean="0"/>
@@ -6458,77 +6946,19 @@
             </a:r>
             <a:r>
               <a:rPr lang="en-US" sz="2000" dirty="0"/>
-              <a:t>a float that can represent a wider range of numbers than a normal float. Short for “double-precision floating-point number.” See float.</a:t>
+              <a:t>to send output data values to an external destination – usually to a file. Can refer to sending data over a network, such as the internet. The opposite of reading.</a:t>
             </a:r>
             <a:br>
               <a:rPr lang="en-US" sz="2000" dirty="0"/>
             </a:br>
             <a:r>
+              <a:rPr lang="en-US" sz="2000" i="1" dirty="0"/>
+              <a:t>Example: The program writes all its data to a file before it quits, so it can read the data back again next time it is run</a:t>
+            </a:r>
+            <a:r>
               <a:rPr lang="en-US" sz="2000" i="1" dirty="0" smtClean="0"/>
-              <a:t>Example</a:t>
-            </a:r>
-            <a:r>
-              <a:rPr lang="en-US" sz="2000" i="1" dirty="0"/>
-              <a:t>: The number was so tiny I had to use a double instead of a float</a:t>
-            </a:r>
-          </a:p>
-          <a:p>
-            <a:endParaRPr lang="en-US" sz="2000" b="1" dirty="0" smtClean="0"/>
-          </a:p>
-          <a:p>
-            <a:r>
-              <a:rPr lang="en-US" sz="2000" b="1" u="sng" dirty="0" smtClean="0"/>
-              <a:t>Execute</a:t>
-            </a:r>
-            <a:r>
-              <a:rPr lang="en-US" sz="2000" b="1" dirty="0" smtClean="0"/>
-              <a:t> (verb):</a:t>
-            </a:r>
-            <a:r>
-              <a:rPr lang="en-US" sz="2000" dirty="0" smtClean="0"/>
-              <a:t> </a:t>
-            </a:r>
-            <a:r>
-              <a:rPr lang="en-US" sz="2000" dirty="0"/>
-              <a:t>Synonym for run.</a:t>
-            </a:r>
-            <a:br>
-              <a:rPr lang="en-US" sz="2000" dirty="0"/>
-            </a:br>
-            <a:r>
-              <a:rPr lang="en-US" sz="2000" i="1" dirty="0"/>
-              <a:t>Example: I can’t execute my program because it won’t compile.</a:t>
-            </a:r>
-          </a:p>
-          <a:p>
-            <a:endParaRPr lang="en-US" sz="2000" b="1" dirty="0" smtClean="0"/>
-          </a:p>
-          <a:p>
-            <a:r>
-              <a:rPr lang="en-US" sz="2000" b="1" u="sng" dirty="0" smtClean="0"/>
-              <a:t>Executable</a:t>
-            </a:r>
-            <a:r>
-              <a:rPr lang="en-US" sz="2000" b="1" dirty="0" smtClean="0"/>
-              <a:t> </a:t>
-            </a:r>
-            <a:r>
-              <a:rPr lang="en-US" sz="2000" dirty="0" smtClean="0"/>
-              <a:t>(noun): </a:t>
-            </a:r>
-            <a:r>
-              <a:rPr lang="en-US" sz="2000" dirty="0"/>
-              <a:t>a program, usually a single file, ready to be run.</a:t>
-            </a:r>
-            <a:br>
-              <a:rPr lang="en-US" sz="2000" dirty="0"/>
-            </a:br>
-            <a:r>
-              <a:rPr lang="en-US" sz="2000" i="1" dirty="0"/>
-              <a:t>Example: Give me the executable so I can try out your program.</a:t>
-            </a:r>
-          </a:p>
-          <a:p>
+              <a:t>.</a:t>
+            </a:r>
             <a:endParaRPr lang="en-US" sz="2000" i="1" dirty="0"/>
           </a:p>
         </p:txBody>
@@ -6536,7 +6966,7 @@
     </p:spTree>
     <p:extLst>
       <p:ext uri="{BB962C8B-B14F-4D97-AF65-F5344CB8AC3E}">
-        <p14:creationId xmlns:p14="http://schemas.microsoft.com/office/powerpoint/2010/main" val="630254655"/>
+        <p14:creationId xmlns:p14="http://schemas.microsoft.com/office/powerpoint/2010/main" val="2314570018"/>
       </p:ext>
     </p:extLst>
   </p:cSld>
@@ -6575,8 +7005,8 @@
         </p:nvSpPr>
         <p:spPr>
           <a:xfrm>
-            <a:off x="304800" y="0"/>
-            <a:ext cx="8613648" cy="1066800"/>
+            <a:off x="304800" y="152400"/>
+            <a:ext cx="8613648" cy="762000"/>
           </a:xfrm>
         </p:spPr>
         <p:txBody>
@@ -6588,7 +7018,7 @@
             <a:pPr algn="ctr"/>
             <a:r>
               <a:rPr lang="en-US" sz="3200" dirty="0" smtClean="0"/>
-              <a:t>Basic Vocabulary Needed for C# Development</a:t>
+              <a:t>Visual Studios Startup Screen</a:t>
             </a:r>
             <a:endParaRPr lang="en-US" sz="3200" dirty="0"/>
           </a:p>
@@ -6596,156 +7026,91 @@
       </p:sp>
       <p:sp>
         <p:nvSpPr>
-          <p:cNvPr id="3" name="TextBox 2"/>
-          <p:cNvSpPr txBox="1"/>
-          <p:nvPr/>
-        </p:nvSpPr>
-        <p:spPr>
-          <a:xfrm>
-            <a:off x="152400" y="990600"/>
-            <a:ext cx="8839200" cy="6247864"/>
+          <p:cNvPr id="3" name="Text Placeholder 2"/>
+          <p:cNvSpPr>
+            <a:spLocks noGrp="1"/>
+          </p:cNvSpPr>
+          <p:nvPr>
+            <p:ph type="body" sz="half" idx="2"/>
+          </p:nvPr>
+        </p:nvSpPr>
+        <p:spPr>
+          <a:xfrm>
+            <a:off x="990600" y="5105400"/>
+            <a:ext cx="7315200" cy="1164264"/>
+          </a:xfrm>
+        </p:spPr>
+        <p:txBody>
+          <a:bodyPr>
+            <a:normAutofit/>
+          </a:bodyPr>
+          <a:lstStyle/>
+          <a:p>
+            <a:pPr marL="285750" indent="-285750" algn="l">
+              <a:buFont typeface="Wingdings" pitchFamily="2" charset="2"/>
+              <a:buChar char="Ø"/>
+            </a:pPr>
+            <a:endParaRPr lang="en-US" sz="2000" b="1" dirty="0">
+              <a:solidFill>
+                <a:srgbClr val="FFFF00"/>
+              </a:solidFill>
+              <a:effectLst>
+                <a:outerShdw blurRad="38100" dist="38100" dir="2700000" algn="tl">
+                  <a:srgbClr val="000000">
+                    <a:alpha val="43137"/>
+                  </a:srgbClr>
+                </a:outerShdw>
+              </a:effectLst>
+            </a:endParaRPr>
+          </a:p>
+        </p:txBody>
+      </p:sp>
+      <p:pic>
+        <p:nvPicPr>
+          <p:cNvPr id="5" name="Picture Placeholder 4"/>
+          <p:cNvPicPr>
+            <a:picLocks noGrp="1" noChangeAspect="1"/>
+          </p:cNvPicPr>
+          <p:nvPr>
+            <p:ph type="pic" idx="1"/>
+          </p:nvPr>
+        </p:nvPicPr>
+        <p:blipFill>
+          <a:blip r:embed="rId2" cstate="print">
+            <a:extLst>
+              <a:ext uri="{28A0092B-C50C-407E-A947-70E740481C1C}">
+                <a14:useLocalDpi xmlns:a14="http://schemas.microsoft.com/office/drawing/2010/main" val="0"/>
+              </a:ext>
+            </a:extLst>
+          </a:blip>
+          <a:stretch>
+            <a:fillRect/>
+          </a:stretch>
+        </p:blipFill>
+        <p:spPr>
+          <a:xfrm>
+            <a:off x="996232" y="1158240"/>
+            <a:ext cx="7151537" cy="4937760"/>
           </a:xfrm>
           <a:prstGeom prst="rect">
             <a:avLst/>
           </a:prstGeom>
-          <a:noFill/>
-        </p:spPr>
-        <p:txBody>
-          <a:bodyPr wrap="square" rtlCol="0">
-            <a:spAutoFit/>
-          </a:bodyPr>
-          <a:lstStyle/>
-          <a:p>
-            <a:r>
-              <a:rPr lang="en-US" sz="2000" b="1" u="sng" dirty="0" smtClean="0"/>
-              <a:t>Float</a:t>
-            </a:r>
-            <a:r>
-              <a:rPr lang="en-US" sz="2000" b="1" dirty="0" smtClean="0"/>
-              <a:t> (noun):</a:t>
-            </a:r>
-            <a:r>
-              <a:rPr lang="en-US" sz="2000" dirty="0" smtClean="0"/>
-              <a:t> </a:t>
-            </a:r>
-            <a:r>
-              <a:rPr lang="en-US" sz="2000" dirty="0"/>
-              <a:t>a type of value that represents numbers with fractional parts. Short for “floating-point number”.</a:t>
-            </a:r>
-            <a:br>
-              <a:rPr lang="en-US" sz="2000" dirty="0"/>
-            </a:br>
-            <a:r>
-              <a:rPr lang="en-US" sz="2000" i="1" dirty="0"/>
-              <a:t>Example: The value 3.14 is a float</a:t>
-            </a:r>
-            <a:r>
-              <a:rPr lang="en-US" sz="2000" i="1" dirty="0" smtClean="0"/>
-              <a:t>.</a:t>
-            </a:r>
-          </a:p>
-          <a:p>
-            <a:endParaRPr lang="en-US" sz="2000" i="1" dirty="0" smtClean="0"/>
-          </a:p>
-          <a:p>
-            <a:r>
-              <a:rPr lang="en-US" sz="2000" b="1" u="sng" dirty="0" smtClean="0"/>
-              <a:t>Function</a:t>
-            </a:r>
-            <a:r>
-              <a:rPr lang="en-US" sz="2000" b="1" dirty="0" smtClean="0"/>
-              <a:t> (noun):</a:t>
-            </a:r>
-            <a:r>
-              <a:rPr lang="en-US" sz="2000" dirty="0" smtClean="0"/>
-              <a:t> </a:t>
-            </a:r>
-            <a:r>
-              <a:rPr lang="en-US" sz="2000" dirty="0"/>
-              <a:t>a piece of code that is not run until it is called. Functions take zero or more arguments. When a function finishes running, it returns a return value back to the code that called it.</a:t>
-            </a:r>
-            <a:br>
-              <a:rPr lang="en-US" sz="2000" dirty="0"/>
-            </a:br>
-            <a:r>
-              <a:rPr lang="en-US" sz="2000" i="1" dirty="0"/>
-              <a:t>Example: I wrote a function that takes an array of numbers as an argument, and returns the average</a:t>
-            </a:r>
-            <a:r>
-              <a:rPr lang="en-US" sz="2000" i="1" dirty="0" smtClean="0"/>
-              <a:t>.</a:t>
-            </a:r>
-          </a:p>
-          <a:p>
-            <a:endParaRPr lang="en-US" sz="2000" i="1" dirty="0"/>
-          </a:p>
-          <a:p>
-            <a:r>
-              <a:rPr lang="en-US" sz="2000" b="1" u="sng" dirty="0" smtClean="0"/>
-              <a:t>Function Call</a:t>
-            </a:r>
-            <a:r>
-              <a:rPr lang="en-US" sz="2000" b="1" dirty="0" smtClean="0"/>
-              <a:t> (noun):</a:t>
-            </a:r>
-            <a:r>
-              <a:rPr lang="en-US" sz="2000" dirty="0" smtClean="0"/>
-              <a:t> </a:t>
-            </a:r>
-            <a:r>
-              <a:rPr lang="en-US" sz="2000" dirty="0"/>
-              <a:t>code for calling a function. Function calls specify which function to call, and all of the arguments that the function requires. The result of a function call is a return value. Not all functions have a return value.</a:t>
-            </a:r>
-            <a:br>
-              <a:rPr lang="en-US" sz="2000" dirty="0"/>
-            </a:br>
-            <a:r>
-              <a:rPr lang="en-US" sz="2000" i="1" dirty="0"/>
-              <a:t>Example: The function call add(1,2,3) returns the value 6</a:t>
-            </a:r>
-            <a:r>
-              <a:rPr lang="en-US" sz="2000" i="1" dirty="0" smtClean="0"/>
-              <a:t>.</a:t>
-            </a:r>
-          </a:p>
-          <a:p>
-            <a:endParaRPr lang="en-US" sz="2000" i="1" dirty="0"/>
-          </a:p>
-          <a:p>
-            <a:r>
-              <a:rPr lang="en-US" sz="2000" b="1" u="sng" dirty="0" smtClean="0"/>
-              <a:t>Implement</a:t>
-            </a:r>
-            <a:r>
-              <a:rPr lang="en-US" sz="2000" b="1" dirty="0" smtClean="0"/>
-              <a:t> (verb):</a:t>
-            </a:r>
-            <a:r>
-              <a:rPr lang="en-US" sz="2000" dirty="0" smtClean="0"/>
-              <a:t> </a:t>
-            </a:r>
-            <a:r>
-              <a:rPr lang="en-US" sz="2000" dirty="0"/>
-              <a:t>to write all the code to complete something – usually a function or a class.</a:t>
-            </a:r>
-            <a:br>
-              <a:rPr lang="en-US" sz="2000" dirty="0"/>
-            </a:br>
-            <a:r>
-              <a:rPr lang="en-US" sz="2000" i="1" dirty="0" smtClean="0"/>
-              <a:t>Example: I finished implementing those functions.</a:t>
-            </a:r>
-            <a:endParaRPr lang="en-US" sz="2000" i="1" dirty="0"/>
-          </a:p>
-          <a:p>
-            <a:endParaRPr lang="en-US" sz="2000" i="1" dirty="0"/>
-          </a:p>
-        </p:txBody>
-      </p:sp>
+          <a:ln>
+            <a:noFill/>
+          </a:ln>
+          <a:effectLst>
+            <a:outerShdw blurRad="292100" dist="139700" dir="2700000" algn="tl" rotWithShape="0">
+              <a:srgbClr val="333333">
+                <a:alpha val="65000"/>
+              </a:srgbClr>
+            </a:outerShdw>
+          </a:effectLst>
+        </p:spPr>
+      </p:pic>
     </p:spTree>
     <p:extLst>
       <p:ext uri="{BB962C8B-B14F-4D97-AF65-F5344CB8AC3E}">
-        <p14:creationId xmlns:p14="http://schemas.microsoft.com/office/powerpoint/2010/main" val="2045717137"/>
+        <p14:creationId xmlns:p14="http://schemas.microsoft.com/office/powerpoint/2010/main" val="1503633361"/>
       </p:ext>
     </p:extLst>
   </p:cSld>
@@ -6784,8 +7149,8 @@
         </p:nvSpPr>
         <p:spPr>
           <a:xfrm>
-            <a:off x="304800" y="0"/>
-            <a:ext cx="8613648" cy="1066800"/>
+            <a:off x="304800" y="152400"/>
+            <a:ext cx="8613648" cy="762000"/>
           </a:xfrm>
         </p:spPr>
         <p:txBody>
@@ -6797,7 +7162,7 @@
             <a:pPr algn="ctr"/>
             <a:r>
               <a:rPr lang="en-US" sz="3200" dirty="0" smtClean="0"/>
-              <a:t>Basic Vocabulary Needed for C# Development</a:t>
+              <a:t>Cloning a Repository</a:t>
             </a:r>
             <a:endParaRPr lang="en-US" sz="3200" dirty="0"/>
           </a:p>
@@ -6805,169 +7170,91 @@
       </p:sp>
       <p:sp>
         <p:nvSpPr>
-          <p:cNvPr id="3" name="TextBox 2"/>
-          <p:cNvSpPr txBox="1"/>
-          <p:nvPr/>
-        </p:nvSpPr>
-        <p:spPr>
-          <a:xfrm>
-            <a:off x="152400" y="1066800"/>
-            <a:ext cx="8839200" cy="5324535"/>
+          <p:cNvPr id="3" name="Text Placeholder 2"/>
+          <p:cNvSpPr>
+            <a:spLocks noGrp="1"/>
+          </p:cNvSpPr>
+          <p:nvPr>
+            <p:ph type="body" sz="half" idx="2"/>
+          </p:nvPr>
+        </p:nvSpPr>
+        <p:spPr>
+          <a:xfrm>
+            <a:off x="990600" y="5105400"/>
+            <a:ext cx="7315200" cy="1164264"/>
+          </a:xfrm>
+        </p:spPr>
+        <p:txBody>
+          <a:bodyPr>
+            <a:normAutofit/>
+          </a:bodyPr>
+          <a:lstStyle/>
+          <a:p>
+            <a:pPr marL="285750" indent="-285750" algn="l">
+              <a:buFont typeface="Wingdings" pitchFamily="2" charset="2"/>
+              <a:buChar char="Ø"/>
+            </a:pPr>
+            <a:endParaRPr lang="en-US" sz="2000" b="1" dirty="0">
+              <a:solidFill>
+                <a:srgbClr val="FFFF00"/>
+              </a:solidFill>
+              <a:effectLst>
+                <a:outerShdw blurRad="38100" dist="38100" dir="2700000" algn="tl">
+                  <a:srgbClr val="000000">
+                    <a:alpha val="43137"/>
+                  </a:srgbClr>
+                </a:outerShdw>
+              </a:effectLst>
+            </a:endParaRPr>
+          </a:p>
+        </p:txBody>
+      </p:sp>
+      <p:pic>
+        <p:nvPicPr>
+          <p:cNvPr id="5" name="Picture Placeholder 4"/>
+          <p:cNvPicPr>
+            <a:picLocks noGrp="1" noChangeAspect="1"/>
+          </p:cNvPicPr>
+          <p:nvPr>
+            <p:ph type="pic" idx="1"/>
+          </p:nvPr>
+        </p:nvPicPr>
+        <p:blipFill>
+          <a:blip r:embed="rId2" cstate="print">
+            <a:extLst>
+              <a:ext uri="{28A0092B-C50C-407E-A947-70E740481C1C}">
+                <a14:useLocalDpi xmlns:a14="http://schemas.microsoft.com/office/drawing/2010/main" val="0"/>
+              </a:ext>
+            </a:extLst>
+          </a:blip>
+          <a:stretch>
+            <a:fillRect/>
+          </a:stretch>
+        </p:blipFill>
+        <p:spPr>
+          <a:xfrm>
+            <a:off x="1002563" y="1206011"/>
+            <a:ext cx="7138875" cy="4842217"/>
           </a:xfrm>
           <a:prstGeom prst="rect">
             <a:avLst/>
           </a:prstGeom>
-          <a:noFill/>
-        </p:spPr>
-        <p:txBody>
-          <a:bodyPr wrap="square" rtlCol="0">
-            <a:spAutoFit/>
-          </a:bodyPr>
-          <a:lstStyle/>
-          <a:p>
-            <a:r>
-              <a:rPr lang="en-US" sz="2000" b="1" u="sng" dirty="0" smtClean="0"/>
-              <a:t>Instance</a:t>
-            </a:r>
-            <a:r>
-              <a:rPr lang="en-US" sz="2000" b="1" dirty="0" smtClean="0"/>
-              <a:t> (noun):</a:t>
-            </a:r>
-            <a:r>
-              <a:rPr lang="en-US" sz="2000" dirty="0" smtClean="0"/>
-              <a:t> </a:t>
-            </a:r>
-            <a:r>
-              <a:rPr lang="en-US" sz="2000" dirty="0"/>
-              <a:t>Synonym for object.</a:t>
-            </a:r>
-            <a:br>
-              <a:rPr lang="en-US" sz="2000" dirty="0"/>
-            </a:br>
-            <a:r>
-              <a:rPr lang="en-US" sz="2000" i="1" dirty="0"/>
-              <a:t>Example: I created an instance of the Person class</a:t>
-            </a:r>
-            <a:r>
-              <a:rPr lang="en-US" sz="2000" i="1" dirty="0" smtClean="0"/>
-              <a:t>.</a:t>
-            </a:r>
-          </a:p>
-          <a:p>
-            <a:endParaRPr lang="en-US" sz="2000" dirty="0"/>
-          </a:p>
-          <a:p>
-            <a:r>
-              <a:rPr lang="en-US" sz="2000" b="1" u="sng" dirty="0" smtClean="0"/>
-              <a:t>Instance Variable</a:t>
-            </a:r>
-            <a:r>
-              <a:rPr lang="en-US" sz="2000" b="1" dirty="0" smtClean="0"/>
-              <a:t> (noun):</a:t>
-            </a:r>
-            <a:r>
-              <a:rPr lang="en-US" sz="2000" dirty="0" smtClean="0"/>
-              <a:t> </a:t>
-            </a:r>
-            <a:r>
-              <a:rPr lang="en-US" sz="2000" dirty="0"/>
-              <a:t>a variable that is attached to an object. Also known as a “member variable” or just a “member.”</a:t>
-            </a:r>
-            <a:br>
-              <a:rPr lang="en-US" sz="2000" dirty="0"/>
-            </a:br>
-            <a:r>
-              <a:rPr lang="en-US" sz="2000" i="1" dirty="0"/>
-              <a:t>Example: On the tom object, I assigned the value "Tom </a:t>
-            </a:r>
-            <a:r>
-              <a:rPr lang="en-US" sz="2000" i="1" dirty="0" err="1"/>
-              <a:t>Dalling</a:t>
-            </a:r>
-            <a:r>
-              <a:rPr lang="en-US" sz="2000" i="1" dirty="0"/>
-              <a:t>" to the name instance variable</a:t>
-            </a:r>
-            <a:r>
-              <a:rPr lang="en-US" sz="2000" i="1" dirty="0" smtClean="0"/>
-              <a:t>.</a:t>
-            </a:r>
-          </a:p>
-          <a:p>
-            <a:endParaRPr lang="en-US" sz="2000" i="1" dirty="0"/>
-          </a:p>
-          <a:p>
-            <a:r>
-              <a:rPr lang="en-US" sz="2000" b="1" u="sng" dirty="0" smtClean="0"/>
-              <a:t>Instantiate</a:t>
-            </a:r>
-            <a:r>
-              <a:rPr lang="en-US" sz="2000" b="1" dirty="0" smtClean="0"/>
-              <a:t> (verb):</a:t>
-            </a:r>
-            <a:r>
-              <a:rPr lang="en-US" sz="2000" dirty="0" smtClean="0"/>
-              <a:t> </a:t>
-            </a:r>
-            <a:r>
-              <a:rPr lang="en-US" sz="2000" dirty="0"/>
-              <a:t>to create an object from a class.</a:t>
-            </a:r>
-            <a:br>
-              <a:rPr lang="en-US" sz="2000" dirty="0"/>
-            </a:br>
-            <a:r>
-              <a:rPr lang="en-US" sz="2000" i="1" dirty="0"/>
-              <a:t>Example: I instantiated an object of the Person class.</a:t>
-            </a:r>
-          </a:p>
-          <a:p>
-            <a:endParaRPr lang="en-US" sz="2000" b="1" dirty="0" smtClean="0"/>
-          </a:p>
-          <a:p>
-            <a:r>
-              <a:rPr lang="en-US" sz="2000" b="1" u="sng" dirty="0" smtClean="0"/>
-              <a:t>Integer</a:t>
-            </a:r>
-            <a:r>
-              <a:rPr lang="en-US" sz="2000" b="1" dirty="0" smtClean="0"/>
-              <a:t> (noun):</a:t>
-            </a:r>
-            <a:r>
-              <a:rPr lang="en-US" sz="2000" dirty="0" smtClean="0"/>
-              <a:t> </a:t>
-            </a:r>
-            <a:r>
-              <a:rPr lang="en-US" sz="2000" dirty="0"/>
-              <a:t>a type of value that represents whole numbers. For fractional numbers, see float.</a:t>
-            </a:r>
-            <a:br>
-              <a:rPr lang="en-US" sz="2000" dirty="0"/>
-            </a:br>
-            <a:r>
-              <a:rPr lang="en-US" sz="2000" i="1" dirty="0"/>
-              <a:t>Example: 42 is an integer value</a:t>
-            </a:r>
-            <a:r>
-              <a:rPr lang="en-US" sz="2000" i="1" dirty="0" smtClean="0"/>
-              <a:t>.</a:t>
-            </a:r>
-          </a:p>
-          <a:p>
-            <a:endParaRPr lang="en-US" sz="2000" dirty="0"/>
-          </a:p>
-          <a:p>
-            <a:endParaRPr lang="en-US" sz="2000" i="1" dirty="0"/>
-          </a:p>
-          <a:p>
-            <a:endParaRPr lang="en-US" sz="2000" dirty="0"/>
-          </a:p>
-        </p:txBody>
-      </p:sp>
+          <a:ln>
+            <a:noFill/>
+          </a:ln>
+          <a:effectLst>
+            <a:outerShdw blurRad="292100" dist="139700" dir="2700000" algn="tl" rotWithShape="0">
+              <a:srgbClr val="333333">
+                <a:alpha val="65000"/>
+              </a:srgbClr>
+            </a:outerShdw>
+          </a:effectLst>
+        </p:spPr>
+      </p:pic>
     </p:spTree>
     <p:extLst>
       <p:ext uri="{BB962C8B-B14F-4D97-AF65-F5344CB8AC3E}">
-        <p14:creationId xmlns:p14="http://schemas.microsoft.com/office/powerpoint/2010/main" val="529465205"/>
+        <p14:creationId xmlns:p14="http://schemas.microsoft.com/office/powerpoint/2010/main" val="1300930618"/>
       </p:ext>
     </p:extLst>
   </p:cSld>
@@ -7006,8 +7293,8 @@
         </p:nvSpPr>
         <p:spPr>
           <a:xfrm>
-            <a:off x="304800" y="0"/>
-            <a:ext cx="8613648" cy="1066800"/>
+            <a:off x="304800" y="152400"/>
+            <a:ext cx="8613648" cy="762000"/>
           </a:xfrm>
         </p:spPr>
         <p:txBody>
@@ -7019,7 +7306,7 @@
             <a:pPr algn="ctr"/>
             <a:r>
               <a:rPr lang="en-US" sz="3200" dirty="0" smtClean="0"/>
-              <a:t>Basic Vocabulary Needed for C# Development</a:t>
+              <a:t>Cloning a Repository</a:t>
             </a:r>
             <a:endParaRPr lang="en-US" sz="3200" dirty="0"/>
           </a:p>
@@ -7027,147 +7314,131 @@
       </p:sp>
       <p:sp>
         <p:nvSpPr>
-          <p:cNvPr id="3" name="TextBox 2"/>
-          <p:cNvSpPr txBox="1"/>
-          <p:nvPr/>
-        </p:nvSpPr>
-        <p:spPr>
-          <a:xfrm>
-            <a:off x="152400" y="1066800"/>
-            <a:ext cx="8839200" cy="5016758"/>
+          <p:cNvPr id="3" name="Text Placeholder 2"/>
+          <p:cNvSpPr>
+            <a:spLocks noGrp="1"/>
+          </p:cNvSpPr>
+          <p:nvPr>
+            <p:ph type="body" sz="half" idx="2"/>
+          </p:nvPr>
+        </p:nvSpPr>
+        <p:spPr>
+          <a:xfrm>
+            <a:off x="990600" y="6172200"/>
+            <a:ext cx="7162800" cy="533400"/>
+          </a:xfrm>
+        </p:spPr>
+        <p:txBody>
+          <a:bodyPr>
+            <a:normAutofit/>
+          </a:bodyPr>
+          <a:lstStyle/>
+          <a:p>
+            <a:pPr algn="ctr"/>
+            <a:r>
+              <a:rPr lang="en-US" sz="2000" b="1" dirty="0">
+                <a:solidFill>
+                  <a:srgbClr val="FFFF00"/>
+                </a:solidFill>
+                <a:effectLst>
+                  <a:outerShdw blurRad="38100" dist="38100" dir="2700000" algn="tl">
+                    <a:srgbClr val="000000">
+                      <a:alpha val="43137"/>
+                    </a:srgbClr>
+                  </a:outerShdw>
+                </a:effectLst>
+              </a:rPr>
+              <a:t>https://github.com/plwest-atmark/Aug31.git</a:t>
+            </a:r>
+          </a:p>
+        </p:txBody>
+      </p:sp>
+      <p:pic>
+        <p:nvPicPr>
+          <p:cNvPr id="5" name="Picture Placeholder 4"/>
+          <p:cNvPicPr>
+            <a:picLocks noGrp="1" noChangeAspect="1"/>
+          </p:cNvPicPr>
+          <p:nvPr>
+            <p:ph type="pic" idx="1"/>
+          </p:nvPr>
+        </p:nvPicPr>
+        <p:blipFill>
+          <a:blip r:embed="rId2" cstate="print">
+            <a:extLst>
+              <a:ext uri="{28A0092B-C50C-407E-A947-70E740481C1C}">
+                <a14:useLocalDpi xmlns:a14="http://schemas.microsoft.com/office/drawing/2010/main" val="0"/>
+              </a:ext>
+            </a:extLst>
+          </a:blip>
+          <a:stretch>
+            <a:fillRect/>
+          </a:stretch>
+        </p:blipFill>
+        <p:spPr>
+          <a:xfrm>
+            <a:off x="1024317" y="1066800"/>
+            <a:ext cx="7095366" cy="4878414"/>
           </a:xfrm>
           <a:prstGeom prst="rect">
             <a:avLst/>
           </a:prstGeom>
-          <a:noFill/>
-        </p:spPr>
-        <p:txBody>
-          <a:bodyPr wrap="square" rtlCol="0">
-            <a:spAutoFit/>
-          </a:bodyPr>
+          <a:ln>
+            <a:noFill/>
+          </a:ln>
+          <a:effectLst>
+            <a:outerShdw blurRad="292100" dist="139700" dir="2700000" algn="tl" rotWithShape="0">
+              <a:srgbClr val="333333">
+                <a:alpha val="65000"/>
+              </a:srgbClr>
+            </a:outerShdw>
+          </a:effectLst>
+        </p:spPr>
+      </p:pic>
+      <p:sp>
+        <p:nvSpPr>
+          <p:cNvPr id="4" name="Right Arrow 3"/>
+          <p:cNvSpPr/>
+          <p:nvPr/>
+        </p:nvSpPr>
+        <p:spPr>
+          <a:xfrm>
+            <a:off x="304800" y="2182368"/>
+            <a:ext cx="978408" cy="484632"/>
+          </a:xfrm>
+          <a:prstGeom prst="rightArrow">
+            <a:avLst/>
+          </a:prstGeom>
+        </p:spPr>
+        <p:style>
+          <a:lnRef idx="2">
+            <a:schemeClr val="accent1">
+              <a:shade val="50000"/>
+            </a:schemeClr>
+          </a:lnRef>
+          <a:fillRef idx="1">
+            <a:schemeClr val="accent1"/>
+          </a:fillRef>
+          <a:effectRef idx="0">
+            <a:schemeClr val="accent1"/>
+          </a:effectRef>
+          <a:fontRef idx="minor">
+            <a:schemeClr val="lt1"/>
+          </a:fontRef>
+        </p:style>
+        <p:txBody>
+          <a:bodyPr rtlCol="0" anchor="ctr"/>
           <a:lstStyle/>
           <a:p>
-            <a:r>
-              <a:rPr lang="en-US" sz="2000" b="1" u="sng" dirty="0" smtClean="0"/>
-              <a:t>Interpreter</a:t>
-            </a:r>
-            <a:r>
-              <a:rPr lang="en-US" sz="2000" b="1" dirty="0" smtClean="0"/>
-              <a:t> </a:t>
-            </a:r>
-            <a:r>
-              <a:rPr lang="en-US" sz="2000" b="1" dirty="0"/>
-              <a:t>(noun):</a:t>
-            </a:r>
-            <a:r>
-              <a:rPr lang="en-US" sz="2000" dirty="0"/>
-              <a:t> a program that runs code. For languages that are not compiled, the source code is run directly by an interpreter. Compiled programming languages do not usually have an interpreter.</a:t>
-            </a:r>
-            <a:br>
-              <a:rPr lang="en-US" sz="2000" dirty="0"/>
-            </a:br>
-            <a:r>
-              <a:rPr lang="en-US" sz="2000" i="1" dirty="0"/>
-              <a:t>Example: I installed the Ruby interpreter so I can run my Ruby code</a:t>
-            </a:r>
-            <a:r>
-              <a:rPr lang="en-US" sz="2000" i="1" dirty="0" smtClean="0"/>
-              <a:t>.</a:t>
-            </a:r>
-          </a:p>
-          <a:p>
-            <a:endParaRPr lang="en-US" sz="2000" i="1" dirty="0"/>
-          </a:p>
-          <a:p>
-            <a:r>
-              <a:rPr lang="en-US" sz="2000" b="1" u="sng" dirty="0" smtClean="0"/>
-              <a:t>Invoke</a:t>
-            </a:r>
-            <a:r>
-              <a:rPr lang="en-US" sz="2000" b="1" dirty="0" smtClean="0"/>
-              <a:t> (verb):</a:t>
-            </a:r>
-            <a:r>
-              <a:rPr lang="en-US" sz="2000" dirty="0" smtClean="0"/>
-              <a:t> </a:t>
-            </a:r>
-            <a:r>
-              <a:rPr lang="en-US" sz="2000" dirty="0"/>
-              <a:t>Synonym for call.</a:t>
-            </a:r>
-            <a:br>
-              <a:rPr lang="en-US" sz="2000" dirty="0"/>
-            </a:br>
-            <a:r>
-              <a:rPr lang="en-US" sz="2000" i="1" dirty="0"/>
-              <a:t>Example: I invoked the function with the wrong arguments, and it crashed.</a:t>
-            </a:r>
-          </a:p>
-          <a:p>
-            <a:endParaRPr lang="en-US" sz="2000" b="1" dirty="0" smtClean="0"/>
-          </a:p>
-          <a:p>
-            <a:r>
-              <a:rPr lang="en-US" sz="2000" b="1" u="sng" dirty="0" smtClean="0"/>
-              <a:t>Iterate</a:t>
-            </a:r>
-            <a:r>
-              <a:rPr lang="en-US" sz="2000" b="1" dirty="0" smtClean="0"/>
-              <a:t> </a:t>
-            </a:r>
-            <a:r>
-              <a:rPr lang="en-US" sz="2000" dirty="0" smtClean="0"/>
-              <a:t>(verb): </a:t>
-            </a:r>
-            <a:r>
-              <a:rPr lang="en-US" sz="2000" dirty="0"/>
-              <a:t>Synonym for loop.</a:t>
-            </a:r>
-            <a:br>
-              <a:rPr lang="en-US" sz="2000" dirty="0"/>
-            </a:br>
-            <a:r>
-              <a:rPr lang="en-US" sz="2000" i="1" dirty="0"/>
-              <a:t>Example: I iterated over all the values in the array.</a:t>
-            </a:r>
-          </a:p>
-          <a:p>
-            <a:endParaRPr lang="en-US" sz="2000" b="1" dirty="0" smtClean="0"/>
-          </a:p>
-          <a:p>
-            <a:r>
-              <a:rPr lang="en-US" sz="2000" b="1" u="sng" dirty="0" smtClean="0"/>
-              <a:t>Loop</a:t>
-            </a:r>
-            <a:r>
-              <a:rPr lang="en-US" sz="2000" b="1" dirty="0" smtClean="0"/>
-              <a:t> (noun):</a:t>
-            </a:r>
-            <a:r>
-              <a:rPr lang="en-US" sz="2000" dirty="0" smtClean="0"/>
-              <a:t> </a:t>
-            </a:r>
-            <a:r>
-              <a:rPr lang="en-US" sz="2000" dirty="0"/>
-              <a:t>a piece of code that runs itself repeatedly. Commonly used to run a piece code for every value in an array. Also known as “iteration”.</a:t>
-            </a:r>
-            <a:br>
-              <a:rPr lang="en-US" sz="2000" dirty="0"/>
-            </a:br>
-            <a:r>
-              <a:rPr lang="en-US" sz="2000" i="1" dirty="0"/>
-              <a:t>Example: The code loops until the user types in “quit.”</a:t>
-            </a:r>
-          </a:p>
-          <a:p>
-            <a:endParaRPr lang="en-US" sz="2000" i="1" dirty="0"/>
+            <a:pPr algn="ctr"/>
+            <a:endParaRPr lang="en-US"/>
           </a:p>
         </p:txBody>
       </p:sp>
     </p:spTree>
     <p:extLst>
       <p:ext uri="{BB962C8B-B14F-4D97-AF65-F5344CB8AC3E}">
-        <p14:creationId xmlns:p14="http://schemas.microsoft.com/office/powerpoint/2010/main" val="2081612501"/>
+        <p14:creationId xmlns:p14="http://schemas.microsoft.com/office/powerpoint/2010/main" val="202993714"/>
       </p:ext>
     </p:extLst>
   </p:cSld>
@@ -7206,8 +7477,8 @@
         </p:nvSpPr>
         <p:spPr>
           <a:xfrm>
-            <a:off x="304800" y="0"/>
-            <a:ext cx="8613648" cy="1066800"/>
+            <a:off x="304800" y="152400"/>
+            <a:ext cx="8613648" cy="762000"/>
           </a:xfrm>
         </p:spPr>
         <p:txBody>
@@ -7219,151 +7490,58 @@
             <a:pPr algn="ctr"/>
             <a:r>
               <a:rPr lang="en-US" sz="3200" dirty="0" smtClean="0"/>
-              <a:t>Basic Vocabulary Needed for C# Development</a:t>
+              <a:t>Visual Studio Solution Explorer</a:t>
             </a:r>
             <a:endParaRPr lang="en-US" sz="3200" dirty="0"/>
           </a:p>
         </p:txBody>
       </p:sp>
-      <p:sp>
-        <p:nvSpPr>
-          <p:cNvPr id="3" name="TextBox 2"/>
-          <p:cNvSpPr txBox="1"/>
-          <p:nvPr/>
-        </p:nvSpPr>
-        <p:spPr>
-          <a:xfrm>
-            <a:off x="152400" y="1066800"/>
-            <a:ext cx="8839200" cy="5324535"/>
+      <p:pic>
+        <p:nvPicPr>
+          <p:cNvPr id="5" name="Picture Placeholder 4"/>
+          <p:cNvPicPr>
+            <a:picLocks noGrp="1" noChangeAspect="1"/>
+          </p:cNvPicPr>
+          <p:nvPr>
+            <p:ph type="pic" idx="1"/>
+          </p:nvPr>
+        </p:nvPicPr>
+        <p:blipFill>
+          <a:blip r:embed="rId2" cstate="print">
+            <a:extLst>
+              <a:ext uri="{28A0092B-C50C-407E-A947-70E740481C1C}">
+                <a14:useLocalDpi xmlns:a14="http://schemas.microsoft.com/office/drawing/2010/main" val="0"/>
+              </a:ext>
+            </a:extLst>
+          </a:blip>
+          <a:stretch>
+            <a:fillRect/>
+          </a:stretch>
+        </p:blipFill>
+        <p:spPr>
+          <a:xfrm>
+            <a:off x="2252792" y="2208528"/>
+            <a:ext cx="4638416" cy="2896530"/>
           </a:xfrm>
           <a:prstGeom prst="rect">
             <a:avLst/>
           </a:prstGeom>
-          <a:noFill/>
-        </p:spPr>
-        <p:txBody>
-          <a:bodyPr wrap="square" rtlCol="0">
-            <a:spAutoFit/>
-          </a:bodyPr>
-          <a:lstStyle/>
-          <a:p>
-            <a:r>
-              <a:rPr lang="en-US" sz="2000" b="1" u="sng" dirty="0" smtClean="0"/>
-              <a:t>Member Function</a:t>
-            </a:r>
-            <a:r>
-              <a:rPr lang="en-US" sz="2000" b="1" dirty="0" smtClean="0"/>
-              <a:t> (noun):</a:t>
-            </a:r>
-            <a:r>
-              <a:rPr lang="en-US" sz="2000" dirty="0" smtClean="0"/>
-              <a:t> </a:t>
-            </a:r>
-            <a:r>
-              <a:rPr lang="en-US" sz="2000" dirty="0"/>
-              <a:t>Synonym for method.</a:t>
-            </a:r>
-            <a:br>
-              <a:rPr lang="en-US" sz="2000" dirty="0"/>
-            </a:br>
-            <a:r>
-              <a:rPr lang="en-US" sz="2000" i="1" dirty="0"/>
-              <a:t>Example: This class has three member functions.</a:t>
-            </a:r>
-          </a:p>
-          <a:p>
-            <a:endParaRPr lang="en-US" sz="2000" b="1" dirty="0" smtClean="0"/>
-          </a:p>
-          <a:p>
-            <a:r>
-              <a:rPr lang="en-US" sz="2000" b="1" u="sng" dirty="0" smtClean="0"/>
-              <a:t>Member Variable</a:t>
-            </a:r>
-            <a:r>
-              <a:rPr lang="en-US" sz="2000" b="1" dirty="0" smtClean="0"/>
-              <a:t> (noun):</a:t>
-            </a:r>
-            <a:r>
-              <a:rPr lang="en-US" sz="2000" dirty="0" smtClean="0"/>
-              <a:t> </a:t>
-            </a:r>
-            <a:r>
-              <a:rPr lang="en-US" sz="2000" dirty="0"/>
-              <a:t>Synonym for instance variable.</a:t>
-            </a:r>
-            <a:br>
-              <a:rPr lang="en-US" sz="2000" dirty="0"/>
-            </a:br>
-            <a:r>
-              <a:rPr lang="en-US" sz="2000" i="1" dirty="0"/>
-              <a:t>Example: This class has two member variables</a:t>
-            </a:r>
-            <a:r>
-              <a:rPr lang="en-US" sz="2000" i="1" dirty="0" smtClean="0"/>
-              <a:t>.</a:t>
-            </a:r>
-          </a:p>
-          <a:p>
-            <a:endParaRPr lang="en-US" sz="2000" dirty="0"/>
-          </a:p>
-          <a:p>
-            <a:r>
-              <a:rPr lang="en-US" sz="2000" b="1" u="sng" dirty="0" smtClean="0"/>
-              <a:t>Method</a:t>
-            </a:r>
-            <a:r>
-              <a:rPr lang="en-US" sz="2000" b="1" dirty="0" smtClean="0"/>
-              <a:t> (noun):</a:t>
-            </a:r>
-            <a:r>
-              <a:rPr lang="en-US" sz="2000" dirty="0" smtClean="0"/>
-              <a:t> </a:t>
-            </a:r>
-            <a:r>
-              <a:rPr lang="en-US" sz="2000" dirty="0"/>
-              <a:t>a function that is attached to an object. Methods belong to, and are defined in, a class. Also known as a “member function.”</a:t>
-            </a:r>
-            <a:br>
-              <a:rPr lang="en-US" sz="2000" dirty="0"/>
-            </a:br>
-            <a:r>
-              <a:rPr lang="en-US" sz="2000" i="1" dirty="0"/>
-              <a:t>Example: The length method returns the number of characters in a string object.</a:t>
-            </a:r>
-          </a:p>
-          <a:p>
-            <a:endParaRPr lang="en-US" sz="2000" b="1" dirty="0" smtClean="0"/>
-          </a:p>
-          <a:p>
-            <a:r>
-              <a:rPr lang="en-US" sz="2000" b="1" u="sng" dirty="0" smtClean="0"/>
-              <a:t>Nested</a:t>
-            </a:r>
-            <a:r>
-              <a:rPr lang="en-US" sz="2000" b="1" dirty="0" smtClean="0"/>
-              <a:t> (adjective): </a:t>
-            </a:r>
-            <a:r>
-              <a:rPr lang="en-US" sz="2000" dirty="0"/>
-              <a:t>contained within something like itself. E.g. a nested array is an array that is inside another array, and a nested class is a class defined inside the definition of another class.</a:t>
-            </a:r>
-            <a:br>
-              <a:rPr lang="en-US" sz="2000" dirty="0"/>
-            </a:br>
-            <a:r>
-              <a:rPr lang="en-US" sz="2000" i="1" dirty="0"/>
-              <a:t>Example: I used a nested loop to loop over a grid – the outer loop for the x coordinate, and the inner loop for the y coordinate.</a:t>
-            </a:r>
-          </a:p>
-          <a:p>
-            <a:endParaRPr lang="en-US" sz="2000" i="1" dirty="0"/>
-          </a:p>
-        </p:txBody>
-      </p:sp>
+          <a:ln>
+            <a:noFill/>
+          </a:ln>
+          <a:effectLst>
+            <a:outerShdw blurRad="292100" dist="139700" dir="2700000" algn="tl" rotWithShape="0">
+              <a:srgbClr val="333333">
+                <a:alpha val="65000"/>
+              </a:srgbClr>
+            </a:outerShdw>
+          </a:effectLst>
+        </p:spPr>
+      </p:pic>
     </p:spTree>
     <p:extLst>
       <p:ext uri="{BB962C8B-B14F-4D97-AF65-F5344CB8AC3E}">
-        <p14:creationId xmlns:p14="http://schemas.microsoft.com/office/powerpoint/2010/main" val="4016700152"/>
+        <p14:creationId xmlns:p14="http://schemas.microsoft.com/office/powerpoint/2010/main" val="1796326550"/>
       </p:ext>
     </p:extLst>
   </p:cSld>
@@ -7402,8 +7580,8 @@
         </p:nvSpPr>
         <p:spPr>
           <a:xfrm>
-            <a:off x="304800" y="0"/>
-            <a:ext cx="8613648" cy="1066800"/>
+            <a:off x="304800" y="152400"/>
+            <a:ext cx="8613648" cy="762000"/>
           </a:xfrm>
         </p:spPr>
         <p:txBody>
@@ -7415,145 +7593,58 @@
             <a:pPr algn="ctr"/>
             <a:r>
               <a:rPr lang="en-US" sz="3200" dirty="0" smtClean="0"/>
-              <a:t>Basic Vocabulary Needed for C# Development</a:t>
+              <a:t>Visual Studio Team Explorer</a:t>
             </a:r>
             <a:endParaRPr lang="en-US" sz="3200" dirty="0"/>
           </a:p>
         </p:txBody>
       </p:sp>
-      <p:sp>
-        <p:nvSpPr>
-          <p:cNvPr id="3" name="TextBox 2"/>
-          <p:cNvSpPr txBox="1"/>
-          <p:nvPr/>
-        </p:nvSpPr>
-        <p:spPr>
-          <a:xfrm>
-            <a:off x="152400" y="1066800"/>
-            <a:ext cx="8839200" cy="5016758"/>
+      <p:pic>
+        <p:nvPicPr>
+          <p:cNvPr id="5" name="Picture Placeholder 4"/>
+          <p:cNvPicPr>
+            <a:picLocks noGrp="1" noChangeAspect="1"/>
+          </p:cNvPicPr>
+          <p:nvPr>
+            <p:ph type="pic" idx="1"/>
+          </p:nvPr>
+        </p:nvPicPr>
+        <p:blipFill>
+          <a:blip r:embed="rId2" cstate="print">
+            <a:extLst>
+              <a:ext uri="{28A0092B-C50C-407E-A947-70E740481C1C}">
+                <a14:useLocalDpi xmlns:a14="http://schemas.microsoft.com/office/drawing/2010/main" val="0"/>
+              </a:ext>
+            </a:extLst>
+          </a:blip>
+          <a:stretch>
+            <a:fillRect/>
+          </a:stretch>
+        </p:blipFill>
+        <p:spPr>
+          <a:xfrm>
+            <a:off x="2252792" y="1546577"/>
+            <a:ext cx="4638416" cy="4220431"/>
           </a:xfrm>
           <a:prstGeom prst="rect">
             <a:avLst/>
           </a:prstGeom>
-          <a:noFill/>
-        </p:spPr>
-        <p:txBody>
-          <a:bodyPr wrap="square" rtlCol="0">
-            <a:spAutoFit/>
-          </a:bodyPr>
-          <a:lstStyle/>
-          <a:p>
-            <a:r>
-              <a:rPr lang="en-US" sz="2000" b="1" u="sng" dirty="0" smtClean="0"/>
-              <a:t>Object</a:t>
-            </a:r>
-            <a:r>
-              <a:rPr lang="en-US" sz="2000" b="1" dirty="0" smtClean="0"/>
-              <a:t> (noun):</a:t>
-            </a:r>
-            <a:r>
-              <a:rPr lang="en-US" sz="2000" dirty="0" smtClean="0"/>
-              <a:t> </a:t>
-            </a:r>
-            <a:r>
-              <a:rPr lang="en-US" sz="2000" dirty="0"/>
-              <a:t>a value created from a class. E.g. If you want to represent your family in code then you might make a class called </a:t>
-            </a:r>
-            <a:r>
-              <a:rPr lang="en-US" sz="2000" dirty="0" err="1"/>
-              <a:t>FamilyMember</a:t>
-            </a:r>
-            <a:r>
-              <a:rPr lang="en-US" sz="2000" dirty="0"/>
-              <a:t>, and create several objects from that class – one object for each person in your family. Objects usually contain other values inside instance variables, and have methods attached to them. E.g. each </a:t>
-            </a:r>
-            <a:r>
-              <a:rPr lang="en-US" sz="2000" dirty="0" err="1"/>
-              <a:t>FamilyMember</a:t>
-            </a:r>
-            <a:r>
-              <a:rPr lang="en-US" sz="2000" dirty="0"/>
-              <a:t> object might have a name instance variable. Objects combine the concept of variables and functions into a single value. Also known as an “instance.”</a:t>
-            </a:r>
-            <a:br>
-              <a:rPr lang="en-US" sz="2000" dirty="0"/>
-            </a:br>
-            <a:r>
-              <a:rPr lang="en-US" sz="2000" i="1" dirty="0"/>
-              <a:t>Example: I make the enemy move by changing the position instance variable of the enemy object.</a:t>
-            </a:r>
-          </a:p>
-          <a:p>
-            <a:endParaRPr lang="en-US" sz="2000" b="1" dirty="0" smtClean="0"/>
-          </a:p>
-          <a:p>
-            <a:r>
-              <a:rPr lang="en-US" sz="2000" b="1" u="sng" dirty="0" smtClean="0"/>
-              <a:t>Object-Oriented</a:t>
-            </a:r>
-            <a:r>
-              <a:rPr lang="en-US" sz="2000" b="1" dirty="0" smtClean="0"/>
-              <a:t> (adjective):</a:t>
-            </a:r>
-            <a:r>
-              <a:rPr lang="en-US" sz="2000" dirty="0" smtClean="0"/>
-              <a:t> </a:t>
-            </a:r>
-            <a:r>
-              <a:rPr lang="en-US" sz="2000" dirty="0"/>
-              <a:t>designed using objects.</a:t>
-            </a:r>
-            <a:br>
-              <a:rPr lang="en-US" sz="2000" dirty="0"/>
-            </a:br>
-            <a:r>
-              <a:rPr lang="en-US" sz="2000" i="1" dirty="0"/>
-              <a:t>Example: Ruby is an object-oriented programming language because all values are objects in Ruby</a:t>
-            </a:r>
-            <a:r>
-              <a:rPr lang="en-US" sz="2000" i="1" dirty="0" smtClean="0"/>
-              <a:t>.</a:t>
-            </a:r>
-          </a:p>
-          <a:p>
-            <a:endParaRPr lang="en-US" sz="2000" i="1" dirty="0"/>
-          </a:p>
-          <a:p>
-            <a:r>
-              <a:rPr lang="en-US" sz="2000" b="1" u="sng" dirty="0" smtClean="0"/>
-              <a:t>Parameter</a:t>
-            </a:r>
-            <a:r>
-              <a:rPr lang="en-US" sz="2000" b="1" dirty="0" smtClean="0"/>
-              <a:t> (noun):</a:t>
-            </a:r>
-            <a:r>
-              <a:rPr lang="en-US" sz="2000" dirty="0" smtClean="0"/>
-              <a:t> </a:t>
-            </a:r>
-            <a:r>
-              <a:rPr lang="en-US" sz="2000" dirty="0"/>
-              <a:t>Synonym for argument.</a:t>
-            </a:r>
-            <a:br>
-              <a:rPr lang="en-US" sz="2000" dirty="0"/>
-            </a:br>
-            <a:r>
-              <a:rPr lang="en-US" sz="2000" i="1" dirty="0"/>
-              <a:t>Example: That function takes two parameters</a:t>
-            </a:r>
-            <a:r>
-              <a:rPr lang="en-US" sz="2000" i="1" dirty="0" smtClean="0"/>
-              <a:t>.</a:t>
-            </a:r>
-            <a:endParaRPr lang="en-US" sz="2000" i="1" dirty="0"/>
-          </a:p>
-        </p:txBody>
-      </p:sp>
+          <a:ln>
+            <a:noFill/>
+          </a:ln>
+          <a:effectLst>
+            <a:outerShdw blurRad="292100" dist="139700" dir="2700000" algn="tl" rotWithShape="0">
+              <a:srgbClr val="333333">
+                <a:alpha val="65000"/>
+              </a:srgbClr>
+            </a:outerShdw>
+          </a:effectLst>
+        </p:spPr>
+      </p:pic>
     </p:spTree>
     <p:extLst>
       <p:ext uri="{BB962C8B-B14F-4D97-AF65-F5344CB8AC3E}">
-        <p14:creationId xmlns:p14="http://schemas.microsoft.com/office/powerpoint/2010/main" val="1916507036"/>
+        <p14:creationId xmlns:p14="http://schemas.microsoft.com/office/powerpoint/2010/main" val="152591732"/>
       </p:ext>
     </p:extLst>
   </p:cSld>
@@ -7768,6 +7859,13 @@
   <p:clrMapOvr>
     <a:masterClrMapping/>
   </p:clrMapOvr>
+  <p:timing>
+    <p:tnLst>
+      <p:par>
+        <p:cTn id="1" dur="indefinite" restart="never" nodeType="tmRoot"/>
+      </p:par>
+    </p:tnLst>
+  </p:timing>
 </p:sld>
 </file>
 
@@ -7800,8 +7898,8 @@
         </p:nvSpPr>
         <p:spPr>
           <a:xfrm>
-            <a:off x="304800" y="0"/>
-            <a:ext cx="8613648" cy="1066800"/>
+            <a:off x="304800" y="152400"/>
+            <a:ext cx="8613648" cy="762000"/>
           </a:xfrm>
         </p:spPr>
         <p:txBody>
@@ -7813,22 +7911,64 @@
             <a:pPr algn="ctr"/>
             <a:r>
               <a:rPr lang="en-US" sz="3200" dirty="0" smtClean="0"/>
-              <a:t>Basic Vocabulary Needed for C# Development</a:t>
+              <a:t>Visual Studio Output Window</a:t>
             </a:r>
             <a:endParaRPr lang="en-US" sz="3200" dirty="0"/>
           </a:p>
         </p:txBody>
       </p:sp>
-      <p:sp>
-        <p:nvSpPr>
-          <p:cNvPr id="3" name="TextBox 2"/>
+      <p:pic>
+        <p:nvPicPr>
+          <p:cNvPr id="5" name="Picture Placeholder 4"/>
+          <p:cNvPicPr>
+            <a:picLocks noGrp="1" noChangeAspect="1"/>
+          </p:cNvPicPr>
+          <p:nvPr>
+            <p:ph type="pic" idx="1"/>
+          </p:nvPr>
+        </p:nvPicPr>
+        <p:blipFill>
+          <a:blip r:embed="rId2">
+            <a:extLst>
+              <a:ext uri="{28A0092B-C50C-407E-A947-70E740481C1C}">
+                <a14:useLocalDpi xmlns:a14="http://schemas.microsoft.com/office/drawing/2010/main" val="0"/>
+              </a:ext>
+            </a:extLst>
+          </a:blip>
+          <a:stretch>
+            <a:fillRect/>
+          </a:stretch>
+        </p:blipFill>
+        <p:spPr>
+          <a:xfrm>
+            <a:off x="490983" y="1905001"/>
+            <a:ext cx="8162034" cy="2447136"/>
+          </a:xfrm>
+          <a:prstGeom prst="rect">
+            <a:avLst/>
+          </a:prstGeom>
+          <a:ln>
+            <a:noFill/>
+          </a:ln>
+          <a:effectLst>
+            <a:outerShdw blurRad="292100" dist="139700" dir="2700000" algn="tl" rotWithShape="0">
+              <a:srgbClr val="333333">
+                <a:alpha val="65000"/>
+              </a:srgbClr>
+            </a:outerShdw>
+          </a:effectLst>
+        </p:spPr>
+      </p:pic>
+      <p:sp>
+        <p:nvSpPr>
+          <p:cNvPr id="4" name="TextBox 3"/>
           <p:cNvSpPr txBox="1"/>
           <p:nvPr/>
         </p:nvSpPr>
         <p:spPr>
           <a:xfrm>
-            <a:off x="152400" y="1066800"/>
-            <a:ext cx="8839200" cy="4708981"/>
+            <a:off x="533400" y="4419600"/>
+            <a:ext cx="8077200" cy="1754326"/>
           </a:xfrm>
           <a:prstGeom prst="rect">
             <a:avLst/>
@@ -7842,136 +7982,26 @@
           <a:lstStyle/>
           <a:p>
             <a:r>
-              <a:rPr lang="en-US" sz="2000" b="1" u="sng" dirty="0" smtClean="0"/>
-              <a:t>Parenthesis</a:t>
-            </a:r>
-            <a:r>
-              <a:rPr lang="en-US" sz="2000" b="1" dirty="0" smtClean="0"/>
-              <a:t> (noun):</a:t>
-            </a:r>
-            <a:r>
-              <a:rPr lang="en-US" sz="2000" dirty="0" smtClean="0"/>
-              <a:t> </a:t>
-            </a:r>
-            <a:r>
-              <a:rPr lang="en-US" sz="2000" dirty="0"/>
-              <a:t>A type of bracket.</a:t>
-            </a:r>
-            <a:br>
-              <a:rPr lang="en-US" sz="2000" dirty="0"/>
-            </a:br>
-            <a:r>
-              <a:rPr lang="en-US" sz="2000" i="1" dirty="0"/>
-              <a:t>Example: Lisp-like programming languages use a lot of parenthesis in their syntax</a:t>
-            </a:r>
-            <a:r>
-              <a:rPr lang="en-US" sz="2000" i="1" dirty="0" smtClean="0"/>
-              <a:t>.</a:t>
-            </a:r>
-          </a:p>
-          <a:p>
-            <a:endParaRPr lang="en-US" sz="2000" i="1" dirty="0"/>
-          </a:p>
-          <a:p>
-            <a:r>
-              <a:rPr lang="en-US" sz="2000" b="1" u="sng" dirty="0" smtClean="0"/>
-              <a:t>Procedure</a:t>
-            </a:r>
-            <a:r>
-              <a:rPr lang="en-US" sz="2000" b="1" dirty="0" smtClean="0"/>
-              <a:t> (noun):</a:t>
-            </a:r>
-            <a:r>
-              <a:rPr lang="en-US" sz="2000" dirty="0" smtClean="0"/>
-              <a:t> </a:t>
-            </a:r>
-            <a:r>
-              <a:rPr lang="en-US" sz="2000" dirty="0"/>
-              <a:t>Synonym for function.</a:t>
-            </a:r>
-            <a:br>
-              <a:rPr lang="en-US" sz="2000" dirty="0"/>
-            </a:br>
-            <a:r>
-              <a:rPr lang="en-US" sz="2000" i="1" dirty="0"/>
-              <a:t>Example: That procedure takes two arguments.</a:t>
-            </a:r>
-          </a:p>
-          <a:p>
-            <a:endParaRPr lang="en-US" sz="2000" b="1" dirty="0" smtClean="0"/>
-          </a:p>
-          <a:p>
-            <a:r>
-              <a:rPr lang="en-US" sz="2000" b="1" u="sng" dirty="0" smtClean="0"/>
-              <a:t>Program</a:t>
-            </a:r>
-            <a:r>
-              <a:rPr lang="en-US" sz="2000" b="1" dirty="0" smtClean="0"/>
-              <a:t> (noun):</a:t>
-            </a:r>
-            <a:r>
-              <a:rPr lang="en-US" sz="2000" dirty="0" smtClean="0"/>
-              <a:t> </a:t>
-            </a:r>
-            <a:r>
-              <a:rPr lang="en-US" sz="2000" dirty="0"/>
-              <a:t>a full piece of software that is ready to be run. Usually an executable.</a:t>
-            </a:r>
-            <a:br>
-              <a:rPr lang="en-US" sz="2000" dirty="0"/>
-            </a:br>
-            <a:r>
-              <a:rPr lang="en-US" sz="2000" i="1" dirty="0"/>
-              <a:t>Example: I wrote a program that keeps track of my </a:t>
-            </a:r>
-            <a:r>
-              <a:rPr lang="en-US" sz="2000" i="1" dirty="0" err="1"/>
-              <a:t>todo</a:t>
-            </a:r>
-            <a:r>
-              <a:rPr lang="en-US" sz="2000" i="1" dirty="0"/>
-              <a:t> list.</a:t>
-            </a:r>
-          </a:p>
-          <a:p>
-            <a:endParaRPr lang="en-US" sz="2000" b="1" dirty="0" smtClean="0"/>
-          </a:p>
-          <a:p>
-            <a:r>
-              <a:rPr lang="en-US" sz="2000" b="1" u="sng" dirty="0" smtClean="0"/>
-              <a:t>Read</a:t>
-            </a:r>
-            <a:r>
-              <a:rPr lang="en-US" sz="2000" b="1" dirty="0" smtClean="0"/>
-              <a:t> (verb):</a:t>
-            </a:r>
-            <a:r>
-              <a:rPr lang="en-US" sz="2000" dirty="0" smtClean="0"/>
-              <a:t> </a:t>
-            </a:r>
-            <a:r>
-              <a:rPr lang="en-US" sz="2000" dirty="0"/>
-              <a:t>to retrieve input data values from an external source – usually from a file. Can refer to retrieving data over a network, such as the internet. The opposite of writing.</a:t>
-            </a:r>
-            <a:br>
-              <a:rPr lang="en-US" sz="2000" dirty="0"/>
-            </a:br>
-            <a:r>
-              <a:rPr lang="en-US" sz="2000" i="1" dirty="0"/>
-              <a:t>Example: I read the contents of file into a string</a:t>
-            </a:r>
-            <a:r>
-              <a:rPr lang="en-US" sz="2000" i="1" dirty="0" smtClean="0"/>
-              <a:t>.</a:t>
-            </a:r>
-            <a:endParaRPr lang="en-US" sz="2000" i="1" dirty="0"/>
+              <a:rPr lang="en-US" dirty="0" smtClean="0"/>
+              <a:t>Output window will display important information about the application during Build Actions and during Debugging Actions.</a:t>
+            </a:r>
+          </a:p>
+          <a:p>
+            <a:endParaRPr lang="en-US" dirty="0"/>
+          </a:p>
+          <a:p>
+            <a:r>
+              <a:rPr lang="en-US" dirty="0" smtClean="0"/>
+              <a:t>This window will also be used to provide feedback created by you during the running of your application. This is done with Tracing and Debugging outputs.</a:t>
+            </a:r>
+            <a:endParaRPr lang="en-US" dirty="0"/>
           </a:p>
         </p:txBody>
       </p:sp>
     </p:spTree>
     <p:extLst>
       <p:ext uri="{BB962C8B-B14F-4D97-AF65-F5344CB8AC3E}">
-        <p14:creationId xmlns:p14="http://schemas.microsoft.com/office/powerpoint/2010/main" val="3410970012"/>
+        <p14:creationId xmlns:p14="http://schemas.microsoft.com/office/powerpoint/2010/main" val="2980429746"/>
       </p:ext>
     </p:extLst>
   </p:cSld>
@@ -8010,8 +8040,8 @@
         </p:nvSpPr>
         <p:spPr>
           <a:xfrm>
-            <a:off x="304800" y="0"/>
-            <a:ext cx="8613648" cy="1066800"/>
+            <a:off x="304800" y="152400"/>
+            <a:ext cx="8613648" cy="762000"/>
           </a:xfrm>
         </p:spPr>
         <p:txBody>
@@ -8023,22 +8053,64 @@
             <a:pPr algn="ctr"/>
             <a:r>
               <a:rPr lang="en-US" sz="3200" dirty="0" smtClean="0"/>
-              <a:t>Basic Vocabulary Needed for C# Development</a:t>
+              <a:t>Visual Studio Properties Window</a:t>
             </a:r>
             <a:endParaRPr lang="en-US" sz="3200" dirty="0"/>
           </a:p>
         </p:txBody>
       </p:sp>
-      <p:sp>
-        <p:nvSpPr>
-          <p:cNvPr id="3" name="TextBox 2"/>
+      <p:pic>
+        <p:nvPicPr>
+          <p:cNvPr id="5" name="Picture Placeholder 4"/>
+          <p:cNvPicPr>
+            <a:picLocks noGrp="1" noChangeAspect="1"/>
+          </p:cNvPicPr>
+          <p:nvPr>
+            <p:ph type="pic" idx="1"/>
+          </p:nvPr>
+        </p:nvPicPr>
+        <p:blipFill>
+          <a:blip r:embed="rId2" cstate="print">
+            <a:extLst>
+              <a:ext uri="{28A0092B-C50C-407E-A947-70E740481C1C}">
+                <a14:useLocalDpi xmlns:a14="http://schemas.microsoft.com/office/drawing/2010/main" val="0"/>
+              </a:ext>
+            </a:extLst>
+          </a:blip>
+          <a:stretch>
+            <a:fillRect/>
+          </a:stretch>
+        </p:blipFill>
+        <p:spPr>
+          <a:xfrm>
+            <a:off x="2504692" y="1066800"/>
+            <a:ext cx="4134617" cy="3209136"/>
+          </a:xfrm>
+          <a:prstGeom prst="rect">
+            <a:avLst/>
+          </a:prstGeom>
+          <a:ln>
+            <a:noFill/>
+          </a:ln>
+          <a:effectLst>
+            <a:outerShdw blurRad="292100" dist="139700" dir="2700000" algn="tl" rotWithShape="0">
+              <a:srgbClr val="333333">
+                <a:alpha val="65000"/>
+              </a:srgbClr>
+            </a:outerShdw>
+          </a:effectLst>
+        </p:spPr>
+      </p:pic>
+      <p:sp>
+        <p:nvSpPr>
+          <p:cNvPr id="4" name="TextBox 3"/>
           <p:cNvSpPr txBox="1"/>
           <p:nvPr/>
         </p:nvSpPr>
         <p:spPr>
           <a:xfrm>
-            <a:off x="152400" y="1066800"/>
-            <a:ext cx="8839200" cy="5324535"/>
+            <a:off x="533400" y="4419600"/>
+            <a:ext cx="8077200" cy="1477328"/>
           </a:xfrm>
           <a:prstGeom prst="rect">
             <a:avLst/>
@@ -8052,96 +8124,17 @@
           <a:lstStyle/>
           <a:p>
             <a:r>
-              <a:rPr lang="en-US" sz="2000" b="1" u="sng" dirty="0" smtClean="0"/>
-              <a:t>Return</a:t>
-            </a:r>
-            <a:r>
-              <a:rPr lang="en-US" sz="2000" b="1" dirty="0" smtClean="0"/>
-              <a:t> (verb):</a:t>
-            </a:r>
-            <a:r>
-              <a:rPr lang="en-US" sz="2000" dirty="0" smtClean="0"/>
-              <a:t> </a:t>
-            </a:r>
-            <a:r>
-              <a:rPr lang="en-US" sz="2000" dirty="0"/>
-              <a:t>to immediately stop a called function from running, possibly providing a return value. A function automatically returns once all of its code has been run. However, the code in the function definition can force the function to return at any point.</a:t>
-            </a:r>
-            <a:br>
-              <a:rPr lang="en-US" sz="2000" dirty="0"/>
-            </a:br>
-            <a:r>
-              <a:rPr lang="en-US" sz="2000" i="1" dirty="0"/>
-              <a:t>Example: If the array is empty, the function returns early without running the rest of its code.</a:t>
-            </a:r>
-          </a:p>
-          <a:p>
-            <a:endParaRPr lang="en-US" sz="2000" b="1" dirty="0" smtClean="0"/>
-          </a:p>
-          <a:p>
-            <a:r>
-              <a:rPr lang="en-US" sz="2000" b="1" u="sng" dirty="0" smtClean="0"/>
-              <a:t>Return Value</a:t>
-            </a:r>
-            <a:r>
-              <a:rPr lang="en-US" sz="2000" b="1" dirty="0" smtClean="0"/>
-              <a:t> (noun):</a:t>
-            </a:r>
-            <a:r>
-              <a:rPr lang="en-US" sz="2000" dirty="0" smtClean="0"/>
-              <a:t> </a:t>
-            </a:r>
-            <a:r>
-              <a:rPr lang="en-US" sz="2000" dirty="0"/>
-              <a:t>the value that results from a completed function call.</a:t>
-            </a:r>
-            <a:br>
-              <a:rPr lang="en-US" sz="2000" dirty="0"/>
-            </a:br>
-            <a:r>
-              <a:rPr lang="en-US" sz="2000" i="1" dirty="0"/>
-              <a:t>Example: The return value of the rand function is a random float between 0.0 and 1.0.</a:t>
-            </a:r>
-          </a:p>
-          <a:p>
-            <a:endParaRPr lang="en-US" sz="2000" b="1" dirty="0" smtClean="0"/>
-          </a:p>
-          <a:p>
-            <a:r>
-              <a:rPr lang="en-US" sz="2000" b="1" u="sng" dirty="0" smtClean="0"/>
-              <a:t>Run</a:t>
-            </a:r>
-            <a:r>
-              <a:rPr lang="en-US" sz="2000" b="1" dirty="0" smtClean="0"/>
-              <a:t> (verb):</a:t>
-            </a:r>
-            <a:r>
-              <a:rPr lang="en-US" sz="2000" dirty="0" smtClean="0"/>
-              <a:t> </a:t>
-            </a:r>
-            <a:r>
-              <a:rPr lang="en-US" sz="2000" dirty="0"/>
-              <a:t>to perform the instructions written in code or an executable. Code is a set of instructions, and “running” code is when the computer actually performs those instructions. To “run” a function means to call that function (see call).</a:t>
-            </a:r>
-            <a:br>
-              <a:rPr lang="en-US" sz="2000" dirty="0"/>
-            </a:br>
-            <a:r>
-              <a:rPr lang="en-US" sz="2000" i="1" dirty="0"/>
-              <a:t>Example: I wrote a new feature, and ran the code to check that it works</a:t>
-            </a:r>
-            <a:r>
-              <a:rPr lang="en-US" sz="2000" i="1" dirty="0" smtClean="0"/>
-              <a:t>.</a:t>
-            </a:r>
-            <a:endParaRPr lang="en-US" sz="2000" i="1" dirty="0"/>
+              <a:rPr lang="en-US" dirty="0" smtClean="0"/>
+              <a:t>Output window will display important information the properties of User Interface components.  During console applications this is not a very active window. However, when we moved to MVP and Web Application Development, this will become a very important window. For now, just remember that it is there and in the next lesson we will utilize it more.</a:t>
+            </a:r>
+            <a:endParaRPr lang="en-US" dirty="0"/>
           </a:p>
         </p:txBody>
       </p:sp>
     </p:spTree>
     <p:extLst>
       <p:ext uri="{BB962C8B-B14F-4D97-AF65-F5344CB8AC3E}">
-        <p14:creationId xmlns:p14="http://schemas.microsoft.com/office/powerpoint/2010/main" val="1936991435"/>
+        <p14:creationId xmlns:p14="http://schemas.microsoft.com/office/powerpoint/2010/main" val="2635147019"/>
       </p:ext>
     </p:extLst>
   </p:cSld>
@@ -8180,8 +8173,8 @@
         </p:nvSpPr>
         <p:spPr>
           <a:xfrm>
-            <a:off x="304800" y="0"/>
-            <a:ext cx="8613648" cy="1066800"/>
+            <a:off x="304800" y="152400"/>
+            <a:ext cx="8613648" cy="762000"/>
           </a:xfrm>
         </p:spPr>
         <p:txBody>
@@ -8193,22 +8186,64 @@
             <a:pPr algn="ctr"/>
             <a:r>
               <a:rPr lang="en-US" sz="3200" dirty="0" smtClean="0"/>
-              <a:t>Basic Vocabulary Needed for C# Development</a:t>
+              <a:t>Running the Console Application</a:t>
             </a:r>
             <a:endParaRPr lang="en-US" sz="3200" dirty="0"/>
           </a:p>
         </p:txBody>
       </p:sp>
-      <p:sp>
-        <p:nvSpPr>
-          <p:cNvPr id="3" name="TextBox 2"/>
+      <p:pic>
+        <p:nvPicPr>
+          <p:cNvPr id="5" name="Picture Placeholder 4"/>
+          <p:cNvPicPr>
+            <a:picLocks noGrp="1" noChangeAspect="1"/>
+          </p:cNvPicPr>
+          <p:nvPr>
+            <p:ph type="pic" idx="1"/>
+          </p:nvPr>
+        </p:nvPicPr>
+        <p:blipFill>
+          <a:blip r:embed="rId2">
+            <a:extLst>
+              <a:ext uri="{28A0092B-C50C-407E-A947-70E740481C1C}">
+                <a14:useLocalDpi xmlns:a14="http://schemas.microsoft.com/office/drawing/2010/main" val="0"/>
+              </a:ext>
+            </a:extLst>
+          </a:blip>
+          <a:stretch>
+            <a:fillRect/>
+          </a:stretch>
+        </p:blipFill>
+        <p:spPr>
+          <a:xfrm>
+            <a:off x="542148" y="1066800"/>
+            <a:ext cx="8059704" cy="916519"/>
+          </a:xfrm>
+          <a:prstGeom prst="rect">
+            <a:avLst/>
+          </a:prstGeom>
+          <a:ln>
+            <a:noFill/>
+          </a:ln>
+          <a:effectLst>
+            <a:outerShdw blurRad="292100" dist="139700" dir="2700000" algn="tl" rotWithShape="0">
+              <a:srgbClr val="333333">
+                <a:alpha val="65000"/>
+              </a:srgbClr>
+            </a:outerShdw>
+          </a:effectLst>
+        </p:spPr>
+      </p:pic>
+      <p:sp>
+        <p:nvSpPr>
+          <p:cNvPr id="4" name="TextBox 3"/>
           <p:cNvSpPr txBox="1"/>
           <p:nvPr/>
         </p:nvSpPr>
         <p:spPr>
           <a:xfrm>
-            <a:off x="152400" y="1066800"/>
-            <a:ext cx="8839200" cy="4093428"/>
+            <a:off x="517358" y="2133600"/>
+            <a:ext cx="8077200" cy="4247317"/>
           </a:xfrm>
           <a:prstGeom prst="rect">
             <a:avLst/>
@@ -8222,70 +8257,87 @@
           <a:lstStyle/>
           <a:p>
             <a:r>
-              <a:rPr lang="en-US" sz="2000" b="1" u="sng" dirty="0" smtClean="0"/>
-              <a:t>String</a:t>
-            </a:r>
-            <a:r>
-              <a:rPr lang="en-US" sz="2000" b="1" dirty="0" smtClean="0"/>
-              <a:t> (noun):</a:t>
-            </a:r>
-            <a:r>
-              <a:rPr lang="en-US" sz="2000" dirty="0" smtClean="0"/>
+              <a:rPr lang="en-US" dirty="0" smtClean="0"/>
+              <a:t>This toolbar is utilized to “Run” the program. It will act in a similar manner as double clicking on an application that is installed on a computer.</a:t>
+            </a:r>
+          </a:p>
+          <a:p>
+            <a:endParaRPr lang="en-US" dirty="0" smtClean="0"/>
+          </a:p>
+          <a:p>
+            <a:r>
+              <a:rPr lang="en-US" dirty="0" smtClean="0"/>
+              <a:t>The two settings to the right of the green arrow are as follows:</a:t>
+            </a:r>
+          </a:p>
+          <a:p>
+            <a:endParaRPr lang="en-US" dirty="0"/>
+          </a:p>
+          <a:p>
+            <a:r>
+              <a:rPr lang="en-US" b="1" dirty="0" smtClean="0">
+                <a:solidFill>
+                  <a:srgbClr val="C00000"/>
+                </a:solidFill>
+              </a:rPr>
+              <a:t>Debug</a:t>
+            </a:r>
+            <a:r>
+              <a:rPr lang="en-US" dirty="0" smtClean="0">
+                <a:solidFill>
+                  <a:srgbClr val="C00000"/>
+                </a:solidFill>
+              </a:rPr>
               <a:t> </a:t>
             </a:r>
             <a:r>
-              <a:rPr lang="en-US" sz="2000" dirty="0"/>
-              <a:t>a type of value that represents text. The word “string” derives from the phrase “string of characters.” E.g. The string "cat" is a string (a.k.a. sequence) of the characters ‘c’, ‘a’, and ‘t’.</a:t>
-            </a:r>
-            <a:br>
-              <a:rPr lang="en-US" sz="2000" dirty="0"/>
-            </a:br>
-            <a:r>
-              <a:rPr lang="en-US" sz="2000" i="1" dirty="0"/>
-              <a:t>Example: I represented my name as a string in the code.</a:t>
-            </a:r>
-          </a:p>
-          <a:p>
-            <a:endParaRPr lang="en-US" sz="2000" b="1" dirty="0" smtClean="0"/>
-          </a:p>
-          <a:p>
-            <a:r>
-              <a:rPr lang="en-US" sz="2000" b="1" u="sng" dirty="0" smtClean="0"/>
-              <a:t>Syntax</a:t>
-            </a:r>
-            <a:r>
-              <a:rPr lang="en-US" sz="2000" b="1" dirty="0" smtClean="0"/>
-              <a:t> (noun):</a:t>
-            </a:r>
-            <a:r>
-              <a:rPr lang="en-US" sz="2000" dirty="0" smtClean="0"/>
-              <a:t> </a:t>
-            </a:r>
-            <a:r>
-              <a:rPr lang="en-US" sz="2000" dirty="0"/>
-              <a:t>the grammatical rules of a programming language. Every programming language has different syntax. Syntax determines whether code is written correctly or incorrectly, and is enforced by the compiler or interpreter. Code will not compile or run unless the syntax is correct.</a:t>
-            </a:r>
-            <a:br>
-              <a:rPr lang="en-US" sz="2000" dirty="0"/>
-            </a:br>
-            <a:r>
-              <a:rPr lang="en-US" sz="2000" i="1" dirty="0"/>
-              <a:t>Example: I forgot to write the brackets, so the compiler gave me a syntax error</a:t>
-            </a:r>
-            <a:r>
-              <a:rPr lang="en-US" sz="2000" i="1" dirty="0" smtClean="0"/>
-              <a:t>.</a:t>
-            </a:r>
-          </a:p>
-          <a:p>
-            <a:endParaRPr lang="en-US" sz="2000" i="1" dirty="0"/>
+              <a:rPr lang="en-US" dirty="0" smtClean="0"/>
+              <a:t>– This is a setting to attach a debugger to the program or run the program without debugging.</a:t>
+            </a:r>
+          </a:p>
+          <a:p>
+            <a:endParaRPr lang="en-US" dirty="0" smtClean="0"/>
+          </a:p>
+          <a:p>
+            <a:r>
+              <a:rPr lang="en-US" b="1" dirty="0" smtClean="0">
+                <a:solidFill>
+                  <a:srgbClr val="C00000"/>
+                </a:solidFill>
+              </a:rPr>
+              <a:t>Any CPU </a:t>
+            </a:r>
+            <a:r>
+              <a:rPr lang="en-US" dirty="0" smtClean="0"/>
+              <a:t>– This is a setting to target “Any CPU”, “x32”, or “x64”. This becomes relevant when applications begin to utilize a large amount of RAM as an operating system that is “x32” has a maximum RAM limitation of 3GB. “x64” operating systems are not limited by this.</a:t>
+            </a:r>
+          </a:p>
+          <a:p>
+            <a:endParaRPr lang="en-US" dirty="0"/>
+          </a:p>
+          <a:p>
+            <a:r>
+              <a:rPr lang="en-US" dirty="0" smtClean="0">
+                <a:solidFill>
+                  <a:srgbClr val="FFFF00"/>
+                </a:solidFill>
+              </a:rPr>
+              <a:t>Shortcut Key: F5</a:t>
+            </a:r>
+          </a:p>
+          <a:p>
+            <a:r>
+              <a:rPr lang="en-US" dirty="0" smtClean="0"/>
+              <a:t>S</a:t>
+            </a:r>
+            <a:endParaRPr lang="en-US" dirty="0"/>
           </a:p>
         </p:txBody>
       </p:sp>
     </p:spTree>
     <p:extLst>
       <p:ext uri="{BB962C8B-B14F-4D97-AF65-F5344CB8AC3E}">
-        <p14:creationId xmlns:p14="http://schemas.microsoft.com/office/powerpoint/2010/main" val="1170214786"/>
+        <p14:creationId xmlns:p14="http://schemas.microsoft.com/office/powerpoint/2010/main" val="2854658977"/>
       </p:ext>
     </p:extLst>
   </p:cSld>
@@ -8324,8 +8376,8 @@
         </p:nvSpPr>
         <p:spPr>
           <a:xfrm>
-            <a:off x="304800" y="0"/>
-            <a:ext cx="8613648" cy="1066800"/>
+            <a:off x="304800" y="152400"/>
+            <a:ext cx="8613648" cy="762000"/>
           </a:xfrm>
         </p:spPr>
         <p:txBody>
@@ -8337,22 +8389,64 @@
             <a:pPr algn="ctr"/>
             <a:r>
               <a:rPr lang="en-US" sz="3200" dirty="0" smtClean="0"/>
-              <a:t>Basic Vocabulary Needed for C# Development</a:t>
+              <a:t>Visual Studio Output Window (Good build)</a:t>
             </a:r>
             <a:endParaRPr lang="en-US" sz="3200" dirty="0"/>
           </a:p>
         </p:txBody>
       </p:sp>
-      <p:sp>
-        <p:nvSpPr>
-          <p:cNvPr id="3" name="TextBox 2"/>
+      <p:pic>
+        <p:nvPicPr>
+          <p:cNvPr id="5" name="Picture Placeholder 4"/>
+          <p:cNvPicPr>
+            <a:picLocks noGrp="1" noChangeAspect="1"/>
+          </p:cNvPicPr>
+          <p:nvPr>
+            <p:ph type="pic" idx="1"/>
+          </p:nvPr>
+        </p:nvPicPr>
+        <p:blipFill>
+          <a:blip r:embed="rId2" cstate="print">
+            <a:extLst>
+              <a:ext uri="{28A0092B-C50C-407E-A947-70E740481C1C}">
+                <a14:useLocalDpi xmlns:a14="http://schemas.microsoft.com/office/drawing/2010/main" val="0"/>
+              </a:ext>
+            </a:extLst>
+          </a:blip>
+          <a:stretch>
+            <a:fillRect/>
+          </a:stretch>
+        </p:blipFill>
+        <p:spPr>
+          <a:xfrm>
+            <a:off x="395852" y="2438400"/>
+            <a:ext cx="8352297" cy="1456347"/>
+          </a:xfrm>
+          <a:prstGeom prst="rect">
+            <a:avLst/>
+          </a:prstGeom>
+          <a:ln>
+            <a:noFill/>
+          </a:ln>
+          <a:effectLst>
+            <a:outerShdw blurRad="292100" dist="139700" dir="2700000" algn="tl" rotWithShape="0">
+              <a:srgbClr val="333333">
+                <a:alpha val="65000"/>
+              </a:srgbClr>
+            </a:outerShdw>
+          </a:effectLst>
+        </p:spPr>
+      </p:pic>
+      <p:sp>
+        <p:nvSpPr>
+          <p:cNvPr id="4" name="TextBox 3"/>
           <p:cNvSpPr txBox="1"/>
           <p:nvPr/>
         </p:nvSpPr>
         <p:spPr>
           <a:xfrm>
-            <a:off x="152400" y="1066800"/>
-            <a:ext cx="8839200" cy="5016758"/>
+            <a:off x="533400" y="4419600"/>
+            <a:ext cx="8077200" cy="1477328"/>
           </a:xfrm>
           <a:prstGeom prst="rect">
             <a:avLst/>
@@ -8366,99 +8460,17 @@
           <a:lstStyle/>
           <a:p>
             <a:r>
-              <a:rPr lang="en-US" sz="2000" b="1" u="sng" dirty="0" smtClean="0"/>
-              <a:t>Type</a:t>
-            </a:r>
-            <a:r>
-              <a:rPr lang="en-US" sz="2000" b="1" dirty="0" smtClean="0"/>
-              <a:t> (noun):</a:t>
-            </a:r>
-            <a:r>
-              <a:rPr lang="en-US" sz="2000" dirty="0" smtClean="0"/>
-              <a:t> </a:t>
-            </a:r>
-            <a:r>
-              <a:rPr lang="en-US" sz="2000" dirty="0"/>
-              <a:t>the kind or category of a value. Every value has a type.</a:t>
-            </a:r>
-          </a:p>
-          <a:p>
-            <a:pPr lvl="0"/>
-            <a:r>
-              <a:rPr lang="en-US" sz="2000" dirty="0"/>
-              <a:t>The value 5 is of the integer type.</a:t>
-            </a:r>
-          </a:p>
-          <a:p>
-            <a:pPr lvl="0"/>
-            <a:r>
-              <a:rPr lang="en-US" sz="2000" dirty="0"/>
-              <a:t>The value 5.2 is of the float type.</a:t>
-            </a:r>
-          </a:p>
-          <a:p>
-            <a:pPr lvl="0"/>
-            <a:r>
-              <a:rPr lang="en-US" sz="2000" dirty="0"/>
-              <a:t>The value "cat" is of the string type.</a:t>
-            </a:r>
-          </a:p>
-          <a:p>
-            <a:r>
-              <a:rPr lang="en-US" sz="2000" dirty="0"/>
-              <a:t>Simple types, like integers, are usually provided by the programming language. The programmer can define more complicated types using classes. The type of an object determines what methods and instance variables are attached to that object.</a:t>
-            </a:r>
-            <a:br>
-              <a:rPr lang="en-US" sz="2000" dirty="0"/>
-            </a:br>
-            <a:r>
-              <a:rPr lang="en-US" sz="2000" i="1" dirty="0"/>
-              <a:t>Example: I got a crash because the variable contained the wrong type of value – I thought it would be an integer, but it was actually a string</a:t>
-            </a:r>
-            <a:r>
-              <a:rPr lang="en-US" sz="2000" i="1" dirty="0" smtClean="0"/>
-              <a:t>.</a:t>
-            </a:r>
-          </a:p>
-          <a:p>
-            <a:endParaRPr lang="en-US" sz="2000" i="1" dirty="0"/>
-          </a:p>
-          <a:p>
-            <a:r>
-              <a:rPr lang="en-US" sz="2000" b="1" u="sng" dirty="0"/>
-              <a:t>Value</a:t>
-            </a:r>
-            <a:r>
-              <a:rPr lang="en-US" sz="2000" b="1" dirty="0"/>
-              <a:t> (noun):</a:t>
-            </a:r>
-            <a:r>
-              <a:rPr lang="en-US" sz="2000" dirty="0"/>
-              <a:t> a piece of data that can be contained inside a variable. Every value has a type. Values represent information, in a way that code can work upon. </a:t>
-            </a:r>
-            <a:endParaRPr lang="en-US" sz="2000" dirty="0" smtClean="0"/>
-          </a:p>
-          <a:p>
-            <a:r>
-              <a:rPr lang="en-US" sz="2000" i="1" dirty="0" smtClean="0"/>
-              <a:t>Example</a:t>
-            </a:r>
-            <a:r>
-              <a:rPr lang="en-US" sz="2000" i="1" dirty="0"/>
-              <a:t>: My program asks a user for the year they were born, then uses that value to calculate their age</a:t>
-            </a:r>
-            <a:r>
-              <a:rPr lang="en-US" sz="2000" i="1" dirty="0" smtClean="0"/>
-              <a:t>.</a:t>
-            </a:r>
-            <a:endParaRPr lang="en-US" sz="2000" i="1" dirty="0"/>
+              <a:rPr lang="en-US" dirty="0" smtClean="0"/>
+              <a:t>Note that after “Running” the application the Output Window now shows a considerable amount of information.  Due to the nature of a Console Application, most of the debugging setup is skipped as it is not relevant and not necessary.  However, if there are errors, this is where they would show. </a:t>
+            </a:r>
+            <a:endParaRPr lang="en-US" dirty="0"/>
           </a:p>
         </p:txBody>
       </p:sp>
     </p:spTree>
     <p:extLst>
       <p:ext uri="{BB962C8B-B14F-4D97-AF65-F5344CB8AC3E}">
-        <p14:creationId xmlns:p14="http://schemas.microsoft.com/office/powerpoint/2010/main" val="2415172605"/>
+        <p14:creationId xmlns:p14="http://schemas.microsoft.com/office/powerpoint/2010/main" val="1125625099"/>
       </p:ext>
     </p:extLst>
   </p:cSld>
@@ -8497,7 +8509,7 @@
         </p:nvSpPr>
         <p:spPr>
           <a:xfrm>
-            <a:off x="304800" y="0"/>
+            <a:off x="304800" y="152400"/>
             <a:ext cx="8613648" cy="1066800"/>
           </a:xfrm>
         </p:spPr>
@@ -8509,105 +8521,119 @@
           <a:p>
             <a:pPr algn="ctr"/>
             <a:r>
-              <a:rPr lang="en-US" sz="3200" dirty="0" smtClean="0"/>
-              <a:t>Basic Vocabulary Needed for C# Development</a:t>
-            </a:r>
-            <a:endParaRPr lang="en-US" sz="3200" dirty="0"/>
-          </a:p>
-        </p:txBody>
-      </p:sp>
-      <p:sp>
-        <p:nvSpPr>
-          <p:cNvPr id="3" name="TextBox 2"/>
-          <p:cNvSpPr txBox="1"/>
-          <p:nvPr/>
-        </p:nvSpPr>
-        <p:spPr>
-          <a:xfrm>
-            <a:off x="152400" y="1066800"/>
-            <a:ext cx="8839200" cy="4093428"/>
+              <a:rPr lang="en-US" sz="2800" dirty="0" smtClean="0"/>
+              <a:t>Visual Studio Output/Error Windows (Failed Build)</a:t>
+            </a:r>
+            <a:endParaRPr lang="en-US" sz="2800" dirty="0"/>
+          </a:p>
+        </p:txBody>
+      </p:sp>
+      <p:pic>
+        <p:nvPicPr>
+          <p:cNvPr id="5" name="Picture Placeholder 4"/>
+          <p:cNvPicPr>
+            <a:picLocks noGrp="1" noChangeAspect="1"/>
+          </p:cNvPicPr>
+          <p:nvPr>
+            <p:ph type="pic" idx="1"/>
+          </p:nvPr>
+        </p:nvPicPr>
+        <p:blipFill>
+          <a:blip r:embed="rId2">
+            <a:extLst>
+              <a:ext uri="{28A0092B-C50C-407E-A947-70E740481C1C}">
+                <a14:useLocalDpi xmlns:a14="http://schemas.microsoft.com/office/drawing/2010/main" val="0"/>
+              </a:ext>
+            </a:extLst>
+          </a:blip>
+          <a:stretch>
+            <a:fillRect/>
+          </a:stretch>
+        </p:blipFill>
+        <p:spPr>
+          <a:xfrm>
+            <a:off x="1343550" y="3093863"/>
+            <a:ext cx="6456901" cy="1456347"/>
           </a:xfrm>
           <a:prstGeom prst="rect">
             <a:avLst/>
           </a:prstGeom>
-          <a:noFill/>
-        </p:spPr>
-        <p:txBody>
-          <a:bodyPr wrap="square" rtlCol="0">
-            <a:spAutoFit/>
-          </a:bodyPr>
-          <a:lstStyle/>
-          <a:p>
-            <a:endParaRPr lang="en-US" sz="2000" b="1" dirty="0" smtClean="0"/>
-          </a:p>
-          <a:p>
-            <a:r>
-              <a:rPr lang="en-US" sz="2000" b="1" u="sng" dirty="0" smtClean="0"/>
-              <a:t>Variable</a:t>
-            </a:r>
-            <a:r>
-              <a:rPr lang="en-US" sz="2000" b="1" dirty="0" smtClean="0"/>
-              <a:t> (noun):</a:t>
-            </a:r>
-            <a:r>
-              <a:rPr lang="en-US" sz="2000" dirty="0" smtClean="0"/>
-              <a:t> </a:t>
-            </a:r>
-            <a:r>
-              <a:rPr lang="en-US" sz="2000" dirty="0"/>
-              <a:t>a named container for a single value. Variables are not values themselves, they are merely containers for values. Putting a value into a variable is referred to as assignment. Variables are named after the fact that their value can vary – a different value can be assigned to a variable at any time.</a:t>
-            </a:r>
-            <a:br>
-              <a:rPr lang="en-US" sz="2000" dirty="0"/>
-            </a:br>
-            <a:r>
-              <a:rPr lang="en-US" sz="2000" i="1" dirty="0"/>
-              <a:t>Example: I assigned the string value "Tom" to the name variable</a:t>
-            </a:r>
-            <a:r>
-              <a:rPr lang="en-US" sz="2000" i="1" dirty="0" smtClean="0"/>
-              <a:t>.</a:t>
-            </a:r>
-          </a:p>
-          <a:p>
-            <a:endParaRPr lang="en-US" sz="2000" i="1" dirty="0"/>
-          </a:p>
-          <a:p>
-            <a:r>
-              <a:rPr lang="en-US" sz="2000" b="1" u="sng" dirty="0" smtClean="0"/>
-              <a:t>Write</a:t>
-            </a:r>
-            <a:r>
-              <a:rPr lang="en-US" sz="2000" b="1" dirty="0" smtClean="0"/>
-              <a:t> (verb):</a:t>
-            </a:r>
-            <a:r>
-              <a:rPr lang="en-US" sz="2000" dirty="0" smtClean="0"/>
-              <a:t> </a:t>
-            </a:r>
-            <a:r>
-              <a:rPr lang="en-US" sz="2000" dirty="0"/>
-              <a:t>to send output data values to an external destination – usually to a file. Can refer to sending data over a network, such as the internet. The opposite of reading.</a:t>
-            </a:r>
-            <a:br>
-              <a:rPr lang="en-US" sz="2000" dirty="0"/>
-            </a:br>
-            <a:r>
-              <a:rPr lang="en-US" sz="2000" i="1" dirty="0"/>
-              <a:t>Example: The program writes all its data to a file before it quits, so it can read the data back again next time it is run</a:t>
-            </a:r>
-            <a:r>
-              <a:rPr lang="en-US" sz="2000" i="1" dirty="0" smtClean="0"/>
-              <a:t>.</a:t>
-            </a:r>
-            <a:endParaRPr lang="en-US" sz="2000" i="1" dirty="0"/>
-          </a:p>
-        </p:txBody>
-      </p:sp>
+          <a:ln>
+            <a:noFill/>
+          </a:ln>
+          <a:effectLst>
+            <a:outerShdw blurRad="292100" dist="139700" dir="2700000" algn="tl" rotWithShape="0">
+              <a:srgbClr val="333333">
+                <a:alpha val="65000"/>
+              </a:srgbClr>
+            </a:outerShdw>
+          </a:effectLst>
+        </p:spPr>
+      </p:pic>
+      <p:pic>
+        <p:nvPicPr>
+          <p:cNvPr id="3" name="Picture 2"/>
+          <p:cNvPicPr>
+            <a:picLocks noChangeAspect="1"/>
+          </p:cNvPicPr>
+          <p:nvPr/>
+        </p:nvPicPr>
+        <p:blipFill>
+          <a:blip r:embed="rId3" cstate="print">
+            <a:extLst>
+              <a:ext uri="{28A0092B-C50C-407E-A947-70E740481C1C}">
+                <a14:useLocalDpi xmlns:a14="http://schemas.microsoft.com/office/drawing/2010/main" val="0"/>
+              </a:ext>
+            </a:extLst>
+          </a:blip>
+          <a:stretch>
+            <a:fillRect/>
+          </a:stretch>
+        </p:blipFill>
+        <p:spPr>
+          <a:xfrm>
+            <a:off x="2541094" y="1371600"/>
+            <a:ext cx="4061812" cy="1646063"/>
+          </a:xfrm>
+          <a:prstGeom prst="rect">
+            <a:avLst/>
+          </a:prstGeom>
+        </p:spPr>
+      </p:pic>
+      <p:pic>
+        <p:nvPicPr>
+          <p:cNvPr id="6" name="Picture 5"/>
+          <p:cNvPicPr>
+            <a:picLocks noChangeAspect="1"/>
+          </p:cNvPicPr>
+          <p:nvPr/>
+        </p:nvPicPr>
+        <p:blipFill>
+          <a:blip r:embed="rId4" cstate="print">
+            <a:extLst>
+              <a:ext uri="{28A0092B-C50C-407E-A947-70E740481C1C}">
+                <a14:useLocalDpi xmlns:a14="http://schemas.microsoft.com/office/drawing/2010/main" val="0"/>
+              </a:ext>
+            </a:extLst>
+          </a:blip>
+          <a:stretch>
+            <a:fillRect/>
+          </a:stretch>
+        </p:blipFill>
+        <p:spPr>
+          <a:xfrm>
+            <a:off x="573058" y="4617863"/>
+            <a:ext cx="7997884" cy="1623201"/>
+          </a:xfrm>
+          <a:prstGeom prst="rect">
+            <a:avLst/>
+          </a:prstGeom>
+        </p:spPr>
+      </p:pic>
     </p:spTree>
     <p:extLst>
       <p:ext uri="{BB962C8B-B14F-4D97-AF65-F5344CB8AC3E}">
-        <p14:creationId xmlns:p14="http://schemas.microsoft.com/office/powerpoint/2010/main" val="2314570018"/>
+        <p14:creationId xmlns:p14="http://schemas.microsoft.com/office/powerpoint/2010/main" val="3050555837"/>
       </p:ext>
     </p:extLst>
   </p:cSld>
@@ -9891,6 +9917,13 @@
   <p:clrMapOvr>
     <a:masterClrMapping/>
   </p:clrMapOvr>
+  <p:timing>
+    <p:tnLst>
+      <p:par>
+        <p:cTn id="1" dur="indefinite" restart="never" nodeType="tmRoot"/>
+      </p:par>
+    </p:tnLst>
+  </p:timing>
 </p:sld>
 </file>
 
@@ -11854,6 +11887,13 @@
   <p:clrMapOvr>
     <a:masterClrMapping/>
   </p:clrMapOvr>
+  <p:timing>
+    <p:tnLst>
+      <p:par>
+        <p:cTn id="1" dur="indefinite" restart="never" nodeType="tmRoot"/>
+      </p:par>
+    </p:tnLst>
+  </p:timing>
 </p:sld>
 </file>
 
@@ -13588,6 +13628,13 @@
   <p:clrMapOvr>
     <a:masterClrMapping/>
   </p:clrMapOvr>
+  <p:timing>
+    <p:tnLst>
+      <p:par>
+        <p:cTn id="1" dur="indefinite" restart="never" nodeType="tmRoot"/>
+      </p:par>
+    </p:tnLst>
+  </p:timing>
 </p:sld>
 </file>
 

--- a/IntroToProgramming/Introduction to C#.pptx
+++ b/IntroToProgramming/Introduction to C#.pptx
@@ -30,8 +30,8 @@
     <p:sldId id="354" r:id="rId24"/>
     <p:sldId id="355" r:id="rId25"/>
     <p:sldId id="265" r:id="rId26"/>
-    <p:sldId id="266" r:id="rId27"/>
-    <p:sldId id="267" r:id="rId28"/>
+    <p:sldId id="267" r:id="rId27"/>
+    <p:sldId id="266" r:id="rId28"/>
     <p:sldId id="268" r:id="rId29"/>
     <p:sldId id="269" r:id="rId30"/>
     <p:sldId id="270" r:id="rId31"/>
@@ -57,9 +57,9 @@
     <p:sldId id="291" r:id="rId51"/>
     <p:sldId id="292" r:id="rId52"/>
     <p:sldId id="293" r:id="rId53"/>
-    <p:sldId id="294" r:id="rId54"/>
-    <p:sldId id="295" r:id="rId55"/>
-    <p:sldId id="296" r:id="rId56"/>
+    <p:sldId id="296" r:id="rId54"/>
+    <p:sldId id="294" r:id="rId55"/>
+    <p:sldId id="295" r:id="rId56"/>
     <p:sldId id="297" r:id="rId57"/>
     <p:sldId id="298" r:id="rId58"/>
     <p:sldId id="299" r:id="rId59"/>
@@ -407,7 +407,7 @@
           <a:p>
             <a:fld id="{188CE4B7-E498-4E28-ACF9-791E71DFFE50}" type="datetimeFigureOut">
               <a:rPr lang="en-US" smtClean="0"/>
-              <a:t>8/31/2019</a:t>
+              <a:t>9/3/2019</a:t>
             </a:fld>
             <a:endParaRPr lang="en-US"/>
           </a:p>
@@ -601,7 +601,7 @@
           <a:p>
             <a:fld id="{188CE4B7-E498-4E28-ACF9-791E71DFFE50}" type="datetimeFigureOut">
               <a:rPr lang="en-US" smtClean="0"/>
-              <a:t>8/31/2019</a:t>
+              <a:t>9/3/2019</a:t>
             </a:fld>
             <a:endParaRPr lang="en-US"/>
           </a:p>
@@ -789,7 +789,7 @@
           <a:p>
             <a:fld id="{188CE4B7-E498-4E28-ACF9-791E71DFFE50}" type="datetimeFigureOut">
               <a:rPr lang="en-US" smtClean="0"/>
-              <a:t>8/31/2019</a:t>
+              <a:t>9/3/2019</a:t>
             </a:fld>
             <a:endParaRPr lang="en-US"/>
           </a:p>
@@ -1018,7 +1018,7 @@
           <a:p>
             <a:fld id="{188CE4B7-E498-4E28-ACF9-791E71DFFE50}" type="datetimeFigureOut">
               <a:rPr lang="en-US" smtClean="0"/>
-              <a:t>8/31/2019</a:t>
+              <a:t>9/3/2019</a:t>
             </a:fld>
             <a:endParaRPr lang="en-US"/>
           </a:p>
@@ -1294,7 +1294,7 @@
           <a:p>
             <a:fld id="{188CE4B7-E498-4E28-ACF9-791E71DFFE50}" type="datetimeFigureOut">
               <a:rPr lang="en-US" smtClean="0"/>
-              <a:t>8/31/2019</a:t>
+              <a:t>9/3/2019</a:t>
             </a:fld>
             <a:endParaRPr lang="en-US"/>
           </a:p>
@@ -1582,7 +1582,7 @@
           <a:p>
             <a:fld id="{188CE4B7-E498-4E28-ACF9-791E71DFFE50}" type="datetimeFigureOut">
               <a:rPr lang="en-US" smtClean="0"/>
-              <a:t>8/31/2019</a:t>
+              <a:t>9/3/2019</a:t>
             </a:fld>
             <a:endParaRPr lang="en-US"/>
           </a:p>
@@ -2136,7 +2136,7 @@
           <a:p>
             <a:fld id="{188CE4B7-E498-4E28-ACF9-791E71DFFE50}" type="datetimeFigureOut">
               <a:rPr lang="en-US" smtClean="0"/>
-              <a:t>8/31/2019</a:t>
+              <a:t>9/3/2019</a:t>
             </a:fld>
             <a:endParaRPr lang="en-US"/>
           </a:p>
@@ -2267,7 +2267,7 @@
           <a:p>
             <a:fld id="{188CE4B7-E498-4E28-ACF9-791E71DFFE50}" type="datetimeFigureOut">
               <a:rPr lang="en-US" smtClean="0"/>
-              <a:t>8/31/2019</a:t>
+              <a:t>9/3/2019</a:t>
             </a:fld>
             <a:endParaRPr lang="en-US"/>
           </a:p>
@@ -2417,7 +2417,7 @@
           <a:p>
             <a:fld id="{188CE4B7-E498-4E28-ACF9-791E71DFFE50}" type="datetimeFigureOut">
               <a:rPr lang="en-US" smtClean="0"/>
-              <a:t>8/31/2019</a:t>
+              <a:t>9/3/2019</a:t>
             </a:fld>
             <a:endParaRPr lang="en-US"/>
           </a:p>
@@ -2733,7 +2733,7 @@
           <a:p>
             <a:fld id="{188CE4B7-E498-4E28-ACF9-791E71DFFE50}" type="datetimeFigureOut">
               <a:rPr lang="en-US" smtClean="0"/>
-              <a:t>8/31/2019</a:t>
+              <a:t>9/3/2019</a:t>
             </a:fld>
             <a:endParaRPr lang="en-US"/>
           </a:p>
@@ -3030,7 +3030,7 @@
           <a:p>
             <a:fld id="{188CE4B7-E498-4E28-ACF9-791E71DFFE50}" type="datetimeFigureOut">
               <a:rPr lang="en-US" smtClean="0"/>
-              <a:t>8/31/2019</a:t>
+              <a:t>9/3/2019</a:t>
             </a:fld>
             <a:endParaRPr lang="en-US"/>
           </a:p>
@@ -3275,7 +3275,7 @@
           <a:p>
             <a:fld id="{188CE4B7-E498-4E28-ACF9-791E71DFFE50}" type="datetimeFigureOut">
               <a:rPr lang="en-US" smtClean="0"/>
-              <a:t>8/31/2019</a:t>
+              <a:t>9/3/2019</a:t>
             </a:fld>
             <a:endParaRPr lang="en-US"/>
           </a:p>
@@ -3803,11 +3803,7 @@
           <a:p>
             <a:r>
               <a:rPr lang="en-US" dirty="0" smtClean="0"/>
-              <a:t>Building your first </a:t>
-            </a:r>
-            <a:r>
-              <a:rPr lang="en-US" dirty="0" smtClean="0"/>
-              <a:t>application</a:t>
+              <a:t>Building your first application</a:t>
             </a:r>
             <a:endParaRPr lang="en-US" dirty="0"/>
           </a:p>
@@ -4024,6 +4020,13 @@
   <p:clrMapOvr>
     <a:masterClrMapping/>
   </p:clrMapOvr>
+  <p:timing>
+    <p:tnLst>
+      <p:par>
+        <p:cTn id="1" dur="indefinite" restart="never" nodeType="tmRoot"/>
+      </p:par>
+    </p:tnLst>
+  </p:timing>
 </p:sld>
 </file>
 
@@ -4244,6 +4247,13 @@
   <p:clrMapOvr>
     <a:masterClrMapping/>
   </p:clrMapOvr>
+  <p:timing>
+    <p:tnLst>
+      <p:par>
+        <p:cTn id="1" dur="indefinite" restart="never" nodeType="tmRoot"/>
+      </p:par>
+    </p:tnLst>
+  </p:timing>
 </p:sld>
 </file>
 
@@ -4461,6 +4471,13 @@
   <p:clrMapOvr>
     <a:masterClrMapping/>
   </p:clrMapOvr>
+  <p:timing>
+    <p:tnLst>
+      <p:par>
+        <p:cTn id="1" dur="indefinite" restart="never" nodeType="tmRoot"/>
+      </p:par>
+    </p:tnLst>
+  </p:timing>
 </p:sld>
 </file>
 
@@ -4693,6 +4710,13 @@
   <p:clrMapOvr>
     <a:masterClrMapping/>
   </p:clrMapOvr>
+  <p:timing>
+    <p:tnLst>
+      <p:par>
+        <p:cTn id="1" dur="indefinite" restart="never" nodeType="tmRoot"/>
+      </p:par>
+    </p:tnLst>
+  </p:timing>
 </p:sld>
 </file>
 
@@ -4905,6 +4929,13 @@
   <p:clrMapOvr>
     <a:masterClrMapping/>
   </p:clrMapOvr>
+  <p:timing>
+    <p:tnLst>
+      <p:par>
+        <p:cTn id="1" dur="indefinite" restart="never" nodeType="tmRoot"/>
+      </p:par>
+    </p:tnLst>
+  </p:timing>
 </p:sld>
 </file>
 
@@ -5114,6 +5145,13 @@
   <p:clrMapOvr>
     <a:masterClrMapping/>
   </p:clrMapOvr>
+  <p:timing>
+    <p:tnLst>
+      <p:par>
+        <p:cTn id="1" dur="indefinite" restart="never" nodeType="tmRoot"/>
+      </p:par>
+    </p:tnLst>
+  </p:timing>
 </p:sld>
 </file>
 
@@ -5336,6 +5374,13 @@
   <p:clrMapOvr>
     <a:masterClrMapping/>
   </p:clrMapOvr>
+  <p:timing>
+    <p:tnLst>
+      <p:par>
+        <p:cTn id="1" dur="indefinite" restart="never" nodeType="tmRoot"/>
+      </p:par>
+    </p:tnLst>
+  </p:timing>
 </p:sld>
 </file>
 
@@ -5536,6 +5581,13 @@
   <p:clrMapOvr>
     <a:masterClrMapping/>
   </p:clrMapOvr>
+  <p:timing>
+    <p:tnLst>
+      <p:par>
+        <p:cTn id="1" dur="indefinite" restart="never" nodeType="tmRoot"/>
+      </p:par>
+    </p:tnLst>
+  </p:timing>
 </p:sld>
 </file>
 
@@ -5732,6 +5784,13 @@
   <p:clrMapOvr>
     <a:masterClrMapping/>
   </p:clrMapOvr>
+  <p:timing>
+    <p:tnLst>
+      <p:par>
+        <p:cTn id="1" dur="indefinite" restart="never" nodeType="tmRoot"/>
+      </p:par>
+    </p:tnLst>
+  </p:timing>
 </p:sld>
 </file>
 
@@ -5922,6 +5981,13 @@
   <p:clrMapOvr>
     <a:masterClrMapping/>
   </p:clrMapOvr>
+  <p:timing>
+    <p:tnLst>
+      <p:par>
+        <p:cTn id="1" dur="indefinite" restart="never" nodeType="tmRoot"/>
+      </p:par>
+    </p:tnLst>
+  </p:timing>
 </p:sld>
 </file>
 
@@ -5988,15 +6054,7 @@
             </a:pPr>
             <a:r>
               <a:rPr lang="en-US" sz="2400" dirty="0" smtClean="0"/>
-              <a:t>Installing </a:t>
-            </a:r>
-            <a:r>
-              <a:rPr lang="en-US" sz="2400" dirty="0" smtClean="0"/>
-              <a:t>Visual Studios 2019 </a:t>
-            </a:r>
-            <a:r>
-              <a:rPr lang="en-US" sz="2400" dirty="0" smtClean="0"/>
-              <a:t>Community</a:t>
+              <a:t>Installing Visual Studios 2019 Community</a:t>
             </a:r>
           </a:p>
           <a:p>
@@ -6012,7 +6070,6 @@
               <a:rPr lang="en-US" sz="2400" dirty="0" smtClean="0"/>
               <a:t>#</a:t>
             </a:r>
-            <a:endParaRPr lang="en-US" sz="2400" dirty="0" smtClean="0"/>
           </a:p>
           <a:p>
             <a:pPr>
@@ -6021,11 +6078,7 @@
             </a:pPr>
             <a:r>
               <a:rPr lang="en-US" sz="2400" dirty="0" smtClean="0"/>
-              <a:t>Understanding Visual Studios 2019 Development </a:t>
-            </a:r>
-            <a:r>
-              <a:rPr lang="en-US" sz="2400" dirty="0" smtClean="0"/>
-              <a:t>Environment</a:t>
+              <a:t>Understanding Visual Studios 2019 Development Environment</a:t>
             </a:r>
           </a:p>
           <a:p>
@@ -6037,7 +6090,6 @@
               <a:rPr lang="en-US" sz="2400" dirty="0" smtClean="0"/>
               <a:t>Cloning a Repository</a:t>
             </a:r>
-            <a:endParaRPr lang="en-US" sz="2400" dirty="0" smtClean="0"/>
           </a:p>
           <a:p>
             <a:pPr>
@@ -6337,6 +6389,13 @@
   <p:clrMapOvr>
     <a:masterClrMapping/>
   </p:clrMapOvr>
+  <p:timing>
+    <p:tnLst>
+      <p:par>
+        <p:cTn id="1" dur="indefinite" restart="never" nodeType="tmRoot"/>
+      </p:par>
+    </p:tnLst>
+  </p:timing>
 </p:sld>
 </file>
 
@@ -6507,6 +6566,13 @@
   <p:clrMapOvr>
     <a:masterClrMapping/>
   </p:clrMapOvr>
+  <p:timing>
+    <p:tnLst>
+      <p:par>
+        <p:cTn id="1" dur="indefinite" restart="never" nodeType="tmRoot"/>
+      </p:par>
+    </p:tnLst>
+  </p:timing>
 </p:sld>
 </file>
 
@@ -7180,8 +7246,8 @@
         </p:nvSpPr>
         <p:spPr>
           <a:xfrm>
-            <a:off x="990600" y="5105400"/>
-            <a:ext cx="7315200" cy="1164264"/>
+            <a:off x="990600" y="6172200"/>
+            <a:ext cx="7162800" cy="533400"/>
           </a:xfrm>
         </p:spPr>
         <p:txBody>
@@ -7190,22 +7256,22 @@
           </a:bodyPr>
           <a:lstStyle/>
           <a:p>
-            <a:pPr marL="285750" indent="-285750" algn="l">
-              <a:buFont typeface="Wingdings" pitchFamily="2" charset="2"/>
-              <a:buChar char="Ø"/>
-            </a:pPr>
-            <a:endParaRPr lang="en-US" sz="2000" b="1" dirty="0">
-              <a:solidFill>
-                <a:srgbClr val="FFFF00"/>
-              </a:solidFill>
-              <a:effectLst>
-                <a:outerShdw blurRad="38100" dist="38100" dir="2700000" algn="tl">
-                  <a:srgbClr val="000000">
-                    <a:alpha val="43137"/>
-                  </a:srgbClr>
-                </a:outerShdw>
-              </a:effectLst>
-            </a:endParaRPr>
+            <a:pPr algn="ctr"/>
+            <a:r>
+              <a:rPr lang="en-US" sz="2000" b="1" dirty="0">
+                <a:solidFill>
+                  <a:srgbClr val="FFFF00"/>
+                </a:solidFill>
+                <a:effectLst>
+                  <a:outerShdw blurRad="38100" dist="38100" dir="2700000" algn="tl">
+                    <a:srgbClr val="000000">
+                      <a:alpha val="43137"/>
+                    </a:srgbClr>
+                  </a:outerShdw>
+                </a:effectLst>
+              </a:rPr>
+              <a:t>https://github.com/plwest-atmark/Aug31.git</a:t>
+            </a:r>
           </a:p>
         </p:txBody>
       </p:sp>
@@ -7233,8 +7299,8 @@
         </p:blipFill>
         <p:spPr>
           <a:xfrm>
-            <a:off x="1002563" y="1206011"/>
-            <a:ext cx="7138875" cy="4842217"/>
+            <a:off x="1024317" y="1066800"/>
+            <a:ext cx="7095366" cy="4878414"/>
           </a:xfrm>
           <a:prstGeom prst="rect">
             <a:avLst/>
@@ -7251,10 +7317,50 @@
           </a:effectLst>
         </p:spPr>
       </p:pic>
+      <p:sp>
+        <p:nvSpPr>
+          <p:cNvPr id="4" name="Right Arrow 3"/>
+          <p:cNvSpPr/>
+          <p:nvPr/>
+        </p:nvSpPr>
+        <p:spPr>
+          <a:xfrm>
+            <a:off x="304800" y="2182368"/>
+            <a:ext cx="978408" cy="484632"/>
+          </a:xfrm>
+          <a:prstGeom prst="rightArrow">
+            <a:avLst/>
+          </a:prstGeom>
+        </p:spPr>
+        <p:style>
+          <a:lnRef idx="2">
+            <a:schemeClr val="accent1">
+              <a:shade val="50000"/>
+            </a:schemeClr>
+          </a:lnRef>
+          <a:fillRef idx="1">
+            <a:schemeClr val="accent1"/>
+          </a:fillRef>
+          <a:effectRef idx="0">
+            <a:schemeClr val="accent1"/>
+          </a:effectRef>
+          <a:fontRef idx="minor">
+            <a:schemeClr val="lt1"/>
+          </a:fontRef>
+        </p:style>
+        <p:txBody>
+          <a:bodyPr rtlCol="0" anchor="ctr"/>
+          <a:lstStyle/>
+          <a:p>
+            <a:pPr algn="ctr"/>
+            <a:endParaRPr lang="en-US"/>
+          </a:p>
+        </p:txBody>
+      </p:sp>
     </p:spTree>
     <p:extLst>
       <p:ext uri="{BB962C8B-B14F-4D97-AF65-F5344CB8AC3E}">
-        <p14:creationId xmlns:p14="http://schemas.microsoft.com/office/powerpoint/2010/main" val="1300930618"/>
+        <p14:creationId xmlns:p14="http://schemas.microsoft.com/office/powerpoint/2010/main" val="202993714"/>
       </p:ext>
     </p:extLst>
   </p:cSld>
@@ -7324,8 +7430,8 @@
         </p:nvSpPr>
         <p:spPr>
           <a:xfrm>
-            <a:off x="990600" y="6172200"/>
-            <a:ext cx="7162800" cy="533400"/>
+            <a:off x="990600" y="5105400"/>
+            <a:ext cx="7315200" cy="1164264"/>
           </a:xfrm>
         </p:spPr>
         <p:txBody>
@@ -7334,22 +7440,22 @@
           </a:bodyPr>
           <a:lstStyle/>
           <a:p>
-            <a:pPr algn="ctr"/>
-            <a:r>
-              <a:rPr lang="en-US" sz="2000" b="1" dirty="0">
-                <a:solidFill>
-                  <a:srgbClr val="FFFF00"/>
-                </a:solidFill>
-                <a:effectLst>
-                  <a:outerShdw blurRad="38100" dist="38100" dir="2700000" algn="tl">
-                    <a:srgbClr val="000000">
-                      <a:alpha val="43137"/>
-                    </a:srgbClr>
-                  </a:outerShdw>
-                </a:effectLst>
-              </a:rPr>
-              <a:t>https://github.com/plwest-atmark/Aug31.git</a:t>
-            </a:r>
+            <a:pPr marL="285750" indent="-285750" algn="l">
+              <a:buFont typeface="Wingdings" pitchFamily="2" charset="2"/>
+              <a:buChar char="Ø"/>
+            </a:pPr>
+            <a:endParaRPr lang="en-US" sz="2000" b="1" dirty="0">
+              <a:solidFill>
+                <a:srgbClr val="FFFF00"/>
+              </a:solidFill>
+              <a:effectLst>
+                <a:outerShdw blurRad="38100" dist="38100" dir="2700000" algn="tl">
+                  <a:srgbClr val="000000">
+                    <a:alpha val="43137"/>
+                  </a:srgbClr>
+                </a:outerShdw>
+              </a:effectLst>
+            </a:endParaRPr>
           </a:p>
         </p:txBody>
       </p:sp>
@@ -7377,8 +7483,8 @@
         </p:blipFill>
         <p:spPr>
           <a:xfrm>
-            <a:off x="1024317" y="1066800"/>
-            <a:ext cx="7095366" cy="4878414"/>
+            <a:off x="1002563" y="1206011"/>
+            <a:ext cx="7138875" cy="4842217"/>
           </a:xfrm>
           <a:prstGeom prst="rect">
             <a:avLst/>
@@ -7395,50 +7501,10 @@
           </a:effectLst>
         </p:spPr>
       </p:pic>
-      <p:sp>
-        <p:nvSpPr>
-          <p:cNvPr id="4" name="Right Arrow 3"/>
-          <p:cNvSpPr/>
-          <p:nvPr/>
-        </p:nvSpPr>
-        <p:spPr>
-          <a:xfrm>
-            <a:off x="304800" y="2182368"/>
-            <a:ext cx="978408" cy="484632"/>
-          </a:xfrm>
-          <a:prstGeom prst="rightArrow">
-            <a:avLst/>
-          </a:prstGeom>
-        </p:spPr>
-        <p:style>
-          <a:lnRef idx="2">
-            <a:schemeClr val="accent1">
-              <a:shade val="50000"/>
-            </a:schemeClr>
-          </a:lnRef>
-          <a:fillRef idx="1">
-            <a:schemeClr val="accent1"/>
-          </a:fillRef>
-          <a:effectRef idx="0">
-            <a:schemeClr val="accent1"/>
-          </a:effectRef>
-          <a:fontRef idx="minor">
-            <a:schemeClr val="lt1"/>
-          </a:fontRef>
-        </p:style>
-        <p:txBody>
-          <a:bodyPr rtlCol="0" anchor="ctr"/>
-          <a:lstStyle/>
-          <a:p>
-            <a:pPr algn="ctr"/>
-            <a:endParaRPr lang="en-US"/>
-          </a:p>
-        </p:txBody>
-      </p:sp>
     </p:spTree>
     <p:extLst>
       <p:ext uri="{BB962C8B-B14F-4D97-AF65-F5344CB8AC3E}">
-        <p14:creationId xmlns:p14="http://schemas.microsoft.com/office/powerpoint/2010/main" val="202993714"/>
+        <p14:creationId xmlns:p14="http://schemas.microsoft.com/office/powerpoint/2010/main" val="1300930618"/>
       </p:ext>
     </p:extLst>
   </p:cSld>
@@ -10782,7 +10848,7 @@
         </p:blipFill>
         <p:spPr>
           <a:xfrm>
-            <a:off x="440031" y="1380442"/>
+            <a:off x="457200" y="1676400"/>
             <a:ext cx="8263939" cy="3343958"/>
           </a:xfrm>
           <a:prstGeom prst="rect">
@@ -12406,7 +12472,7 @@
         <p:spPr>
           <a:xfrm>
             <a:off x="304800" y="152400"/>
-            <a:ext cx="8613648" cy="1219200"/>
+            <a:ext cx="8613648" cy="914400"/>
           </a:xfrm>
         </p:spPr>
         <p:txBody>
@@ -12418,7 +12484,7 @@
             <a:pPr algn="ctr"/>
             <a:r>
               <a:rPr lang="en-US" sz="3200" dirty="0"/>
-              <a:t>Or Else!</a:t>
+              <a:t>Comparison Operators</a:t>
             </a:r>
           </a:p>
         </p:txBody>
@@ -12447,8 +12513,8 @@
         </p:blipFill>
         <p:spPr>
           <a:xfrm>
-            <a:off x="146103" y="1600200"/>
-            <a:ext cx="8851794" cy="3048000"/>
+            <a:off x="1638801" y="1066800"/>
+            <a:ext cx="5866398" cy="2148081"/>
           </a:xfrm>
           <a:prstGeom prst="rect">
             <a:avLst/>
@@ -12473,8 +12539,8 @@
         </p:nvSpPr>
         <p:spPr>
           <a:xfrm>
-            <a:off x="192659" y="5105400"/>
-            <a:ext cx="8839200" cy="1200329"/>
+            <a:off x="152399" y="5215969"/>
+            <a:ext cx="8839200" cy="1477328"/>
           </a:xfrm>
           <a:prstGeom prst="rect">
             <a:avLst/>
@@ -12493,7 +12559,7 @@
             </a:pPr>
             <a:r>
               <a:rPr lang="en-US" dirty="0" smtClean="0"/>
-              <a:t>To extend the “if” statement to allow for a clause condition, the “else” statement is used.</a:t>
+              <a:t>When comparing two items Comparison Operators are utilized.</a:t>
             </a:r>
           </a:p>
           <a:p>
@@ -12503,15 +12569,72 @@
             </a:pPr>
             <a:r>
               <a:rPr lang="en-US" dirty="0" smtClean="0"/>
-              <a:t>This means that if the “if” condition is met, the “if” code will be executed. If it is not met, the “else” code will be executed.</a:t>
-            </a:r>
-          </a:p>
-        </p:txBody>
-      </p:sp>
+              <a:t>The table above express a direct relation between the two objects being compared.</a:t>
+            </a:r>
+          </a:p>
+          <a:p>
+            <a:pPr marL="285750" indent="-285750">
+              <a:buFont typeface="Arial" pitchFamily="34" charset="0"/>
+              <a:buChar char="•"/>
+            </a:pPr>
+            <a:r>
+              <a:rPr lang="en-US" dirty="0" smtClean="0"/>
+              <a:t>These are NOT limited to just </a:t>
+            </a:r>
+            <a:r>
+              <a:rPr lang="en-US" dirty="0" err="1" smtClean="0">
+                <a:solidFill>
+                  <a:srgbClr val="0070C0"/>
+                </a:solidFill>
+              </a:rPr>
+              <a:t>int</a:t>
+            </a:r>
+            <a:r>
+              <a:rPr lang="en-US" dirty="0" smtClean="0"/>
+              <a:t> but can be used to compare any two objects, even Classes and complex objects.</a:t>
+            </a:r>
+            <a:endParaRPr lang="en-US" dirty="0" smtClean="0">
+              <a:solidFill>
+                <a:srgbClr val="0070C0"/>
+              </a:solidFill>
+            </a:endParaRPr>
+          </a:p>
+        </p:txBody>
+      </p:sp>
+      <p:pic>
+        <p:nvPicPr>
+          <p:cNvPr id="6" name="Picture 5"/>
+          <p:cNvPicPr>
+            <a:picLocks noChangeAspect="1"/>
+          </p:cNvPicPr>
+          <p:nvPr/>
+        </p:nvPicPr>
+        <p:blipFill>
+          <a:blip r:embed="rId3" cstate="print">
+            <a:extLst>
+              <a:ext uri="{28A0092B-C50C-407E-A947-70E740481C1C}">
+                <a14:useLocalDpi xmlns:a14="http://schemas.microsoft.com/office/drawing/2010/main" val="0"/>
+              </a:ext>
+            </a:extLst>
+          </a:blip>
+          <a:stretch>
+            <a:fillRect/>
+          </a:stretch>
+        </p:blipFill>
+        <p:spPr>
+          <a:xfrm>
+            <a:off x="3217426" y="3429000"/>
+            <a:ext cx="2709145" cy="1607959"/>
+          </a:xfrm>
+          <a:prstGeom prst="rect">
+            <a:avLst/>
+          </a:prstGeom>
+        </p:spPr>
+      </p:pic>
     </p:spTree>
     <p:extLst>
       <p:ext uri="{BB962C8B-B14F-4D97-AF65-F5344CB8AC3E}">
-        <p14:creationId xmlns:p14="http://schemas.microsoft.com/office/powerpoint/2010/main" val="156994852"/>
+        <p14:creationId xmlns:p14="http://schemas.microsoft.com/office/powerpoint/2010/main" val="1719745184"/>
       </p:ext>
     </p:extLst>
   </p:cSld>
@@ -12551,7 +12674,7 @@
         <p:spPr>
           <a:xfrm>
             <a:off x="304800" y="152400"/>
-            <a:ext cx="8613648" cy="914400"/>
+            <a:ext cx="8613648" cy="1219200"/>
           </a:xfrm>
         </p:spPr>
         <p:txBody>
@@ -12563,7 +12686,7 @@
             <a:pPr algn="ctr"/>
             <a:r>
               <a:rPr lang="en-US" sz="3200" dirty="0"/>
-              <a:t>Switch Statements</a:t>
+              <a:t>Or Else!</a:t>
             </a:r>
           </a:p>
         </p:txBody>
@@ -12579,7 +12702,7 @@
           </p:nvPr>
         </p:nvPicPr>
         <p:blipFill>
-          <a:blip r:embed="rId2" cstate="print">
+          <a:blip r:embed="rId2">
             <a:extLst>
               <a:ext uri="{28A0092B-C50C-407E-A947-70E740481C1C}">
                 <a14:useLocalDpi xmlns:a14="http://schemas.microsoft.com/office/drawing/2010/main" val="0"/>
@@ -12592,8 +12715,8 @@
         </p:blipFill>
         <p:spPr>
           <a:xfrm>
-            <a:off x="1638801" y="1219200"/>
-            <a:ext cx="5866398" cy="4038600"/>
+            <a:off x="146103" y="1600200"/>
+            <a:ext cx="8851794" cy="3048000"/>
           </a:xfrm>
           <a:prstGeom prst="rect">
             <a:avLst/>
@@ -12618,8 +12741,8 @@
         </p:nvSpPr>
         <p:spPr>
           <a:xfrm>
-            <a:off x="228600" y="5334000"/>
-            <a:ext cx="8839200" cy="923330"/>
+            <a:off x="192659" y="5105400"/>
+            <a:ext cx="8839200" cy="1200329"/>
           </a:xfrm>
           <a:prstGeom prst="rect">
             <a:avLst/>
@@ -12638,7 +12761,7 @@
             </a:pPr>
             <a:r>
               <a:rPr lang="en-US" dirty="0" smtClean="0"/>
-              <a:t>When there are multiple “states” that need to be checked to determine the final block of code that needs to run, the “switch” statement is used.</a:t>
+              <a:t>To extend the “if” statement to allow for a clause condition, the “else” statement is used.</a:t>
             </a:r>
           </a:p>
           <a:p>
@@ -12648,7 +12771,7 @@
             </a:pPr>
             <a:r>
               <a:rPr lang="en-US" dirty="0" smtClean="0"/>
-              <a:t>This allows for different value conditions for a specific condition.</a:t>
+              <a:t>This means that if the “if” condition is met, the “if” code will be executed. If it is not met, the “else” code will be executed.</a:t>
             </a:r>
           </a:p>
         </p:txBody>
@@ -12656,7 +12779,7 @@
     </p:spTree>
     <p:extLst>
       <p:ext uri="{BB962C8B-B14F-4D97-AF65-F5344CB8AC3E}">
-        <p14:creationId xmlns:p14="http://schemas.microsoft.com/office/powerpoint/2010/main" val="1500715304"/>
+        <p14:creationId xmlns:p14="http://schemas.microsoft.com/office/powerpoint/2010/main" val="156994852"/>
       </p:ext>
     </p:extLst>
   </p:cSld>
@@ -12708,7 +12831,7 @@
             <a:pPr algn="ctr"/>
             <a:r>
               <a:rPr lang="en-US" sz="3200" dirty="0"/>
-              <a:t>Comparison Operators</a:t>
+              <a:t>Switch Statements</a:t>
             </a:r>
           </a:p>
         </p:txBody>
@@ -12724,7 +12847,7 @@
           </p:nvPr>
         </p:nvPicPr>
         <p:blipFill>
-          <a:blip r:embed="rId2">
+          <a:blip r:embed="rId2" cstate="print">
             <a:extLst>
               <a:ext uri="{28A0092B-C50C-407E-A947-70E740481C1C}">
                 <a14:useLocalDpi xmlns:a14="http://schemas.microsoft.com/office/drawing/2010/main" val="0"/>
@@ -12737,8 +12860,8 @@
         </p:blipFill>
         <p:spPr>
           <a:xfrm>
-            <a:off x="1638801" y="1066800"/>
-            <a:ext cx="5866398" cy="2148081"/>
+            <a:off x="1638801" y="1219200"/>
+            <a:ext cx="5866398" cy="4038600"/>
           </a:xfrm>
           <a:prstGeom prst="rect">
             <a:avLst/>
@@ -12763,8 +12886,8 @@
         </p:nvSpPr>
         <p:spPr>
           <a:xfrm>
-            <a:off x="152399" y="5215969"/>
-            <a:ext cx="8839200" cy="1477328"/>
+            <a:off x="228600" y="5334000"/>
+            <a:ext cx="8839200" cy="923330"/>
           </a:xfrm>
           <a:prstGeom prst="rect">
             <a:avLst/>
@@ -12783,7 +12906,7 @@
             </a:pPr>
             <a:r>
               <a:rPr lang="en-US" dirty="0" smtClean="0"/>
-              <a:t>When comparing two items Comparison Operators are utilized.</a:t>
+              <a:t>When there are multiple “states” that need to be checked to determine the final block of code that needs to run, the “switch” statement is used.</a:t>
             </a:r>
           </a:p>
           <a:p>
@@ -12793,72 +12916,15 @@
             </a:pPr>
             <a:r>
               <a:rPr lang="en-US" dirty="0" smtClean="0"/>
-              <a:t>The table above express a direct relation between the two objects being compared.</a:t>
-            </a:r>
-          </a:p>
-          <a:p>
-            <a:pPr marL="285750" indent="-285750">
-              <a:buFont typeface="Arial" pitchFamily="34" charset="0"/>
-              <a:buChar char="•"/>
-            </a:pPr>
-            <a:r>
-              <a:rPr lang="en-US" dirty="0" smtClean="0"/>
-              <a:t>These are NOT limited to just </a:t>
-            </a:r>
-            <a:r>
-              <a:rPr lang="en-US" dirty="0" err="1" smtClean="0">
-                <a:solidFill>
-                  <a:srgbClr val="0070C0"/>
-                </a:solidFill>
-              </a:rPr>
-              <a:t>int</a:t>
-            </a:r>
-            <a:r>
-              <a:rPr lang="en-US" dirty="0" smtClean="0"/>
-              <a:t> but can be used to compare any two objects, even Classes and complex objects.</a:t>
-            </a:r>
-            <a:endParaRPr lang="en-US" dirty="0" smtClean="0">
-              <a:solidFill>
-                <a:srgbClr val="0070C0"/>
-              </a:solidFill>
-            </a:endParaRPr>
-          </a:p>
-        </p:txBody>
-      </p:sp>
-      <p:pic>
-        <p:nvPicPr>
-          <p:cNvPr id="6" name="Picture 5"/>
-          <p:cNvPicPr>
-            <a:picLocks noChangeAspect="1"/>
-          </p:cNvPicPr>
-          <p:nvPr/>
-        </p:nvPicPr>
-        <p:blipFill>
-          <a:blip r:embed="rId3" cstate="print">
-            <a:extLst>
-              <a:ext uri="{28A0092B-C50C-407E-A947-70E740481C1C}">
-                <a14:useLocalDpi xmlns:a14="http://schemas.microsoft.com/office/drawing/2010/main" val="0"/>
-              </a:ext>
-            </a:extLst>
-          </a:blip>
-          <a:stretch>
-            <a:fillRect/>
-          </a:stretch>
-        </p:blipFill>
-        <p:spPr>
-          <a:xfrm>
-            <a:off x="3217426" y="3429000"/>
-            <a:ext cx="2709145" cy="1607959"/>
-          </a:xfrm>
-          <a:prstGeom prst="rect">
-            <a:avLst/>
-          </a:prstGeom>
-        </p:spPr>
-      </p:pic>
+              <a:t>This allows for different value conditions for a specific condition.</a:t>
+            </a:r>
+          </a:p>
+        </p:txBody>
+      </p:sp>
     </p:spTree>
     <p:extLst>
       <p:ext uri="{BB962C8B-B14F-4D97-AF65-F5344CB8AC3E}">
-        <p14:creationId xmlns:p14="http://schemas.microsoft.com/office/powerpoint/2010/main" val="1719745184"/>
+        <p14:creationId xmlns:p14="http://schemas.microsoft.com/office/powerpoint/2010/main" val="1500715304"/>
       </p:ext>
     </p:extLst>
   </p:cSld>
@@ -15281,6 +15347,13 @@
   <p:clrMapOvr>
     <a:masterClrMapping/>
   </p:clrMapOvr>
+  <p:timing>
+    <p:tnLst>
+      <p:par>
+        <p:cTn id="1" dur="indefinite" restart="never" nodeType="tmRoot"/>
+      </p:par>
+    </p:tnLst>
+  </p:timing>
 </p:sld>
 </file>
 
@@ -17244,6 +17317,13 @@
   <p:clrMapOvr>
     <a:masterClrMapping/>
   </p:clrMapOvr>
+  <p:timing>
+    <p:tnLst>
+      <p:par>
+        <p:cTn id="1" dur="indefinite" restart="never" nodeType="tmRoot"/>
+      </p:par>
+    </p:tnLst>
+  </p:timing>
 </p:sld>
 </file>
 
@@ -19246,6 +19326,13 @@
   <p:clrMapOvr>
     <a:masterClrMapping/>
   </p:clrMapOvr>
+  <p:timing>
+    <p:tnLst>
+      <p:par>
+        <p:cTn id="1" dur="indefinite" restart="never" nodeType="tmRoot"/>
+      </p:par>
+    </p:tnLst>
+  </p:timing>
 </p:sld>
 </file>
 
